--- a/src/031/課題3.pptx
+++ b/src/031/課題3.pptx
@@ -6,6 +6,7 @@
   </p:sldMasterIdLst>
   <p:sldIdLst>
     <p:sldId id="256" r:id="rId2"/>
+    <p:sldId id="257" r:id="rId3"/>
   </p:sldIdLst>
   <p:sldSz cx="12192000" cy="6858000"/>
   <p:notesSz cx="6858000" cy="9144000"/>
@@ -4793,8 +4794,8 @@
         </p:nvSpPr>
         <p:spPr>
           <a:xfrm>
-            <a:off x="3781141" y="3508539"/>
-            <a:ext cx="1381043" cy="369332"/>
+            <a:off x="3781142" y="3508539"/>
+            <a:ext cx="675598" cy="369332"/>
           </a:xfrm>
           <a:prstGeom prst="rect">
             <a:avLst/>
@@ -5392,7 +5393,7 @@
         </p:nvSpPr>
         <p:spPr>
           <a:xfrm>
-            <a:off x="4511647" y="3831783"/>
+            <a:off x="4511347" y="3845930"/>
             <a:ext cx="675598" cy="369332"/>
           </a:xfrm>
           <a:prstGeom prst="rect">
@@ -5413,10 +5414,6201 @@
           </a:p>
         </p:txBody>
       </p:sp>
+      <p:sp>
+        <p:nvSpPr>
+          <p:cNvPr id="73" name="テキスト ボックス 72">
+            <a:extLst>
+              <a:ext uri="{FF2B5EF4-FFF2-40B4-BE49-F238E27FC236}">
+                <a16:creationId xmlns:a16="http://schemas.microsoft.com/office/drawing/2014/main" id="{E0DFBF89-993C-4B47-9842-51602229F625}"/>
+              </a:ext>
+            </a:extLst>
+          </p:cNvPr>
+          <p:cNvSpPr txBox="1"/>
+          <p:nvPr/>
+        </p:nvSpPr>
+        <p:spPr>
+          <a:xfrm>
+            <a:off x="7617225" y="4280654"/>
+            <a:ext cx="1578429" cy="369332"/>
+          </a:xfrm>
+          <a:prstGeom prst="rect">
+            <a:avLst/>
+          </a:prstGeom>
+          <a:noFill/>
+          <a:ln>
+            <a:solidFill>
+              <a:schemeClr val="accent1"/>
+            </a:solidFill>
+          </a:ln>
+        </p:spPr>
+        <p:txBody>
+          <a:bodyPr wrap="square" rtlCol="0">
+            <a:spAutoFit/>
+          </a:bodyPr>
+          <a:lstStyle/>
+          <a:p>
+            <a:pPr algn="ctr"/>
+            <a:r>
+              <a:rPr lang="ja-JP" altLang="en-US" dirty="0"/>
+              <a:t>モンハン</a:t>
+            </a:r>
+            <a:endParaRPr kumimoji="1" lang="en-US" altLang="ja-JP" dirty="0"/>
+          </a:p>
+        </p:txBody>
+      </p:sp>
+      <p:sp>
+        <p:nvSpPr>
+          <p:cNvPr id="74" name="テキスト ボックス 73">
+            <a:extLst>
+              <a:ext uri="{FF2B5EF4-FFF2-40B4-BE49-F238E27FC236}">
+                <a16:creationId xmlns:a16="http://schemas.microsoft.com/office/drawing/2014/main" id="{6CDA9A65-D786-4CBC-B4C5-92A5F8E397FC}"/>
+              </a:ext>
+            </a:extLst>
+          </p:cNvPr>
+          <p:cNvSpPr txBox="1"/>
+          <p:nvPr/>
+        </p:nvSpPr>
+        <p:spPr>
+          <a:xfrm>
+            <a:off x="7623165" y="5319144"/>
+            <a:ext cx="1578429" cy="369332"/>
+          </a:xfrm>
+          <a:prstGeom prst="rect">
+            <a:avLst/>
+          </a:prstGeom>
+          <a:noFill/>
+          <a:ln>
+            <a:solidFill>
+              <a:schemeClr val="accent1"/>
+            </a:solidFill>
+          </a:ln>
+        </p:spPr>
+        <p:txBody>
+          <a:bodyPr wrap="square" rtlCol="0">
+            <a:spAutoFit/>
+          </a:bodyPr>
+          <a:lstStyle/>
+          <a:p>
+            <a:pPr algn="ctr"/>
+            <a:r>
+              <a:rPr lang="ja-JP" altLang="en-US" dirty="0"/>
+              <a:t>ゲーム</a:t>
+            </a:r>
+            <a:endParaRPr kumimoji="1" lang="en-US" altLang="ja-JP" dirty="0"/>
+          </a:p>
+        </p:txBody>
+      </p:sp>
+      <p:cxnSp>
+        <p:nvCxnSpPr>
+          <p:cNvPr id="76" name="直線矢印コネクタ 75">
+            <a:extLst>
+              <a:ext uri="{FF2B5EF4-FFF2-40B4-BE49-F238E27FC236}">
+                <a16:creationId xmlns:a16="http://schemas.microsoft.com/office/drawing/2014/main" id="{4080B9CF-3938-41EC-91E4-32AA37DFE52A}"/>
+              </a:ext>
+            </a:extLst>
+          </p:cNvPr>
+          <p:cNvCxnSpPr>
+            <a:stCxn id="4" idx="3"/>
+            <a:endCxn id="73" idx="0"/>
+          </p:cNvCxnSpPr>
+          <p:nvPr/>
+        </p:nvCxnSpPr>
+        <p:spPr>
+          <a:xfrm>
+            <a:off x="6885214" y="3429000"/>
+            <a:ext cx="1521226" cy="851654"/>
+          </a:xfrm>
+          <a:prstGeom prst="straightConnector1">
+            <a:avLst/>
+          </a:prstGeom>
+          <a:ln>
+            <a:tailEnd type="triangle"/>
+          </a:ln>
+        </p:spPr>
+        <p:style>
+          <a:lnRef idx="1">
+            <a:schemeClr val="accent1"/>
+          </a:lnRef>
+          <a:fillRef idx="0">
+            <a:schemeClr val="accent1"/>
+          </a:fillRef>
+          <a:effectRef idx="0">
+            <a:schemeClr val="accent1"/>
+          </a:effectRef>
+          <a:fontRef idx="minor">
+            <a:schemeClr val="tx1"/>
+          </a:fontRef>
+        </p:style>
+      </p:cxnSp>
+      <p:cxnSp>
+        <p:nvCxnSpPr>
+          <p:cNvPr id="78" name="直線矢印コネクタ 77">
+            <a:extLst>
+              <a:ext uri="{FF2B5EF4-FFF2-40B4-BE49-F238E27FC236}">
+                <a16:creationId xmlns:a16="http://schemas.microsoft.com/office/drawing/2014/main" id="{CDAFA589-0D44-40E6-836C-DF17075E2E0B}"/>
+              </a:ext>
+            </a:extLst>
+          </p:cNvPr>
+          <p:cNvCxnSpPr>
+            <a:stCxn id="73" idx="2"/>
+            <a:endCxn id="74" idx="0"/>
+          </p:cNvCxnSpPr>
+          <p:nvPr/>
+        </p:nvCxnSpPr>
+        <p:spPr>
+          <a:xfrm>
+            <a:off x="8406440" y="4649986"/>
+            <a:ext cx="5940" cy="669158"/>
+          </a:xfrm>
+          <a:prstGeom prst="straightConnector1">
+            <a:avLst/>
+          </a:prstGeom>
+          <a:ln>
+            <a:tailEnd type="triangle"/>
+          </a:ln>
+        </p:spPr>
+        <p:style>
+          <a:lnRef idx="1">
+            <a:schemeClr val="accent1"/>
+          </a:lnRef>
+          <a:fillRef idx="0">
+            <a:schemeClr val="accent1"/>
+          </a:fillRef>
+          <a:effectRef idx="0">
+            <a:schemeClr val="accent1"/>
+          </a:effectRef>
+          <a:fontRef idx="minor">
+            <a:schemeClr val="tx1"/>
+          </a:fontRef>
+        </p:style>
+      </p:cxnSp>
+      <p:sp>
+        <p:nvSpPr>
+          <p:cNvPr id="79" name="テキスト ボックス 78">
+            <a:extLst>
+              <a:ext uri="{FF2B5EF4-FFF2-40B4-BE49-F238E27FC236}">
+                <a16:creationId xmlns:a16="http://schemas.microsoft.com/office/drawing/2014/main" id="{0C0F1B9E-1E33-44B0-9FC8-26AB9E1B136A}"/>
+              </a:ext>
+            </a:extLst>
+          </p:cNvPr>
+          <p:cNvSpPr txBox="1"/>
+          <p:nvPr/>
+        </p:nvSpPr>
+        <p:spPr>
+          <a:xfrm>
+            <a:off x="8406439" y="4868103"/>
+            <a:ext cx="675598" cy="369332"/>
+          </a:xfrm>
+          <a:prstGeom prst="rect">
+            <a:avLst/>
+          </a:prstGeom>
+          <a:noFill/>
+        </p:spPr>
+        <p:txBody>
+          <a:bodyPr wrap="square" rtlCol="0">
+            <a:spAutoFit/>
+          </a:bodyPr>
+          <a:lstStyle/>
+          <a:p>
+            <a:r>
+              <a:rPr lang="en-US" altLang="ja-JP" dirty="0"/>
+              <a:t>is-a</a:t>
+            </a:r>
+            <a:endParaRPr kumimoji="1" lang="ja-JP" altLang="en-US" dirty="0"/>
+          </a:p>
+        </p:txBody>
+      </p:sp>
+      <p:sp>
+        <p:nvSpPr>
+          <p:cNvPr id="80" name="テキスト ボックス 79">
+            <a:extLst>
+              <a:ext uri="{FF2B5EF4-FFF2-40B4-BE49-F238E27FC236}">
+                <a16:creationId xmlns:a16="http://schemas.microsoft.com/office/drawing/2014/main" id="{F04EDC87-D5B4-4C78-B2F4-71B5CC9D303E}"/>
+              </a:ext>
+            </a:extLst>
+          </p:cNvPr>
+          <p:cNvSpPr txBox="1"/>
+          <p:nvPr/>
+        </p:nvSpPr>
+        <p:spPr>
+          <a:xfrm>
+            <a:off x="8149741" y="3841541"/>
+            <a:ext cx="675598" cy="369332"/>
+          </a:xfrm>
+          <a:prstGeom prst="rect">
+            <a:avLst/>
+          </a:prstGeom>
+          <a:noFill/>
+        </p:spPr>
+        <p:txBody>
+          <a:bodyPr wrap="square" rtlCol="0">
+            <a:spAutoFit/>
+          </a:bodyPr>
+          <a:lstStyle/>
+          <a:p>
+            <a:r>
+              <a:rPr kumimoji="1" lang="ja-JP" altLang="en-US" dirty="0"/>
+              <a:t>趣味</a:t>
+            </a:r>
+          </a:p>
+        </p:txBody>
+      </p:sp>
+      <p:sp>
+        <p:nvSpPr>
+          <p:cNvPr id="81" name="テキスト ボックス 80">
+            <a:extLst>
+              <a:ext uri="{FF2B5EF4-FFF2-40B4-BE49-F238E27FC236}">
+                <a16:creationId xmlns:a16="http://schemas.microsoft.com/office/drawing/2014/main" id="{7D100F04-5D2F-4EE2-A895-581D078FB65A}"/>
+              </a:ext>
+            </a:extLst>
+          </p:cNvPr>
+          <p:cNvSpPr txBox="1"/>
+          <p:nvPr/>
+        </p:nvSpPr>
+        <p:spPr>
+          <a:xfrm>
+            <a:off x="9702734" y="4286196"/>
+            <a:ext cx="1578429" cy="369332"/>
+          </a:xfrm>
+          <a:prstGeom prst="rect">
+            <a:avLst/>
+          </a:prstGeom>
+          <a:noFill/>
+          <a:ln>
+            <a:solidFill>
+              <a:schemeClr val="accent1"/>
+            </a:solidFill>
+          </a:ln>
+        </p:spPr>
+        <p:txBody>
+          <a:bodyPr wrap="square" rtlCol="0">
+            <a:spAutoFit/>
+          </a:bodyPr>
+          <a:lstStyle/>
+          <a:p>
+            <a:pPr algn="ctr"/>
+            <a:r>
+              <a:rPr lang="ja-JP" altLang="en-US" dirty="0"/>
+              <a:t>富山</a:t>
+            </a:r>
+            <a:endParaRPr kumimoji="1" lang="en-US" altLang="ja-JP" dirty="0"/>
+          </a:p>
+        </p:txBody>
+      </p:sp>
+      <p:sp>
+        <p:nvSpPr>
+          <p:cNvPr id="82" name="テキスト ボックス 81">
+            <a:extLst>
+              <a:ext uri="{FF2B5EF4-FFF2-40B4-BE49-F238E27FC236}">
+                <a16:creationId xmlns:a16="http://schemas.microsoft.com/office/drawing/2014/main" id="{2A4867DF-996B-4098-9274-C3F4EC9E7339}"/>
+              </a:ext>
+            </a:extLst>
+          </p:cNvPr>
+          <p:cNvSpPr txBox="1"/>
+          <p:nvPr/>
+        </p:nvSpPr>
+        <p:spPr>
+          <a:xfrm>
+            <a:off x="9702734" y="5312818"/>
+            <a:ext cx="1578429" cy="369332"/>
+          </a:xfrm>
+          <a:prstGeom prst="rect">
+            <a:avLst/>
+          </a:prstGeom>
+          <a:noFill/>
+          <a:ln>
+            <a:solidFill>
+              <a:schemeClr val="accent1"/>
+            </a:solidFill>
+          </a:ln>
+        </p:spPr>
+        <p:txBody>
+          <a:bodyPr wrap="square" rtlCol="0">
+            <a:spAutoFit/>
+          </a:bodyPr>
+          <a:lstStyle/>
+          <a:p>
+            <a:pPr algn="ctr"/>
+            <a:r>
+              <a:rPr lang="ja-JP" altLang="en-US" dirty="0"/>
+              <a:t>日本</a:t>
+            </a:r>
+            <a:endParaRPr kumimoji="1" lang="en-US" altLang="ja-JP" dirty="0"/>
+          </a:p>
+        </p:txBody>
+      </p:sp>
+      <p:cxnSp>
+        <p:nvCxnSpPr>
+          <p:cNvPr id="84" name="直線矢印コネクタ 83">
+            <a:extLst>
+              <a:ext uri="{FF2B5EF4-FFF2-40B4-BE49-F238E27FC236}">
+                <a16:creationId xmlns:a16="http://schemas.microsoft.com/office/drawing/2014/main" id="{86CA7159-55CD-489C-B9A6-1553DA2A908E}"/>
+              </a:ext>
+            </a:extLst>
+          </p:cNvPr>
+          <p:cNvCxnSpPr>
+            <a:stCxn id="4" idx="3"/>
+            <a:endCxn id="81" idx="0"/>
+          </p:cNvCxnSpPr>
+          <p:nvPr/>
+        </p:nvCxnSpPr>
+        <p:spPr>
+          <a:xfrm>
+            <a:off x="6885214" y="3429000"/>
+            <a:ext cx="3606735" cy="857196"/>
+          </a:xfrm>
+          <a:prstGeom prst="straightConnector1">
+            <a:avLst/>
+          </a:prstGeom>
+          <a:ln>
+            <a:tailEnd type="triangle"/>
+          </a:ln>
+        </p:spPr>
+        <p:style>
+          <a:lnRef idx="1">
+            <a:schemeClr val="accent1"/>
+          </a:lnRef>
+          <a:fillRef idx="0">
+            <a:schemeClr val="accent1"/>
+          </a:fillRef>
+          <a:effectRef idx="0">
+            <a:schemeClr val="accent1"/>
+          </a:effectRef>
+          <a:fontRef idx="minor">
+            <a:schemeClr val="tx1"/>
+          </a:fontRef>
+        </p:style>
+      </p:cxnSp>
+      <p:cxnSp>
+        <p:nvCxnSpPr>
+          <p:cNvPr id="86" name="直線矢印コネクタ 85">
+            <a:extLst>
+              <a:ext uri="{FF2B5EF4-FFF2-40B4-BE49-F238E27FC236}">
+                <a16:creationId xmlns:a16="http://schemas.microsoft.com/office/drawing/2014/main" id="{F2692292-E8B5-442E-9B24-6273E0D33F8E}"/>
+              </a:ext>
+            </a:extLst>
+          </p:cNvPr>
+          <p:cNvCxnSpPr>
+            <a:stCxn id="81" idx="2"/>
+            <a:endCxn id="82" idx="0"/>
+          </p:cNvCxnSpPr>
+          <p:nvPr/>
+        </p:nvCxnSpPr>
+        <p:spPr>
+          <a:xfrm>
+            <a:off x="10491949" y="4655528"/>
+            <a:ext cx="0" cy="657290"/>
+          </a:xfrm>
+          <a:prstGeom prst="straightConnector1">
+            <a:avLst/>
+          </a:prstGeom>
+          <a:ln>
+            <a:tailEnd type="triangle"/>
+          </a:ln>
+        </p:spPr>
+        <p:style>
+          <a:lnRef idx="1">
+            <a:schemeClr val="accent1"/>
+          </a:lnRef>
+          <a:fillRef idx="0">
+            <a:schemeClr val="accent1"/>
+          </a:fillRef>
+          <a:effectRef idx="0">
+            <a:schemeClr val="accent1"/>
+          </a:effectRef>
+          <a:fontRef idx="minor">
+            <a:schemeClr val="tx1"/>
+          </a:fontRef>
+        </p:style>
+      </p:cxnSp>
+      <p:sp>
+        <p:nvSpPr>
+          <p:cNvPr id="87" name="テキスト ボックス 86">
+            <a:extLst>
+              <a:ext uri="{FF2B5EF4-FFF2-40B4-BE49-F238E27FC236}">
+                <a16:creationId xmlns:a16="http://schemas.microsoft.com/office/drawing/2014/main" id="{B01DA068-422C-4213-B8BE-415CA279E016}"/>
+              </a:ext>
+            </a:extLst>
+          </p:cNvPr>
+          <p:cNvSpPr txBox="1"/>
+          <p:nvPr/>
+        </p:nvSpPr>
+        <p:spPr>
+          <a:xfrm>
+            <a:off x="10479596" y="4870490"/>
+            <a:ext cx="793613" cy="369332"/>
+          </a:xfrm>
+          <a:prstGeom prst="rect">
+            <a:avLst/>
+          </a:prstGeom>
+          <a:noFill/>
+        </p:spPr>
+        <p:txBody>
+          <a:bodyPr wrap="square" rtlCol="0">
+            <a:spAutoFit/>
+          </a:bodyPr>
+          <a:lstStyle/>
+          <a:p>
+            <a:r>
+              <a:rPr lang="en-US" altLang="ja-JP" dirty="0"/>
+              <a:t>has-a</a:t>
+            </a:r>
+            <a:endParaRPr kumimoji="1" lang="ja-JP" altLang="en-US" dirty="0"/>
+          </a:p>
+        </p:txBody>
+      </p:sp>
+      <p:sp>
+        <p:nvSpPr>
+          <p:cNvPr id="88" name="テキスト ボックス 87">
+            <a:extLst>
+              <a:ext uri="{FF2B5EF4-FFF2-40B4-BE49-F238E27FC236}">
+                <a16:creationId xmlns:a16="http://schemas.microsoft.com/office/drawing/2014/main" id="{A22708C0-E7B8-4C5F-BC0F-9D76C6D6EF3E}"/>
+              </a:ext>
+            </a:extLst>
+          </p:cNvPr>
+          <p:cNvSpPr txBox="1"/>
+          <p:nvPr/>
+        </p:nvSpPr>
+        <p:spPr>
+          <a:xfrm>
+            <a:off x="10156427" y="3845329"/>
+            <a:ext cx="675598" cy="369332"/>
+          </a:xfrm>
+          <a:prstGeom prst="rect">
+            <a:avLst/>
+          </a:prstGeom>
+          <a:noFill/>
+        </p:spPr>
+        <p:txBody>
+          <a:bodyPr wrap="square" rtlCol="0">
+            <a:spAutoFit/>
+          </a:bodyPr>
+          <a:lstStyle/>
+          <a:p>
+            <a:r>
+              <a:rPr lang="ja-JP" altLang="en-US" dirty="0"/>
+              <a:t>出身</a:t>
+            </a:r>
+            <a:endParaRPr kumimoji="1" lang="ja-JP" altLang="en-US" dirty="0"/>
+          </a:p>
+        </p:txBody>
+      </p:sp>
     </p:spTree>
     <p:extLst>
       <p:ext uri="{BB962C8B-B14F-4D97-AF65-F5344CB8AC3E}">
         <p14:creationId xmlns:p14="http://schemas.microsoft.com/office/powerpoint/2010/main" val="679200752"/>
+      </p:ext>
+    </p:extLst>
+  </p:cSld>
+  <p:clrMapOvr>
+    <a:masterClrMapping/>
+  </p:clrMapOvr>
+</p:sld>
+</file>
+
+<file path=ppt/slides/slide2.xml><?xml version="1.0" encoding="utf-8"?>
+<p:sld xmlns:a="http://schemas.openxmlformats.org/drawingml/2006/main" xmlns:r="http://schemas.openxmlformats.org/officeDocument/2006/relationships" xmlns:p="http://schemas.openxmlformats.org/presentationml/2006/main">
+  <p:cSld>
+    <p:spTree>
+      <p:nvGrpSpPr>
+        <p:cNvPr id="1" name=""/>
+        <p:cNvGrpSpPr/>
+        <p:nvPr/>
+      </p:nvGrpSpPr>
+      <p:grpSpPr>
+        <a:xfrm>
+          <a:off x="0" y="0"/>
+          <a:ext cx="0" cy="0"/>
+          <a:chOff x="0" y="0"/>
+          <a:chExt cx="0" cy="0"/>
+        </a:xfrm>
+      </p:grpSpPr>
+      <p:grpSp>
+        <p:nvGrpSpPr>
+          <p:cNvPr id="12" name="グループ化 11">
+            <a:extLst>
+              <a:ext uri="{FF2B5EF4-FFF2-40B4-BE49-F238E27FC236}">
+                <a16:creationId xmlns:a16="http://schemas.microsoft.com/office/drawing/2014/main" id="{93FB7681-BBE0-4283-843B-21B231A21E43}"/>
+              </a:ext>
+            </a:extLst>
+          </p:cNvPr>
+          <p:cNvGrpSpPr/>
+          <p:nvPr/>
+        </p:nvGrpSpPr>
+        <p:grpSpPr>
+          <a:xfrm>
+            <a:off x="731560" y="185863"/>
+            <a:ext cx="2055304" cy="1493240"/>
+            <a:chOff x="1585519" y="713064"/>
+            <a:chExt cx="2147582" cy="2030136"/>
+          </a:xfrm>
+        </p:grpSpPr>
+        <p:sp>
+          <p:nvSpPr>
+            <p:cNvPr id="2" name="正方形/長方形 1">
+              <a:extLst>
+                <a:ext uri="{FF2B5EF4-FFF2-40B4-BE49-F238E27FC236}">
+                  <a16:creationId xmlns:a16="http://schemas.microsoft.com/office/drawing/2014/main" id="{03B93656-89A1-4AD4-995A-4984E103D1ED}"/>
+                </a:ext>
+              </a:extLst>
+            </p:cNvPr>
+            <p:cNvSpPr/>
+            <p:nvPr/>
+          </p:nvSpPr>
+          <p:spPr>
+            <a:xfrm>
+              <a:off x="1585519" y="713064"/>
+              <a:ext cx="2147582" cy="2030136"/>
+            </a:xfrm>
+            <a:prstGeom prst="rect">
+              <a:avLst/>
+            </a:prstGeom>
+          </p:spPr>
+          <p:style>
+            <a:lnRef idx="2">
+              <a:schemeClr val="dk1"/>
+            </a:lnRef>
+            <a:fillRef idx="1">
+              <a:schemeClr val="lt1"/>
+            </a:fillRef>
+            <a:effectRef idx="0">
+              <a:schemeClr val="dk1"/>
+            </a:effectRef>
+            <a:fontRef idx="minor">
+              <a:schemeClr val="dk1"/>
+            </a:fontRef>
+          </p:style>
+          <p:txBody>
+            <a:bodyPr rtlCol="0" anchor="ctr"/>
+            <a:lstStyle/>
+            <a:p>
+              <a:pPr algn="ctr"/>
+              <a:endParaRPr kumimoji="1" lang="ja-JP" altLang="en-US" sz="1200"/>
+            </a:p>
+          </p:txBody>
+        </p:sp>
+        <p:sp>
+          <p:nvSpPr>
+            <p:cNvPr id="3" name="テキスト ボックス 2">
+              <a:extLst>
+                <a:ext uri="{FF2B5EF4-FFF2-40B4-BE49-F238E27FC236}">
+                  <a16:creationId xmlns:a16="http://schemas.microsoft.com/office/drawing/2014/main" id="{7D4D884B-6E0F-4292-9F18-5EA61A4F5A59}"/>
+                </a:ext>
+              </a:extLst>
+            </p:cNvPr>
+            <p:cNvSpPr txBox="1"/>
+            <p:nvPr/>
+          </p:nvSpPr>
+          <p:spPr>
+            <a:xfrm>
+              <a:off x="1652631" y="780176"/>
+              <a:ext cx="1652631" cy="276999"/>
+            </a:xfrm>
+            <a:prstGeom prst="rect">
+              <a:avLst/>
+            </a:prstGeom>
+            <a:noFill/>
+          </p:spPr>
+          <p:txBody>
+            <a:bodyPr wrap="square" rtlCol="0">
+              <a:spAutoFit/>
+            </a:bodyPr>
+            <a:lstStyle/>
+            <a:p>
+              <a:r>
+                <a:rPr kumimoji="1" lang="ja-JP" altLang="en-US" sz="1200" dirty="0"/>
+                <a:t>キャラクター</a:t>
+              </a:r>
+            </a:p>
+          </p:txBody>
+        </p:sp>
+        <p:sp>
+          <p:nvSpPr>
+            <p:cNvPr id="4" name="テキスト ボックス 3">
+              <a:extLst>
+                <a:ext uri="{FF2B5EF4-FFF2-40B4-BE49-F238E27FC236}">
+                  <a16:creationId xmlns:a16="http://schemas.microsoft.com/office/drawing/2014/main" id="{59E0CE77-815C-4ECE-BF17-7E92379DB2C7}"/>
+                </a:ext>
+              </a:extLst>
+            </p:cNvPr>
+            <p:cNvSpPr txBox="1"/>
+            <p:nvPr/>
+          </p:nvSpPr>
+          <p:spPr>
+            <a:xfrm>
+              <a:off x="1765881" y="1149508"/>
+              <a:ext cx="645953" cy="276999"/>
+            </a:xfrm>
+            <a:prstGeom prst="rect">
+              <a:avLst/>
+            </a:prstGeom>
+            <a:noFill/>
+          </p:spPr>
+          <p:txBody>
+            <a:bodyPr wrap="square" rtlCol="0">
+              <a:spAutoFit/>
+            </a:bodyPr>
+            <a:lstStyle/>
+            <a:p>
+              <a:r>
+                <a:rPr lang="en-US" altLang="ja-JP" sz="1200" dirty="0" err="1"/>
+                <a:t>ako</a:t>
+              </a:r>
+              <a:endParaRPr kumimoji="1" lang="ja-JP" altLang="en-US" sz="1200" dirty="0"/>
+            </a:p>
+          </p:txBody>
+        </p:sp>
+        <p:sp>
+          <p:nvSpPr>
+            <p:cNvPr id="5" name="テキスト ボックス 4">
+              <a:extLst>
+                <a:ext uri="{FF2B5EF4-FFF2-40B4-BE49-F238E27FC236}">
+                  <a16:creationId xmlns:a16="http://schemas.microsoft.com/office/drawing/2014/main" id="{A0729C2A-59FA-40D9-9EF0-913C62F46B4C}"/>
+                </a:ext>
+              </a:extLst>
+            </p:cNvPr>
+            <p:cNvSpPr txBox="1"/>
+            <p:nvPr/>
+          </p:nvSpPr>
+          <p:spPr>
+            <a:xfrm>
+              <a:off x="1698768" y="1504331"/>
+              <a:ext cx="645953" cy="276999"/>
+            </a:xfrm>
+            <a:prstGeom prst="rect">
+              <a:avLst/>
+            </a:prstGeom>
+            <a:noFill/>
+          </p:spPr>
+          <p:txBody>
+            <a:bodyPr wrap="square" rtlCol="0">
+              <a:spAutoFit/>
+            </a:bodyPr>
+            <a:lstStyle/>
+            <a:p>
+              <a:r>
+                <a:rPr lang="ja-JP" altLang="en-US" sz="1200" dirty="0"/>
+                <a:t>武器</a:t>
+              </a:r>
+              <a:endParaRPr kumimoji="1" lang="ja-JP" altLang="en-US" sz="1200" dirty="0"/>
+            </a:p>
+          </p:txBody>
+        </p:sp>
+        <p:sp>
+          <p:nvSpPr>
+            <p:cNvPr id="6" name="テキスト ボックス 5">
+              <a:extLst>
+                <a:ext uri="{FF2B5EF4-FFF2-40B4-BE49-F238E27FC236}">
+                  <a16:creationId xmlns:a16="http://schemas.microsoft.com/office/drawing/2014/main" id="{31F64B63-8934-4013-9479-D8C7215B3DE3}"/>
+                </a:ext>
+              </a:extLst>
+            </p:cNvPr>
+            <p:cNvSpPr txBox="1"/>
+            <p:nvPr/>
+          </p:nvSpPr>
+          <p:spPr>
+            <a:xfrm>
+              <a:off x="1698768" y="1873663"/>
+              <a:ext cx="645953" cy="276999"/>
+            </a:xfrm>
+            <a:prstGeom prst="rect">
+              <a:avLst/>
+            </a:prstGeom>
+            <a:noFill/>
+          </p:spPr>
+          <p:txBody>
+            <a:bodyPr wrap="square" rtlCol="0">
+              <a:spAutoFit/>
+            </a:bodyPr>
+            <a:lstStyle/>
+            <a:p>
+              <a:r>
+                <a:rPr kumimoji="1" lang="ja-JP" altLang="en-US" sz="1200" dirty="0"/>
+                <a:t>性別</a:t>
+              </a:r>
+            </a:p>
+          </p:txBody>
+        </p:sp>
+        <p:sp>
+          <p:nvSpPr>
+            <p:cNvPr id="7" name="テキスト ボックス 6">
+              <a:extLst>
+                <a:ext uri="{FF2B5EF4-FFF2-40B4-BE49-F238E27FC236}">
+                  <a16:creationId xmlns:a16="http://schemas.microsoft.com/office/drawing/2014/main" id="{1CE69D6B-E47E-4C04-8468-15E16FDB6ABC}"/>
+                </a:ext>
+              </a:extLst>
+            </p:cNvPr>
+            <p:cNvSpPr txBox="1"/>
+            <p:nvPr/>
+          </p:nvSpPr>
+          <p:spPr>
+            <a:xfrm>
+              <a:off x="1669405" y="2242995"/>
+              <a:ext cx="1103156" cy="276999"/>
+            </a:xfrm>
+            <a:prstGeom prst="rect">
+              <a:avLst/>
+            </a:prstGeom>
+            <a:noFill/>
+          </p:spPr>
+          <p:txBody>
+            <a:bodyPr wrap="square" rtlCol="0">
+              <a:spAutoFit/>
+            </a:bodyPr>
+            <a:lstStyle/>
+            <a:p>
+              <a:r>
+                <a:rPr lang="ja-JP" altLang="en-US" sz="1200" dirty="0"/>
+                <a:t>タイトル</a:t>
+              </a:r>
+              <a:endParaRPr kumimoji="1" lang="ja-JP" altLang="en-US" sz="1200" dirty="0"/>
+            </a:p>
+          </p:txBody>
+        </p:sp>
+        <p:sp>
+          <p:nvSpPr>
+            <p:cNvPr id="8" name="正方形/長方形 7">
+              <a:extLst>
+                <a:ext uri="{FF2B5EF4-FFF2-40B4-BE49-F238E27FC236}">
+                  <a16:creationId xmlns:a16="http://schemas.microsoft.com/office/drawing/2014/main" id="{F0EB2285-AD1A-4234-9FE3-13CD5C24A271}"/>
+                </a:ext>
+              </a:extLst>
+            </p:cNvPr>
+            <p:cNvSpPr/>
+            <p:nvPr/>
+          </p:nvSpPr>
+          <p:spPr>
+            <a:xfrm>
+              <a:off x="2845266" y="1178355"/>
+              <a:ext cx="673915" cy="286903"/>
+            </a:xfrm>
+            <a:prstGeom prst="rect">
+              <a:avLst/>
+            </a:prstGeom>
+          </p:spPr>
+          <p:style>
+            <a:lnRef idx="2">
+              <a:schemeClr val="dk1"/>
+            </a:lnRef>
+            <a:fillRef idx="1">
+              <a:schemeClr val="lt1"/>
+            </a:fillRef>
+            <a:effectRef idx="0">
+              <a:schemeClr val="dk1"/>
+            </a:effectRef>
+            <a:fontRef idx="minor">
+              <a:schemeClr val="dk1"/>
+            </a:fontRef>
+          </p:style>
+          <p:txBody>
+            <a:bodyPr rtlCol="0" anchor="ctr"/>
+            <a:lstStyle/>
+            <a:p>
+              <a:pPr algn="ctr"/>
+              <a:endParaRPr kumimoji="1" lang="ja-JP" altLang="en-US" sz="1200"/>
+            </a:p>
+          </p:txBody>
+        </p:sp>
+        <p:sp>
+          <p:nvSpPr>
+            <p:cNvPr id="9" name="正方形/長方形 8">
+              <a:extLst>
+                <a:ext uri="{FF2B5EF4-FFF2-40B4-BE49-F238E27FC236}">
+                  <a16:creationId xmlns:a16="http://schemas.microsoft.com/office/drawing/2014/main" id="{35ADA592-4A78-46FA-A8D8-EB14832EB0F9}"/>
+                </a:ext>
+              </a:extLst>
+            </p:cNvPr>
+            <p:cNvSpPr/>
+            <p:nvPr/>
+          </p:nvSpPr>
+          <p:spPr>
+            <a:xfrm>
+              <a:off x="2845265" y="1533235"/>
+              <a:ext cx="673915" cy="286903"/>
+            </a:xfrm>
+            <a:prstGeom prst="rect">
+              <a:avLst/>
+            </a:prstGeom>
+          </p:spPr>
+          <p:style>
+            <a:lnRef idx="2">
+              <a:schemeClr val="dk1"/>
+            </a:lnRef>
+            <a:fillRef idx="1">
+              <a:schemeClr val="lt1"/>
+            </a:fillRef>
+            <a:effectRef idx="0">
+              <a:schemeClr val="dk1"/>
+            </a:effectRef>
+            <a:fontRef idx="minor">
+              <a:schemeClr val="dk1"/>
+            </a:fontRef>
+          </p:style>
+          <p:txBody>
+            <a:bodyPr rtlCol="0" anchor="ctr"/>
+            <a:lstStyle/>
+            <a:p>
+              <a:pPr algn="ctr"/>
+              <a:endParaRPr kumimoji="1" lang="ja-JP" altLang="en-US" sz="1200"/>
+            </a:p>
+          </p:txBody>
+        </p:sp>
+        <p:sp>
+          <p:nvSpPr>
+            <p:cNvPr id="10" name="正方形/長方形 9">
+              <a:extLst>
+                <a:ext uri="{FF2B5EF4-FFF2-40B4-BE49-F238E27FC236}">
+                  <a16:creationId xmlns:a16="http://schemas.microsoft.com/office/drawing/2014/main" id="{5748B62A-6AF6-45A5-8C6E-B1CAD78E4774}"/>
+                </a:ext>
+              </a:extLst>
+            </p:cNvPr>
+            <p:cNvSpPr/>
+            <p:nvPr/>
+          </p:nvSpPr>
+          <p:spPr>
+            <a:xfrm>
+              <a:off x="2845264" y="1888115"/>
+              <a:ext cx="673915" cy="286903"/>
+            </a:xfrm>
+            <a:prstGeom prst="rect">
+              <a:avLst/>
+            </a:prstGeom>
+          </p:spPr>
+          <p:style>
+            <a:lnRef idx="2">
+              <a:schemeClr val="dk1"/>
+            </a:lnRef>
+            <a:fillRef idx="1">
+              <a:schemeClr val="lt1"/>
+            </a:fillRef>
+            <a:effectRef idx="0">
+              <a:schemeClr val="dk1"/>
+            </a:effectRef>
+            <a:fontRef idx="minor">
+              <a:schemeClr val="dk1"/>
+            </a:fontRef>
+          </p:style>
+          <p:txBody>
+            <a:bodyPr rtlCol="0" anchor="ctr"/>
+            <a:lstStyle/>
+            <a:p>
+              <a:pPr algn="ctr"/>
+              <a:endParaRPr kumimoji="1" lang="ja-JP" altLang="en-US" sz="1200"/>
+            </a:p>
+          </p:txBody>
+        </p:sp>
+        <p:sp>
+          <p:nvSpPr>
+            <p:cNvPr id="11" name="正方形/長方形 10">
+              <a:extLst>
+                <a:ext uri="{FF2B5EF4-FFF2-40B4-BE49-F238E27FC236}">
+                  <a16:creationId xmlns:a16="http://schemas.microsoft.com/office/drawing/2014/main" id="{CD793454-AF05-49E6-89C7-6B57A1082AC6}"/>
+                </a:ext>
+              </a:extLst>
+            </p:cNvPr>
+            <p:cNvSpPr/>
+            <p:nvPr/>
+          </p:nvSpPr>
+          <p:spPr>
+            <a:xfrm>
+              <a:off x="2845263" y="2242995"/>
+              <a:ext cx="673915" cy="286903"/>
+            </a:xfrm>
+            <a:prstGeom prst="rect">
+              <a:avLst/>
+            </a:prstGeom>
+          </p:spPr>
+          <p:style>
+            <a:lnRef idx="2">
+              <a:schemeClr val="dk1"/>
+            </a:lnRef>
+            <a:fillRef idx="1">
+              <a:schemeClr val="lt1"/>
+            </a:fillRef>
+            <a:effectRef idx="0">
+              <a:schemeClr val="dk1"/>
+            </a:effectRef>
+            <a:fontRef idx="minor">
+              <a:schemeClr val="dk1"/>
+            </a:fontRef>
+          </p:style>
+          <p:txBody>
+            <a:bodyPr rtlCol="0" anchor="ctr"/>
+            <a:lstStyle/>
+            <a:p>
+              <a:pPr algn="ctr"/>
+              <a:endParaRPr kumimoji="1" lang="ja-JP" altLang="en-US" sz="1200"/>
+            </a:p>
+          </p:txBody>
+        </p:sp>
+      </p:grpSp>
+      <p:grpSp>
+        <p:nvGrpSpPr>
+          <p:cNvPr id="25" name="グループ化 24">
+            <a:extLst>
+              <a:ext uri="{FF2B5EF4-FFF2-40B4-BE49-F238E27FC236}">
+                <a16:creationId xmlns:a16="http://schemas.microsoft.com/office/drawing/2014/main" id="{A717DE13-4BE4-4054-BCD9-8B312B531A14}"/>
+              </a:ext>
+            </a:extLst>
+          </p:cNvPr>
+          <p:cNvGrpSpPr/>
+          <p:nvPr/>
+        </p:nvGrpSpPr>
+        <p:grpSpPr>
+          <a:xfrm>
+            <a:off x="527729" y="2188558"/>
+            <a:ext cx="1710077" cy="672575"/>
+            <a:chOff x="1593908" y="2608976"/>
+            <a:chExt cx="1786855" cy="914400"/>
+          </a:xfrm>
+        </p:grpSpPr>
+        <p:sp>
+          <p:nvSpPr>
+            <p:cNvPr id="13" name="正方形/長方形 12">
+              <a:extLst>
+                <a:ext uri="{FF2B5EF4-FFF2-40B4-BE49-F238E27FC236}">
+                  <a16:creationId xmlns:a16="http://schemas.microsoft.com/office/drawing/2014/main" id="{F22B1984-C506-4575-A95D-9A6A0E9A39EB}"/>
+                </a:ext>
+              </a:extLst>
+            </p:cNvPr>
+            <p:cNvSpPr/>
+            <p:nvPr/>
+          </p:nvSpPr>
+          <p:spPr>
+            <a:xfrm>
+              <a:off x="1593908" y="2608976"/>
+              <a:ext cx="1786855" cy="914400"/>
+            </a:xfrm>
+            <a:prstGeom prst="rect">
+              <a:avLst/>
+            </a:prstGeom>
+          </p:spPr>
+          <p:style>
+            <a:lnRef idx="2">
+              <a:schemeClr val="dk1"/>
+            </a:lnRef>
+            <a:fillRef idx="1">
+              <a:schemeClr val="lt1"/>
+            </a:fillRef>
+            <a:effectRef idx="0">
+              <a:schemeClr val="dk1"/>
+            </a:effectRef>
+            <a:fontRef idx="minor">
+              <a:schemeClr val="dk1"/>
+            </a:fontRef>
+          </p:style>
+          <p:txBody>
+            <a:bodyPr rtlCol="0" anchor="ctr"/>
+            <a:lstStyle/>
+            <a:p>
+              <a:pPr algn="ctr"/>
+              <a:endParaRPr kumimoji="1" lang="ja-JP" altLang="en-US" sz="1200"/>
+            </a:p>
+          </p:txBody>
+        </p:sp>
+        <p:sp>
+          <p:nvSpPr>
+            <p:cNvPr id="14" name="テキスト ボックス 13">
+              <a:extLst>
+                <a:ext uri="{FF2B5EF4-FFF2-40B4-BE49-F238E27FC236}">
+                  <a16:creationId xmlns:a16="http://schemas.microsoft.com/office/drawing/2014/main" id="{9659E503-4E1F-4318-AD4F-9F37CA9A49D7}"/>
+                </a:ext>
+              </a:extLst>
+            </p:cNvPr>
+            <p:cNvSpPr txBox="1"/>
+            <p:nvPr/>
+          </p:nvSpPr>
+          <p:spPr>
+            <a:xfrm>
+              <a:off x="2139192" y="2667591"/>
+              <a:ext cx="696286" cy="276999"/>
+            </a:xfrm>
+            <a:prstGeom prst="rect">
+              <a:avLst/>
+            </a:prstGeom>
+            <a:noFill/>
+          </p:spPr>
+          <p:txBody>
+            <a:bodyPr wrap="square" rtlCol="0">
+              <a:spAutoFit/>
+            </a:bodyPr>
+            <a:lstStyle/>
+            <a:p>
+              <a:r>
+                <a:rPr kumimoji="1" lang="ja-JP" altLang="en-US" sz="1200" dirty="0"/>
+                <a:t>人間</a:t>
+              </a:r>
+            </a:p>
+          </p:txBody>
+        </p:sp>
+        <p:sp>
+          <p:nvSpPr>
+            <p:cNvPr id="15" name="テキスト ボックス 14">
+              <a:extLst>
+                <a:ext uri="{FF2B5EF4-FFF2-40B4-BE49-F238E27FC236}">
+                  <a16:creationId xmlns:a16="http://schemas.microsoft.com/office/drawing/2014/main" id="{AD128299-3591-4FA6-9D00-222563B4685A}"/>
+                </a:ext>
+              </a:extLst>
+            </p:cNvPr>
+            <p:cNvSpPr txBox="1"/>
+            <p:nvPr/>
+          </p:nvSpPr>
+          <p:spPr>
+            <a:xfrm>
+              <a:off x="1736521" y="3036706"/>
+              <a:ext cx="562062" cy="276999"/>
+            </a:xfrm>
+            <a:prstGeom prst="rect">
+              <a:avLst/>
+            </a:prstGeom>
+            <a:noFill/>
+          </p:spPr>
+          <p:txBody>
+            <a:bodyPr wrap="square" rtlCol="0">
+              <a:spAutoFit/>
+            </a:bodyPr>
+            <a:lstStyle/>
+            <a:p>
+              <a:r>
+                <a:rPr kumimoji="1" lang="en-US" altLang="ja-JP" sz="1200" dirty="0" err="1"/>
+                <a:t>ako</a:t>
+              </a:r>
+              <a:endParaRPr kumimoji="1" lang="ja-JP" altLang="en-US" sz="1200" dirty="0"/>
+            </a:p>
+          </p:txBody>
+        </p:sp>
+        <p:sp>
+          <p:nvSpPr>
+            <p:cNvPr id="16" name="正方形/長方形 15">
+              <a:extLst>
+                <a:ext uri="{FF2B5EF4-FFF2-40B4-BE49-F238E27FC236}">
+                  <a16:creationId xmlns:a16="http://schemas.microsoft.com/office/drawing/2014/main" id="{8D7EBBBB-B38D-4205-8C0A-815766FC67E1}"/>
+                </a:ext>
+              </a:extLst>
+            </p:cNvPr>
+            <p:cNvSpPr/>
+            <p:nvPr/>
+          </p:nvSpPr>
+          <p:spPr>
+            <a:xfrm>
+              <a:off x="2394357" y="3073974"/>
+              <a:ext cx="890631" cy="295013"/>
+            </a:xfrm>
+            <a:prstGeom prst="rect">
+              <a:avLst/>
+            </a:prstGeom>
+          </p:spPr>
+          <p:style>
+            <a:lnRef idx="2">
+              <a:schemeClr val="dk1"/>
+            </a:lnRef>
+            <a:fillRef idx="1">
+              <a:schemeClr val="lt1"/>
+            </a:fillRef>
+            <a:effectRef idx="0">
+              <a:schemeClr val="dk1"/>
+            </a:effectRef>
+            <a:fontRef idx="minor">
+              <a:schemeClr val="dk1"/>
+            </a:fontRef>
+          </p:style>
+          <p:txBody>
+            <a:bodyPr rtlCol="0" anchor="ctr"/>
+            <a:lstStyle/>
+            <a:p>
+              <a:pPr algn="ctr"/>
+              <a:endParaRPr kumimoji="1" lang="ja-JP" altLang="en-US" sz="1200"/>
+            </a:p>
+          </p:txBody>
+        </p:sp>
+      </p:grpSp>
+      <p:grpSp>
+        <p:nvGrpSpPr>
+          <p:cNvPr id="26" name="グループ化 25">
+            <a:extLst>
+              <a:ext uri="{FF2B5EF4-FFF2-40B4-BE49-F238E27FC236}">
+                <a16:creationId xmlns:a16="http://schemas.microsoft.com/office/drawing/2014/main" id="{82625448-5C59-49AD-9938-5F88D87C0988}"/>
+              </a:ext>
+            </a:extLst>
+          </p:cNvPr>
+          <p:cNvGrpSpPr/>
+          <p:nvPr/>
+        </p:nvGrpSpPr>
+        <p:grpSpPr>
+          <a:xfrm>
+            <a:off x="2526667" y="2188558"/>
+            <a:ext cx="1710077" cy="672575"/>
+            <a:chOff x="3934436" y="2630860"/>
+            <a:chExt cx="1786855" cy="914400"/>
+          </a:xfrm>
+        </p:grpSpPr>
+        <p:sp>
+          <p:nvSpPr>
+            <p:cNvPr id="17" name="正方形/長方形 16">
+              <a:extLst>
+                <a:ext uri="{FF2B5EF4-FFF2-40B4-BE49-F238E27FC236}">
+                  <a16:creationId xmlns:a16="http://schemas.microsoft.com/office/drawing/2014/main" id="{B2A80132-8BF2-43D9-ADBC-6856C0721CF8}"/>
+                </a:ext>
+              </a:extLst>
+            </p:cNvPr>
+            <p:cNvSpPr/>
+            <p:nvPr/>
+          </p:nvSpPr>
+          <p:spPr>
+            <a:xfrm>
+              <a:off x="3934436" y="2630860"/>
+              <a:ext cx="1786855" cy="914400"/>
+            </a:xfrm>
+            <a:prstGeom prst="rect">
+              <a:avLst/>
+            </a:prstGeom>
+          </p:spPr>
+          <p:style>
+            <a:lnRef idx="2">
+              <a:schemeClr val="dk1"/>
+            </a:lnRef>
+            <a:fillRef idx="1">
+              <a:schemeClr val="lt1"/>
+            </a:fillRef>
+            <a:effectRef idx="0">
+              <a:schemeClr val="dk1"/>
+            </a:effectRef>
+            <a:fontRef idx="minor">
+              <a:schemeClr val="dk1"/>
+            </a:fontRef>
+          </p:style>
+          <p:txBody>
+            <a:bodyPr rtlCol="0" anchor="ctr"/>
+            <a:lstStyle/>
+            <a:p>
+              <a:pPr algn="ctr"/>
+              <a:endParaRPr kumimoji="1" lang="ja-JP" altLang="en-US" sz="1200"/>
+            </a:p>
+          </p:txBody>
+        </p:sp>
+        <p:sp>
+          <p:nvSpPr>
+            <p:cNvPr id="18" name="テキスト ボックス 17">
+              <a:extLst>
+                <a:ext uri="{FF2B5EF4-FFF2-40B4-BE49-F238E27FC236}">
+                  <a16:creationId xmlns:a16="http://schemas.microsoft.com/office/drawing/2014/main" id="{C0A5124D-0895-4B67-B659-1BB79492A341}"/>
+                </a:ext>
+              </a:extLst>
+            </p:cNvPr>
+            <p:cNvSpPr txBox="1"/>
+            <p:nvPr/>
+          </p:nvSpPr>
+          <p:spPr>
+            <a:xfrm>
+              <a:off x="4479720" y="2689475"/>
+              <a:ext cx="696286" cy="276999"/>
+            </a:xfrm>
+            <a:prstGeom prst="rect">
+              <a:avLst/>
+            </a:prstGeom>
+            <a:noFill/>
+          </p:spPr>
+          <p:txBody>
+            <a:bodyPr wrap="square" rtlCol="0">
+              <a:spAutoFit/>
+            </a:bodyPr>
+            <a:lstStyle/>
+            <a:p>
+              <a:r>
+                <a:rPr lang="ja-JP" altLang="en-US" sz="1200" dirty="0"/>
+                <a:t>動物</a:t>
+              </a:r>
+              <a:endParaRPr kumimoji="1" lang="ja-JP" altLang="en-US" sz="1200" dirty="0"/>
+            </a:p>
+          </p:txBody>
+        </p:sp>
+        <p:sp>
+          <p:nvSpPr>
+            <p:cNvPr id="19" name="テキスト ボックス 18">
+              <a:extLst>
+                <a:ext uri="{FF2B5EF4-FFF2-40B4-BE49-F238E27FC236}">
+                  <a16:creationId xmlns:a16="http://schemas.microsoft.com/office/drawing/2014/main" id="{45A0A1FC-17AF-47A9-B735-3293C35AB0C0}"/>
+                </a:ext>
+              </a:extLst>
+            </p:cNvPr>
+            <p:cNvSpPr txBox="1"/>
+            <p:nvPr/>
+          </p:nvSpPr>
+          <p:spPr>
+            <a:xfrm>
+              <a:off x="4077049" y="3058590"/>
+              <a:ext cx="562062" cy="276999"/>
+            </a:xfrm>
+            <a:prstGeom prst="rect">
+              <a:avLst/>
+            </a:prstGeom>
+            <a:noFill/>
+          </p:spPr>
+          <p:txBody>
+            <a:bodyPr wrap="square" rtlCol="0">
+              <a:spAutoFit/>
+            </a:bodyPr>
+            <a:lstStyle/>
+            <a:p>
+              <a:r>
+                <a:rPr kumimoji="1" lang="en-US" altLang="ja-JP" sz="1200" dirty="0" err="1"/>
+                <a:t>ako</a:t>
+              </a:r>
+              <a:endParaRPr kumimoji="1" lang="ja-JP" altLang="en-US" sz="1200" dirty="0"/>
+            </a:p>
+          </p:txBody>
+        </p:sp>
+        <p:sp>
+          <p:nvSpPr>
+            <p:cNvPr id="20" name="正方形/長方形 19">
+              <a:extLst>
+                <a:ext uri="{FF2B5EF4-FFF2-40B4-BE49-F238E27FC236}">
+                  <a16:creationId xmlns:a16="http://schemas.microsoft.com/office/drawing/2014/main" id="{9C4B885B-56B8-4A31-9A40-516BC662E601}"/>
+                </a:ext>
+              </a:extLst>
+            </p:cNvPr>
+            <p:cNvSpPr/>
+            <p:nvPr/>
+          </p:nvSpPr>
+          <p:spPr>
+            <a:xfrm>
+              <a:off x="4734885" y="3095858"/>
+              <a:ext cx="890631" cy="295013"/>
+            </a:xfrm>
+            <a:prstGeom prst="rect">
+              <a:avLst/>
+            </a:prstGeom>
+          </p:spPr>
+          <p:style>
+            <a:lnRef idx="2">
+              <a:schemeClr val="dk1"/>
+            </a:lnRef>
+            <a:fillRef idx="1">
+              <a:schemeClr val="lt1"/>
+            </a:fillRef>
+            <a:effectRef idx="0">
+              <a:schemeClr val="dk1"/>
+            </a:effectRef>
+            <a:fontRef idx="minor">
+              <a:schemeClr val="dk1"/>
+            </a:fontRef>
+          </p:style>
+          <p:txBody>
+            <a:bodyPr rtlCol="0" anchor="ctr"/>
+            <a:lstStyle/>
+            <a:p>
+              <a:pPr algn="ctr"/>
+              <a:endParaRPr kumimoji="1" lang="ja-JP" altLang="en-US" sz="1200"/>
+            </a:p>
+          </p:txBody>
+        </p:sp>
+      </p:grpSp>
+      <p:grpSp>
+        <p:nvGrpSpPr>
+          <p:cNvPr id="27" name="グループ化 26">
+            <a:extLst>
+              <a:ext uri="{FF2B5EF4-FFF2-40B4-BE49-F238E27FC236}">
+                <a16:creationId xmlns:a16="http://schemas.microsoft.com/office/drawing/2014/main" id="{5603AC9D-7044-46D9-B0FC-B8614E6E4D18}"/>
+              </a:ext>
+            </a:extLst>
+          </p:cNvPr>
+          <p:cNvGrpSpPr/>
+          <p:nvPr/>
+        </p:nvGrpSpPr>
+        <p:grpSpPr>
+          <a:xfrm>
+            <a:off x="4466261" y="2203412"/>
+            <a:ext cx="1710077" cy="672575"/>
+            <a:chOff x="6274964" y="2615198"/>
+            <a:chExt cx="1786855" cy="914400"/>
+          </a:xfrm>
+        </p:grpSpPr>
+        <p:sp>
+          <p:nvSpPr>
+            <p:cNvPr id="21" name="正方形/長方形 20">
+              <a:extLst>
+                <a:ext uri="{FF2B5EF4-FFF2-40B4-BE49-F238E27FC236}">
+                  <a16:creationId xmlns:a16="http://schemas.microsoft.com/office/drawing/2014/main" id="{44315436-0B4D-4F36-A387-F4B1B06FAF92}"/>
+                </a:ext>
+              </a:extLst>
+            </p:cNvPr>
+            <p:cNvSpPr/>
+            <p:nvPr/>
+          </p:nvSpPr>
+          <p:spPr>
+            <a:xfrm>
+              <a:off x="6274964" y="2615198"/>
+              <a:ext cx="1786855" cy="914400"/>
+            </a:xfrm>
+            <a:prstGeom prst="rect">
+              <a:avLst/>
+            </a:prstGeom>
+          </p:spPr>
+          <p:style>
+            <a:lnRef idx="2">
+              <a:schemeClr val="dk1"/>
+            </a:lnRef>
+            <a:fillRef idx="1">
+              <a:schemeClr val="lt1"/>
+            </a:fillRef>
+            <a:effectRef idx="0">
+              <a:schemeClr val="dk1"/>
+            </a:effectRef>
+            <a:fontRef idx="minor">
+              <a:schemeClr val="dk1"/>
+            </a:fontRef>
+          </p:style>
+          <p:txBody>
+            <a:bodyPr rtlCol="0" anchor="ctr"/>
+            <a:lstStyle/>
+            <a:p>
+              <a:pPr algn="ctr"/>
+              <a:endParaRPr kumimoji="1" lang="ja-JP" altLang="en-US" sz="1200"/>
+            </a:p>
+          </p:txBody>
+        </p:sp>
+        <p:sp>
+          <p:nvSpPr>
+            <p:cNvPr id="22" name="テキスト ボックス 21">
+              <a:extLst>
+                <a:ext uri="{FF2B5EF4-FFF2-40B4-BE49-F238E27FC236}">
+                  <a16:creationId xmlns:a16="http://schemas.microsoft.com/office/drawing/2014/main" id="{36E55591-AFE5-42A0-A43C-FC109F95B038}"/>
+                </a:ext>
+              </a:extLst>
+            </p:cNvPr>
+            <p:cNvSpPr txBox="1"/>
+            <p:nvPr/>
+          </p:nvSpPr>
+          <p:spPr>
+            <a:xfrm>
+              <a:off x="6723076" y="2667374"/>
+              <a:ext cx="890630" cy="276999"/>
+            </a:xfrm>
+            <a:prstGeom prst="rect">
+              <a:avLst/>
+            </a:prstGeom>
+            <a:noFill/>
+          </p:spPr>
+          <p:txBody>
+            <a:bodyPr wrap="square" rtlCol="0">
+              <a:spAutoFit/>
+            </a:bodyPr>
+            <a:lstStyle/>
+            <a:p>
+              <a:r>
+                <a:rPr kumimoji="1" lang="ja-JP" altLang="en-US" sz="1200" dirty="0"/>
+                <a:t>その他</a:t>
+              </a:r>
+            </a:p>
+          </p:txBody>
+        </p:sp>
+        <p:sp>
+          <p:nvSpPr>
+            <p:cNvPr id="23" name="テキスト ボックス 22">
+              <a:extLst>
+                <a:ext uri="{FF2B5EF4-FFF2-40B4-BE49-F238E27FC236}">
+                  <a16:creationId xmlns:a16="http://schemas.microsoft.com/office/drawing/2014/main" id="{1658AB3B-402D-4AD4-9E63-5A484AFD812D}"/>
+                </a:ext>
+              </a:extLst>
+            </p:cNvPr>
+            <p:cNvSpPr txBox="1"/>
+            <p:nvPr/>
+          </p:nvSpPr>
+          <p:spPr>
+            <a:xfrm>
+              <a:off x="6417577" y="3042928"/>
+              <a:ext cx="562062" cy="276999"/>
+            </a:xfrm>
+            <a:prstGeom prst="rect">
+              <a:avLst/>
+            </a:prstGeom>
+            <a:noFill/>
+          </p:spPr>
+          <p:txBody>
+            <a:bodyPr wrap="square" rtlCol="0">
+              <a:spAutoFit/>
+            </a:bodyPr>
+            <a:lstStyle/>
+            <a:p>
+              <a:r>
+                <a:rPr kumimoji="1" lang="en-US" altLang="ja-JP" sz="1200" dirty="0" err="1"/>
+                <a:t>ako</a:t>
+              </a:r>
+              <a:endParaRPr kumimoji="1" lang="ja-JP" altLang="en-US" sz="1200" dirty="0"/>
+            </a:p>
+          </p:txBody>
+        </p:sp>
+        <p:sp>
+          <p:nvSpPr>
+            <p:cNvPr id="24" name="正方形/長方形 23">
+              <a:extLst>
+                <a:ext uri="{FF2B5EF4-FFF2-40B4-BE49-F238E27FC236}">
+                  <a16:creationId xmlns:a16="http://schemas.microsoft.com/office/drawing/2014/main" id="{7A002014-2FC4-4E4C-B44E-09FAECD899D9}"/>
+                </a:ext>
+              </a:extLst>
+            </p:cNvPr>
+            <p:cNvSpPr/>
+            <p:nvPr/>
+          </p:nvSpPr>
+          <p:spPr>
+            <a:xfrm>
+              <a:off x="7075413" y="3080196"/>
+              <a:ext cx="890631" cy="295013"/>
+            </a:xfrm>
+            <a:prstGeom prst="rect">
+              <a:avLst/>
+            </a:prstGeom>
+          </p:spPr>
+          <p:style>
+            <a:lnRef idx="2">
+              <a:schemeClr val="dk1"/>
+            </a:lnRef>
+            <a:fillRef idx="1">
+              <a:schemeClr val="lt1"/>
+            </a:fillRef>
+            <a:effectRef idx="0">
+              <a:schemeClr val="dk1"/>
+            </a:effectRef>
+            <a:fontRef idx="minor">
+              <a:schemeClr val="dk1"/>
+            </a:fontRef>
+          </p:style>
+          <p:txBody>
+            <a:bodyPr rtlCol="0" anchor="ctr"/>
+            <a:lstStyle/>
+            <a:p>
+              <a:pPr algn="ctr"/>
+              <a:endParaRPr kumimoji="1" lang="ja-JP" altLang="en-US" sz="1200"/>
+            </a:p>
+          </p:txBody>
+        </p:sp>
+      </p:grpSp>
+      <p:grpSp>
+        <p:nvGrpSpPr>
+          <p:cNvPr id="110" name="グループ化 109">
+            <a:extLst>
+              <a:ext uri="{FF2B5EF4-FFF2-40B4-BE49-F238E27FC236}">
+                <a16:creationId xmlns:a16="http://schemas.microsoft.com/office/drawing/2014/main" id="{42A0582B-3EBB-4BB5-A97E-A526E88ED115}"/>
+              </a:ext>
+            </a:extLst>
+          </p:cNvPr>
+          <p:cNvGrpSpPr/>
+          <p:nvPr/>
+        </p:nvGrpSpPr>
+        <p:grpSpPr>
+          <a:xfrm>
+            <a:off x="6220273" y="5296258"/>
+            <a:ext cx="2014153" cy="1396929"/>
+            <a:chOff x="570799" y="3855652"/>
+            <a:chExt cx="2104583" cy="1899196"/>
+          </a:xfrm>
+        </p:grpSpPr>
+        <p:sp>
+          <p:nvSpPr>
+            <p:cNvPr id="28" name="正方形/長方形 27">
+              <a:extLst>
+                <a:ext uri="{FF2B5EF4-FFF2-40B4-BE49-F238E27FC236}">
+                  <a16:creationId xmlns:a16="http://schemas.microsoft.com/office/drawing/2014/main" id="{B144D55E-9C3A-489C-874B-7E3D79B218E7}"/>
+                </a:ext>
+              </a:extLst>
+            </p:cNvPr>
+            <p:cNvSpPr/>
+            <p:nvPr/>
+          </p:nvSpPr>
+          <p:spPr>
+            <a:xfrm>
+              <a:off x="635463" y="3855652"/>
+              <a:ext cx="2039919" cy="1899196"/>
+            </a:xfrm>
+            <a:prstGeom prst="rect">
+              <a:avLst/>
+            </a:prstGeom>
+          </p:spPr>
+          <p:style>
+            <a:lnRef idx="2">
+              <a:schemeClr val="dk1"/>
+            </a:lnRef>
+            <a:fillRef idx="1">
+              <a:schemeClr val="lt1"/>
+            </a:fillRef>
+            <a:effectRef idx="0">
+              <a:schemeClr val="dk1"/>
+            </a:effectRef>
+            <a:fontRef idx="minor">
+              <a:schemeClr val="dk1"/>
+            </a:fontRef>
+          </p:style>
+          <p:txBody>
+            <a:bodyPr rtlCol="0" anchor="ctr"/>
+            <a:lstStyle/>
+            <a:p>
+              <a:pPr algn="ctr"/>
+              <a:endParaRPr kumimoji="1" lang="ja-JP" altLang="en-US" sz="1200"/>
+            </a:p>
+          </p:txBody>
+        </p:sp>
+        <p:sp>
+          <p:nvSpPr>
+            <p:cNvPr id="29" name="テキスト ボックス 28">
+              <a:extLst>
+                <a:ext uri="{FF2B5EF4-FFF2-40B4-BE49-F238E27FC236}">
+                  <a16:creationId xmlns:a16="http://schemas.microsoft.com/office/drawing/2014/main" id="{83B85FF6-7646-41D8-9872-535780E07F7A}"/>
+                </a:ext>
+              </a:extLst>
+            </p:cNvPr>
+            <p:cNvSpPr txBox="1"/>
+            <p:nvPr/>
+          </p:nvSpPr>
+          <p:spPr>
+            <a:xfrm>
+              <a:off x="570799" y="3892920"/>
+              <a:ext cx="2039918" cy="376594"/>
+            </a:xfrm>
+            <a:prstGeom prst="rect">
+              <a:avLst/>
+            </a:prstGeom>
+            <a:noFill/>
+          </p:spPr>
+          <p:txBody>
+            <a:bodyPr wrap="square" rtlCol="0">
+              <a:spAutoFit/>
+            </a:bodyPr>
+            <a:lstStyle/>
+            <a:p>
+              <a:r>
+                <a:rPr kumimoji="1" lang="ja-JP" altLang="en-US" sz="1200" dirty="0"/>
+                <a:t>ユンゲラー</a:t>
+              </a:r>
+            </a:p>
+          </p:txBody>
+        </p:sp>
+        <p:sp>
+          <p:nvSpPr>
+            <p:cNvPr id="30" name="テキスト ボックス 29">
+              <a:extLst>
+                <a:ext uri="{FF2B5EF4-FFF2-40B4-BE49-F238E27FC236}">
+                  <a16:creationId xmlns:a16="http://schemas.microsoft.com/office/drawing/2014/main" id="{F98DD7E3-378D-4BB8-AFB9-9C4ACAF95494}"/>
+                </a:ext>
+              </a:extLst>
+            </p:cNvPr>
+            <p:cNvSpPr txBox="1"/>
+            <p:nvPr/>
+          </p:nvSpPr>
+          <p:spPr>
+            <a:xfrm>
+              <a:off x="730190" y="4211754"/>
+              <a:ext cx="609948" cy="276999"/>
+            </a:xfrm>
+            <a:prstGeom prst="rect">
+              <a:avLst/>
+            </a:prstGeom>
+            <a:noFill/>
+          </p:spPr>
+          <p:txBody>
+            <a:bodyPr wrap="square" rtlCol="0">
+              <a:spAutoFit/>
+            </a:bodyPr>
+            <a:lstStyle/>
+            <a:p>
+              <a:r>
+                <a:rPr lang="en-US" altLang="ja-JP" sz="1200" dirty="0"/>
+                <a:t>i</a:t>
+              </a:r>
+              <a:r>
+                <a:rPr kumimoji="1" lang="en-US" altLang="ja-JP" sz="1200" dirty="0"/>
+                <a:t>s-a</a:t>
+              </a:r>
+              <a:endParaRPr kumimoji="1" lang="ja-JP" altLang="en-US" sz="1200" dirty="0"/>
+            </a:p>
+          </p:txBody>
+        </p:sp>
+        <p:sp>
+          <p:nvSpPr>
+            <p:cNvPr id="31" name="テキスト ボックス 30">
+              <a:extLst>
+                <a:ext uri="{FF2B5EF4-FFF2-40B4-BE49-F238E27FC236}">
+                  <a16:creationId xmlns:a16="http://schemas.microsoft.com/office/drawing/2014/main" id="{986E1322-67FA-4882-BE80-C5977934AD6B}"/>
+                </a:ext>
+              </a:extLst>
+            </p:cNvPr>
+            <p:cNvSpPr txBox="1"/>
+            <p:nvPr/>
+          </p:nvSpPr>
+          <p:spPr>
+            <a:xfrm>
+              <a:off x="730190" y="4581086"/>
+              <a:ext cx="705722" cy="276999"/>
+            </a:xfrm>
+            <a:prstGeom prst="rect">
+              <a:avLst/>
+            </a:prstGeom>
+            <a:noFill/>
+          </p:spPr>
+          <p:txBody>
+            <a:bodyPr wrap="square" rtlCol="0">
+              <a:spAutoFit/>
+            </a:bodyPr>
+            <a:lstStyle/>
+            <a:p>
+              <a:r>
+                <a:rPr kumimoji="1" lang="ja-JP" altLang="en-US" sz="1200" dirty="0"/>
+                <a:t>武器</a:t>
+              </a:r>
+            </a:p>
+          </p:txBody>
+        </p:sp>
+        <p:sp>
+          <p:nvSpPr>
+            <p:cNvPr id="32" name="テキスト ボックス 31">
+              <a:extLst>
+                <a:ext uri="{FF2B5EF4-FFF2-40B4-BE49-F238E27FC236}">
+                  <a16:creationId xmlns:a16="http://schemas.microsoft.com/office/drawing/2014/main" id="{8240981F-CA87-46DE-9786-3E679846547B}"/>
+                </a:ext>
+              </a:extLst>
+            </p:cNvPr>
+            <p:cNvSpPr txBox="1"/>
+            <p:nvPr/>
+          </p:nvSpPr>
+          <p:spPr>
+            <a:xfrm>
+              <a:off x="730190" y="4950418"/>
+              <a:ext cx="705722" cy="276999"/>
+            </a:xfrm>
+            <a:prstGeom prst="rect">
+              <a:avLst/>
+            </a:prstGeom>
+            <a:noFill/>
+          </p:spPr>
+          <p:txBody>
+            <a:bodyPr wrap="square" rtlCol="0">
+              <a:spAutoFit/>
+            </a:bodyPr>
+            <a:lstStyle/>
+            <a:p>
+              <a:r>
+                <a:rPr lang="ja-JP" altLang="en-US" sz="1200" dirty="0"/>
+                <a:t>性別</a:t>
+              </a:r>
+              <a:endParaRPr kumimoji="1" lang="ja-JP" altLang="en-US" sz="1200" dirty="0"/>
+            </a:p>
+          </p:txBody>
+        </p:sp>
+        <p:sp>
+          <p:nvSpPr>
+            <p:cNvPr id="33" name="テキスト ボックス 32">
+              <a:extLst>
+                <a:ext uri="{FF2B5EF4-FFF2-40B4-BE49-F238E27FC236}">
+                  <a16:creationId xmlns:a16="http://schemas.microsoft.com/office/drawing/2014/main" id="{0767E1A0-74B6-4578-BF0F-BA06359FD434}"/>
+                </a:ext>
+              </a:extLst>
+            </p:cNvPr>
+            <p:cNvSpPr txBox="1"/>
+            <p:nvPr/>
+          </p:nvSpPr>
+          <p:spPr>
+            <a:xfrm>
+              <a:off x="730190" y="5319750"/>
+              <a:ext cx="1123776" cy="276999"/>
+            </a:xfrm>
+            <a:prstGeom prst="rect">
+              <a:avLst/>
+            </a:prstGeom>
+            <a:noFill/>
+          </p:spPr>
+          <p:txBody>
+            <a:bodyPr wrap="square" rtlCol="0">
+              <a:spAutoFit/>
+            </a:bodyPr>
+            <a:lstStyle/>
+            <a:p>
+              <a:r>
+                <a:rPr kumimoji="1" lang="ja-JP" altLang="en-US" sz="1200" dirty="0"/>
+                <a:t>タイトル</a:t>
+              </a:r>
+            </a:p>
+          </p:txBody>
+        </p:sp>
+        <p:sp>
+          <p:nvSpPr>
+            <p:cNvPr id="34" name="正方形/長方形 33">
+              <a:extLst>
+                <a:ext uri="{FF2B5EF4-FFF2-40B4-BE49-F238E27FC236}">
+                  <a16:creationId xmlns:a16="http://schemas.microsoft.com/office/drawing/2014/main" id="{C94E235B-1E55-4B99-B3EC-E703B2B71C94}"/>
+                </a:ext>
+              </a:extLst>
+            </p:cNvPr>
+            <p:cNvSpPr/>
+            <p:nvPr/>
+          </p:nvSpPr>
+          <p:spPr>
+            <a:xfrm>
+              <a:off x="1817608" y="4237566"/>
+              <a:ext cx="728448" cy="303402"/>
+            </a:xfrm>
+            <a:prstGeom prst="rect">
+              <a:avLst/>
+            </a:prstGeom>
+          </p:spPr>
+          <p:style>
+            <a:lnRef idx="2">
+              <a:schemeClr val="dk1"/>
+            </a:lnRef>
+            <a:fillRef idx="1">
+              <a:schemeClr val="lt1"/>
+            </a:fillRef>
+            <a:effectRef idx="0">
+              <a:schemeClr val="dk1"/>
+            </a:effectRef>
+            <a:fontRef idx="minor">
+              <a:schemeClr val="dk1"/>
+            </a:fontRef>
+          </p:style>
+          <p:txBody>
+            <a:bodyPr rtlCol="0" anchor="ctr"/>
+            <a:lstStyle/>
+            <a:p>
+              <a:pPr algn="ctr"/>
+              <a:endParaRPr kumimoji="1" lang="ja-JP" altLang="en-US" sz="1200"/>
+            </a:p>
+          </p:txBody>
+        </p:sp>
+        <p:sp>
+          <p:nvSpPr>
+            <p:cNvPr id="35" name="正方形/長方形 34">
+              <a:extLst>
+                <a:ext uri="{FF2B5EF4-FFF2-40B4-BE49-F238E27FC236}">
+                  <a16:creationId xmlns:a16="http://schemas.microsoft.com/office/drawing/2014/main" id="{A291F272-E7AA-4206-B386-EBE148066C6B}"/>
+                </a:ext>
+              </a:extLst>
+            </p:cNvPr>
+            <p:cNvSpPr/>
+            <p:nvPr/>
+          </p:nvSpPr>
+          <p:spPr>
+            <a:xfrm>
+              <a:off x="1817608" y="4609912"/>
+              <a:ext cx="728448" cy="303402"/>
+            </a:xfrm>
+            <a:prstGeom prst="rect">
+              <a:avLst/>
+            </a:prstGeom>
+          </p:spPr>
+          <p:style>
+            <a:lnRef idx="2">
+              <a:schemeClr val="dk1"/>
+            </a:lnRef>
+            <a:fillRef idx="1">
+              <a:schemeClr val="lt1"/>
+            </a:fillRef>
+            <a:effectRef idx="0">
+              <a:schemeClr val="dk1"/>
+            </a:effectRef>
+            <a:fontRef idx="minor">
+              <a:schemeClr val="dk1"/>
+            </a:fontRef>
+          </p:style>
+          <p:txBody>
+            <a:bodyPr rtlCol="0" anchor="ctr"/>
+            <a:lstStyle/>
+            <a:p>
+              <a:pPr algn="ctr"/>
+              <a:r>
+                <a:rPr kumimoji="1" lang="en-US" altLang="ja-JP" sz="1200" dirty="0"/>
+                <a:t>true</a:t>
+              </a:r>
+              <a:endParaRPr kumimoji="1" lang="ja-JP" altLang="en-US" sz="1200" dirty="0"/>
+            </a:p>
+          </p:txBody>
+        </p:sp>
+        <p:sp>
+          <p:nvSpPr>
+            <p:cNvPr id="36" name="正方形/長方形 35">
+              <a:extLst>
+                <a:ext uri="{FF2B5EF4-FFF2-40B4-BE49-F238E27FC236}">
+                  <a16:creationId xmlns:a16="http://schemas.microsoft.com/office/drawing/2014/main" id="{FC700EAF-DEA3-4E5E-88ED-F623B52950DB}"/>
+                </a:ext>
+              </a:extLst>
+            </p:cNvPr>
+            <p:cNvSpPr/>
+            <p:nvPr/>
+          </p:nvSpPr>
+          <p:spPr>
+            <a:xfrm>
+              <a:off x="1817608" y="4982258"/>
+              <a:ext cx="728448" cy="303402"/>
+            </a:xfrm>
+            <a:prstGeom prst="rect">
+              <a:avLst/>
+            </a:prstGeom>
+          </p:spPr>
+          <p:style>
+            <a:lnRef idx="2">
+              <a:schemeClr val="dk1"/>
+            </a:lnRef>
+            <a:fillRef idx="1">
+              <a:schemeClr val="lt1"/>
+            </a:fillRef>
+            <a:effectRef idx="0">
+              <a:schemeClr val="dk1"/>
+            </a:effectRef>
+            <a:fontRef idx="minor">
+              <a:schemeClr val="dk1"/>
+            </a:fontRef>
+          </p:style>
+          <p:txBody>
+            <a:bodyPr rtlCol="0" anchor="ctr"/>
+            <a:lstStyle/>
+            <a:p>
+              <a:pPr algn="ctr"/>
+              <a:r>
+                <a:rPr kumimoji="1" lang="ja-JP" altLang="en-US" sz="1200" dirty="0"/>
+                <a:t>不明</a:t>
+              </a:r>
+            </a:p>
+          </p:txBody>
+        </p:sp>
+        <p:sp>
+          <p:nvSpPr>
+            <p:cNvPr id="37" name="正方形/長方形 36">
+              <a:extLst>
+                <a:ext uri="{FF2B5EF4-FFF2-40B4-BE49-F238E27FC236}">
+                  <a16:creationId xmlns:a16="http://schemas.microsoft.com/office/drawing/2014/main" id="{36165410-3AFF-4EC7-8C46-30126386C032}"/>
+                </a:ext>
+              </a:extLst>
+            </p:cNvPr>
+            <p:cNvSpPr/>
+            <p:nvPr/>
+          </p:nvSpPr>
+          <p:spPr>
+            <a:xfrm>
+              <a:off x="1817608" y="5354604"/>
+              <a:ext cx="728448" cy="303402"/>
+            </a:xfrm>
+            <a:prstGeom prst="rect">
+              <a:avLst/>
+            </a:prstGeom>
+          </p:spPr>
+          <p:style>
+            <a:lnRef idx="2">
+              <a:schemeClr val="dk1"/>
+            </a:lnRef>
+            <a:fillRef idx="1">
+              <a:schemeClr val="lt1"/>
+            </a:fillRef>
+            <a:effectRef idx="0">
+              <a:schemeClr val="dk1"/>
+            </a:effectRef>
+            <a:fontRef idx="minor">
+              <a:schemeClr val="dk1"/>
+            </a:fontRef>
+          </p:style>
+          <p:txBody>
+            <a:bodyPr rtlCol="0" anchor="ctr"/>
+            <a:lstStyle/>
+            <a:p>
+              <a:pPr algn="ctr"/>
+              <a:endParaRPr kumimoji="1" lang="ja-JP" altLang="en-US" sz="1200"/>
+            </a:p>
+          </p:txBody>
+        </p:sp>
+      </p:grpSp>
+      <p:grpSp>
+        <p:nvGrpSpPr>
+          <p:cNvPr id="111" name="グループ化 110">
+            <a:extLst>
+              <a:ext uri="{FF2B5EF4-FFF2-40B4-BE49-F238E27FC236}">
+                <a16:creationId xmlns:a16="http://schemas.microsoft.com/office/drawing/2014/main" id="{448B10C0-12A1-45F2-A2A3-8C29A51BCB1C}"/>
+              </a:ext>
+            </a:extLst>
+          </p:cNvPr>
+          <p:cNvGrpSpPr/>
+          <p:nvPr/>
+        </p:nvGrpSpPr>
+        <p:grpSpPr>
+          <a:xfrm>
+            <a:off x="2177152" y="3358531"/>
+            <a:ext cx="2014153" cy="1396929"/>
+            <a:chOff x="3731706" y="4040318"/>
+            <a:chExt cx="2104583" cy="1899196"/>
+          </a:xfrm>
+        </p:grpSpPr>
+        <p:sp>
+          <p:nvSpPr>
+            <p:cNvPr id="38" name="正方形/長方形 37">
+              <a:extLst>
+                <a:ext uri="{FF2B5EF4-FFF2-40B4-BE49-F238E27FC236}">
+                  <a16:creationId xmlns:a16="http://schemas.microsoft.com/office/drawing/2014/main" id="{BE018FCD-1194-40B4-B6FA-AA51B40D5667}"/>
+                </a:ext>
+              </a:extLst>
+            </p:cNvPr>
+            <p:cNvSpPr/>
+            <p:nvPr/>
+          </p:nvSpPr>
+          <p:spPr>
+            <a:xfrm>
+              <a:off x="3796370" y="4040318"/>
+              <a:ext cx="2039919" cy="1899196"/>
+            </a:xfrm>
+            <a:prstGeom prst="rect">
+              <a:avLst/>
+            </a:prstGeom>
+          </p:spPr>
+          <p:style>
+            <a:lnRef idx="2">
+              <a:schemeClr val="dk1"/>
+            </a:lnRef>
+            <a:fillRef idx="1">
+              <a:schemeClr val="lt1"/>
+            </a:fillRef>
+            <a:effectRef idx="0">
+              <a:schemeClr val="dk1"/>
+            </a:effectRef>
+            <a:fontRef idx="minor">
+              <a:schemeClr val="dk1"/>
+            </a:fontRef>
+          </p:style>
+          <p:txBody>
+            <a:bodyPr rtlCol="0" anchor="ctr"/>
+            <a:lstStyle/>
+            <a:p>
+              <a:pPr algn="ctr"/>
+              <a:endParaRPr kumimoji="1" lang="ja-JP" altLang="en-US" sz="1200"/>
+            </a:p>
+          </p:txBody>
+        </p:sp>
+        <p:sp>
+          <p:nvSpPr>
+            <p:cNvPr id="39" name="テキスト ボックス 38">
+              <a:extLst>
+                <a:ext uri="{FF2B5EF4-FFF2-40B4-BE49-F238E27FC236}">
+                  <a16:creationId xmlns:a16="http://schemas.microsoft.com/office/drawing/2014/main" id="{59312FA5-7C51-48BC-89A1-3B61BDAC03B8}"/>
+                </a:ext>
+              </a:extLst>
+            </p:cNvPr>
+            <p:cNvSpPr txBox="1"/>
+            <p:nvPr/>
+          </p:nvSpPr>
+          <p:spPr>
+            <a:xfrm>
+              <a:off x="3731706" y="4077586"/>
+              <a:ext cx="2039918" cy="376594"/>
+            </a:xfrm>
+            <a:prstGeom prst="rect">
+              <a:avLst/>
+            </a:prstGeom>
+            <a:noFill/>
+          </p:spPr>
+          <p:txBody>
+            <a:bodyPr wrap="square" rtlCol="0">
+              <a:spAutoFit/>
+            </a:bodyPr>
+            <a:lstStyle/>
+            <a:p>
+              <a:r>
+                <a:rPr lang="ja-JP" altLang="en-US" sz="1200" dirty="0"/>
+                <a:t>タケシ</a:t>
+              </a:r>
+              <a:endParaRPr kumimoji="1" lang="ja-JP" altLang="en-US" sz="1200" dirty="0"/>
+            </a:p>
+          </p:txBody>
+        </p:sp>
+        <p:sp>
+          <p:nvSpPr>
+            <p:cNvPr id="40" name="テキスト ボックス 39">
+              <a:extLst>
+                <a:ext uri="{FF2B5EF4-FFF2-40B4-BE49-F238E27FC236}">
+                  <a16:creationId xmlns:a16="http://schemas.microsoft.com/office/drawing/2014/main" id="{D6381334-4102-4771-B36B-1A78A34688B5}"/>
+                </a:ext>
+              </a:extLst>
+            </p:cNvPr>
+            <p:cNvSpPr txBox="1"/>
+            <p:nvPr/>
+          </p:nvSpPr>
+          <p:spPr>
+            <a:xfrm>
+              <a:off x="3891097" y="4396420"/>
+              <a:ext cx="609948" cy="276999"/>
+            </a:xfrm>
+            <a:prstGeom prst="rect">
+              <a:avLst/>
+            </a:prstGeom>
+            <a:noFill/>
+          </p:spPr>
+          <p:txBody>
+            <a:bodyPr wrap="square" rtlCol="0">
+              <a:spAutoFit/>
+            </a:bodyPr>
+            <a:lstStyle/>
+            <a:p>
+              <a:r>
+                <a:rPr lang="en-US" altLang="ja-JP" sz="1200" dirty="0"/>
+                <a:t>i</a:t>
+              </a:r>
+              <a:r>
+                <a:rPr kumimoji="1" lang="en-US" altLang="ja-JP" sz="1200" dirty="0"/>
+                <a:t>s-a</a:t>
+              </a:r>
+              <a:endParaRPr kumimoji="1" lang="ja-JP" altLang="en-US" sz="1200" dirty="0"/>
+            </a:p>
+          </p:txBody>
+        </p:sp>
+        <p:sp>
+          <p:nvSpPr>
+            <p:cNvPr id="41" name="テキスト ボックス 40">
+              <a:extLst>
+                <a:ext uri="{FF2B5EF4-FFF2-40B4-BE49-F238E27FC236}">
+                  <a16:creationId xmlns:a16="http://schemas.microsoft.com/office/drawing/2014/main" id="{88646AC4-C517-45BB-BECD-4500E01FF56B}"/>
+                </a:ext>
+              </a:extLst>
+            </p:cNvPr>
+            <p:cNvSpPr txBox="1"/>
+            <p:nvPr/>
+          </p:nvSpPr>
+          <p:spPr>
+            <a:xfrm>
+              <a:off x="3891097" y="4765752"/>
+              <a:ext cx="705722" cy="276999"/>
+            </a:xfrm>
+            <a:prstGeom prst="rect">
+              <a:avLst/>
+            </a:prstGeom>
+            <a:noFill/>
+          </p:spPr>
+          <p:txBody>
+            <a:bodyPr wrap="square" rtlCol="0">
+              <a:spAutoFit/>
+            </a:bodyPr>
+            <a:lstStyle/>
+            <a:p>
+              <a:r>
+                <a:rPr kumimoji="1" lang="ja-JP" altLang="en-US" sz="1200" dirty="0"/>
+                <a:t>武器</a:t>
+              </a:r>
+            </a:p>
+          </p:txBody>
+        </p:sp>
+        <p:sp>
+          <p:nvSpPr>
+            <p:cNvPr id="42" name="テキスト ボックス 41">
+              <a:extLst>
+                <a:ext uri="{FF2B5EF4-FFF2-40B4-BE49-F238E27FC236}">
+                  <a16:creationId xmlns:a16="http://schemas.microsoft.com/office/drawing/2014/main" id="{4541FC7F-B6A4-454E-9EA9-F63C8B311303}"/>
+                </a:ext>
+              </a:extLst>
+            </p:cNvPr>
+            <p:cNvSpPr txBox="1"/>
+            <p:nvPr/>
+          </p:nvSpPr>
+          <p:spPr>
+            <a:xfrm>
+              <a:off x="3891097" y="5135084"/>
+              <a:ext cx="705722" cy="276999"/>
+            </a:xfrm>
+            <a:prstGeom prst="rect">
+              <a:avLst/>
+            </a:prstGeom>
+            <a:noFill/>
+          </p:spPr>
+          <p:txBody>
+            <a:bodyPr wrap="square" rtlCol="0">
+              <a:spAutoFit/>
+            </a:bodyPr>
+            <a:lstStyle/>
+            <a:p>
+              <a:r>
+                <a:rPr lang="ja-JP" altLang="en-US" sz="1200" dirty="0"/>
+                <a:t>性別</a:t>
+              </a:r>
+              <a:endParaRPr kumimoji="1" lang="ja-JP" altLang="en-US" sz="1200" dirty="0"/>
+            </a:p>
+          </p:txBody>
+        </p:sp>
+        <p:sp>
+          <p:nvSpPr>
+            <p:cNvPr id="43" name="テキスト ボックス 42">
+              <a:extLst>
+                <a:ext uri="{FF2B5EF4-FFF2-40B4-BE49-F238E27FC236}">
+                  <a16:creationId xmlns:a16="http://schemas.microsoft.com/office/drawing/2014/main" id="{0231FF0F-A188-4B3F-926B-18AF1F790C5B}"/>
+                </a:ext>
+              </a:extLst>
+            </p:cNvPr>
+            <p:cNvSpPr txBox="1"/>
+            <p:nvPr/>
+          </p:nvSpPr>
+          <p:spPr>
+            <a:xfrm>
+              <a:off x="3891097" y="5504416"/>
+              <a:ext cx="1123776" cy="276999"/>
+            </a:xfrm>
+            <a:prstGeom prst="rect">
+              <a:avLst/>
+            </a:prstGeom>
+            <a:noFill/>
+          </p:spPr>
+          <p:txBody>
+            <a:bodyPr wrap="square" rtlCol="0">
+              <a:spAutoFit/>
+            </a:bodyPr>
+            <a:lstStyle/>
+            <a:p>
+              <a:r>
+                <a:rPr kumimoji="1" lang="ja-JP" altLang="en-US" sz="1200" dirty="0"/>
+                <a:t>タイトル</a:t>
+              </a:r>
+            </a:p>
+          </p:txBody>
+        </p:sp>
+        <p:sp>
+          <p:nvSpPr>
+            <p:cNvPr id="44" name="正方形/長方形 43">
+              <a:extLst>
+                <a:ext uri="{FF2B5EF4-FFF2-40B4-BE49-F238E27FC236}">
+                  <a16:creationId xmlns:a16="http://schemas.microsoft.com/office/drawing/2014/main" id="{CD231DCE-7D03-49CF-8D5D-C17B2E5013A6}"/>
+                </a:ext>
+              </a:extLst>
+            </p:cNvPr>
+            <p:cNvSpPr/>
+            <p:nvPr/>
+          </p:nvSpPr>
+          <p:spPr>
+            <a:xfrm>
+              <a:off x="4978515" y="4422232"/>
+              <a:ext cx="728448" cy="303402"/>
+            </a:xfrm>
+            <a:prstGeom prst="rect">
+              <a:avLst/>
+            </a:prstGeom>
+          </p:spPr>
+          <p:style>
+            <a:lnRef idx="2">
+              <a:schemeClr val="dk1"/>
+            </a:lnRef>
+            <a:fillRef idx="1">
+              <a:schemeClr val="lt1"/>
+            </a:fillRef>
+            <a:effectRef idx="0">
+              <a:schemeClr val="dk1"/>
+            </a:effectRef>
+            <a:fontRef idx="minor">
+              <a:schemeClr val="dk1"/>
+            </a:fontRef>
+          </p:style>
+          <p:txBody>
+            <a:bodyPr rtlCol="0" anchor="ctr"/>
+            <a:lstStyle/>
+            <a:p>
+              <a:pPr algn="ctr"/>
+              <a:endParaRPr kumimoji="1" lang="ja-JP" altLang="en-US" sz="1200"/>
+            </a:p>
+          </p:txBody>
+        </p:sp>
+        <p:sp>
+          <p:nvSpPr>
+            <p:cNvPr id="45" name="正方形/長方形 44">
+              <a:extLst>
+                <a:ext uri="{FF2B5EF4-FFF2-40B4-BE49-F238E27FC236}">
+                  <a16:creationId xmlns:a16="http://schemas.microsoft.com/office/drawing/2014/main" id="{666C2759-F8BB-4A33-B065-75973862C753}"/>
+                </a:ext>
+              </a:extLst>
+            </p:cNvPr>
+            <p:cNvSpPr/>
+            <p:nvPr/>
+          </p:nvSpPr>
+          <p:spPr>
+            <a:xfrm>
+              <a:off x="4978515" y="4794578"/>
+              <a:ext cx="728448" cy="303402"/>
+            </a:xfrm>
+            <a:prstGeom prst="rect">
+              <a:avLst/>
+            </a:prstGeom>
+          </p:spPr>
+          <p:style>
+            <a:lnRef idx="2">
+              <a:schemeClr val="dk1"/>
+            </a:lnRef>
+            <a:fillRef idx="1">
+              <a:schemeClr val="lt1"/>
+            </a:fillRef>
+            <a:effectRef idx="0">
+              <a:schemeClr val="dk1"/>
+            </a:effectRef>
+            <a:fontRef idx="minor">
+              <a:schemeClr val="dk1"/>
+            </a:fontRef>
+          </p:style>
+          <p:txBody>
+            <a:bodyPr rtlCol="0" anchor="ctr"/>
+            <a:lstStyle/>
+            <a:p>
+              <a:pPr algn="ctr"/>
+              <a:r>
+                <a:rPr kumimoji="1" lang="en-US" altLang="ja-JP" sz="1200" dirty="0"/>
+                <a:t>false</a:t>
+              </a:r>
+              <a:endParaRPr kumimoji="1" lang="ja-JP" altLang="en-US" sz="1200" dirty="0"/>
+            </a:p>
+          </p:txBody>
+        </p:sp>
+        <p:sp>
+          <p:nvSpPr>
+            <p:cNvPr id="46" name="正方形/長方形 45">
+              <a:extLst>
+                <a:ext uri="{FF2B5EF4-FFF2-40B4-BE49-F238E27FC236}">
+                  <a16:creationId xmlns:a16="http://schemas.microsoft.com/office/drawing/2014/main" id="{80C1687B-CDCE-4CDA-9E96-50E314B2D455}"/>
+                </a:ext>
+              </a:extLst>
+            </p:cNvPr>
+            <p:cNvSpPr/>
+            <p:nvPr/>
+          </p:nvSpPr>
+          <p:spPr>
+            <a:xfrm>
+              <a:off x="4978515" y="5166924"/>
+              <a:ext cx="728448" cy="303402"/>
+            </a:xfrm>
+            <a:prstGeom prst="rect">
+              <a:avLst/>
+            </a:prstGeom>
+          </p:spPr>
+          <p:style>
+            <a:lnRef idx="2">
+              <a:schemeClr val="dk1"/>
+            </a:lnRef>
+            <a:fillRef idx="1">
+              <a:schemeClr val="lt1"/>
+            </a:fillRef>
+            <a:effectRef idx="0">
+              <a:schemeClr val="dk1"/>
+            </a:effectRef>
+            <a:fontRef idx="minor">
+              <a:schemeClr val="dk1"/>
+            </a:fontRef>
+          </p:style>
+          <p:txBody>
+            <a:bodyPr rtlCol="0" anchor="ctr"/>
+            <a:lstStyle/>
+            <a:p>
+              <a:pPr algn="ctr"/>
+              <a:r>
+                <a:rPr kumimoji="1" lang="ja-JP" altLang="en-US" sz="1200" dirty="0"/>
+                <a:t>男</a:t>
+              </a:r>
+            </a:p>
+          </p:txBody>
+        </p:sp>
+        <p:sp>
+          <p:nvSpPr>
+            <p:cNvPr id="47" name="正方形/長方形 46">
+              <a:extLst>
+                <a:ext uri="{FF2B5EF4-FFF2-40B4-BE49-F238E27FC236}">
+                  <a16:creationId xmlns:a16="http://schemas.microsoft.com/office/drawing/2014/main" id="{23CD2E85-B2EC-4EAC-9DAF-E2D5BFF3F4F7}"/>
+                </a:ext>
+              </a:extLst>
+            </p:cNvPr>
+            <p:cNvSpPr/>
+            <p:nvPr/>
+          </p:nvSpPr>
+          <p:spPr>
+            <a:xfrm>
+              <a:off x="4978515" y="5539270"/>
+              <a:ext cx="728448" cy="303402"/>
+            </a:xfrm>
+            <a:prstGeom prst="rect">
+              <a:avLst/>
+            </a:prstGeom>
+          </p:spPr>
+          <p:style>
+            <a:lnRef idx="2">
+              <a:schemeClr val="dk1"/>
+            </a:lnRef>
+            <a:fillRef idx="1">
+              <a:schemeClr val="lt1"/>
+            </a:fillRef>
+            <a:effectRef idx="0">
+              <a:schemeClr val="dk1"/>
+            </a:effectRef>
+            <a:fontRef idx="minor">
+              <a:schemeClr val="dk1"/>
+            </a:fontRef>
+          </p:style>
+          <p:txBody>
+            <a:bodyPr rtlCol="0" anchor="ctr"/>
+            <a:lstStyle/>
+            <a:p>
+              <a:pPr algn="ctr"/>
+              <a:endParaRPr kumimoji="1" lang="ja-JP" altLang="en-US" sz="1200"/>
+            </a:p>
+          </p:txBody>
+        </p:sp>
+      </p:grpSp>
+      <p:grpSp>
+        <p:nvGrpSpPr>
+          <p:cNvPr id="116" name="グループ化 115">
+            <a:extLst>
+              <a:ext uri="{FF2B5EF4-FFF2-40B4-BE49-F238E27FC236}">
+                <a16:creationId xmlns:a16="http://schemas.microsoft.com/office/drawing/2014/main" id="{62E0C6EF-C284-4460-A492-3B9FAE54320D}"/>
+              </a:ext>
+            </a:extLst>
+          </p:cNvPr>
+          <p:cNvGrpSpPr/>
+          <p:nvPr/>
+        </p:nvGrpSpPr>
+        <p:grpSpPr>
+          <a:xfrm>
+            <a:off x="4346399" y="3358531"/>
+            <a:ext cx="2014153" cy="1396929"/>
+            <a:chOff x="5937317" y="4019128"/>
+            <a:chExt cx="2104583" cy="1899196"/>
+          </a:xfrm>
+        </p:grpSpPr>
+        <p:sp>
+          <p:nvSpPr>
+            <p:cNvPr id="49" name="正方形/長方形 48">
+              <a:extLst>
+                <a:ext uri="{FF2B5EF4-FFF2-40B4-BE49-F238E27FC236}">
+                  <a16:creationId xmlns:a16="http://schemas.microsoft.com/office/drawing/2014/main" id="{3E294434-9FCA-403B-AA1D-C9D5BE10045A}"/>
+                </a:ext>
+              </a:extLst>
+            </p:cNvPr>
+            <p:cNvSpPr/>
+            <p:nvPr/>
+          </p:nvSpPr>
+          <p:spPr>
+            <a:xfrm>
+              <a:off x="6001981" y="4019128"/>
+              <a:ext cx="2039919" cy="1899196"/>
+            </a:xfrm>
+            <a:prstGeom prst="rect">
+              <a:avLst/>
+            </a:prstGeom>
+          </p:spPr>
+          <p:style>
+            <a:lnRef idx="2">
+              <a:schemeClr val="dk1"/>
+            </a:lnRef>
+            <a:fillRef idx="1">
+              <a:schemeClr val="lt1"/>
+            </a:fillRef>
+            <a:effectRef idx="0">
+              <a:schemeClr val="dk1"/>
+            </a:effectRef>
+            <a:fontRef idx="minor">
+              <a:schemeClr val="dk1"/>
+            </a:fontRef>
+          </p:style>
+          <p:txBody>
+            <a:bodyPr rtlCol="0" anchor="ctr"/>
+            <a:lstStyle/>
+            <a:p>
+              <a:pPr algn="ctr"/>
+              <a:endParaRPr kumimoji="1" lang="ja-JP" altLang="en-US" sz="1200" dirty="0"/>
+            </a:p>
+          </p:txBody>
+        </p:sp>
+        <p:sp>
+          <p:nvSpPr>
+            <p:cNvPr id="50" name="テキスト ボックス 49">
+              <a:extLst>
+                <a:ext uri="{FF2B5EF4-FFF2-40B4-BE49-F238E27FC236}">
+                  <a16:creationId xmlns:a16="http://schemas.microsoft.com/office/drawing/2014/main" id="{10D3E4A7-AF9D-4967-A407-3620FF328633}"/>
+                </a:ext>
+              </a:extLst>
+            </p:cNvPr>
+            <p:cNvSpPr txBox="1"/>
+            <p:nvPr/>
+          </p:nvSpPr>
+          <p:spPr>
+            <a:xfrm>
+              <a:off x="5937317" y="4056396"/>
+              <a:ext cx="2039918" cy="376594"/>
+            </a:xfrm>
+            <a:prstGeom prst="rect">
+              <a:avLst/>
+            </a:prstGeom>
+            <a:noFill/>
+          </p:spPr>
+          <p:txBody>
+            <a:bodyPr wrap="square" rtlCol="0">
+              <a:spAutoFit/>
+            </a:bodyPr>
+            <a:lstStyle/>
+            <a:p>
+              <a:r>
+                <a:rPr kumimoji="1" lang="ja-JP" altLang="en-US" sz="1200" dirty="0"/>
+                <a:t>カモネギ</a:t>
+              </a:r>
+            </a:p>
+          </p:txBody>
+        </p:sp>
+        <p:sp>
+          <p:nvSpPr>
+            <p:cNvPr id="51" name="テキスト ボックス 50">
+              <a:extLst>
+                <a:ext uri="{FF2B5EF4-FFF2-40B4-BE49-F238E27FC236}">
+                  <a16:creationId xmlns:a16="http://schemas.microsoft.com/office/drawing/2014/main" id="{AFD9EB83-DE2B-43F7-B517-D78298F4DA16}"/>
+                </a:ext>
+              </a:extLst>
+            </p:cNvPr>
+            <p:cNvSpPr txBox="1"/>
+            <p:nvPr/>
+          </p:nvSpPr>
+          <p:spPr>
+            <a:xfrm>
+              <a:off x="6096708" y="4375230"/>
+              <a:ext cx="609948" cy="276999"/>
+            </a:xfrm>
+            <a:prstGeom prst="rect">
+              <a:avLst/>
+            </a:prstGeom>
+            <a:noFill/>
+          </p:spPr>
+          <p:txBody>
+            <a:bodyPr wrap="square" rtlCol="0">
+              <a:spAutoFit/>
+            </a:bodyPr>
+            <a:lstStyle/>
+            <a:p>
+              <a:r>
+                <a:rPr lang="en-US" altLang="ja-JP" sz="1200" dirty="0"/>
+                <a:t>i</a:t>
+              </a:r>
+              <a:r>
+                <a:rPr kumimoji="1" lang="en-US" altLang="ja-JP" sz="1200" dirty="0"/>
+                <a:t>s-a</a:t>
+              </a:r>
+              <a:endParaRPr kumimoji="1" lang="ja-JP" altLang="en-US" sz="1200" dirty="0"/>
+            </a:p>
+          </p:txBody>
+        </p:sp>
+        <p:sp>
+          <p:nvSpPr>
+            <p:cNvPr id="52" name="テキスト ボックス 51">
+              <a:extLst>
+                <a:ext uri="{FF2B5EF4-FFF2-40B4-BE49-F238E27FC236}">
+                  <a16:creationId xmlns:a16="http://schemas.microsoft.com/office/drawing/2014/main" id="{B6496BC3-4DEB-4B03-9BE3-440A08CDDBC8}"/>
+                </a:ext>
+              </a:extLst>
+            </p:cNvPr>
+            <p:cNvSpPr txBox="1"/>
+            <p:nvPr/>
+          </p:nvSpPr>
+          <p:spPr>
+            <a:xfrm>
+              <a:off x="6096708" y="4744562"/>
+              <a:ext cx="705722" cy="276999"/>
+            </a:xfrm>
+            <a:prstGeom prst="rect">
+              <a:avLst/>
+            </a:prstGeom>
+            <a:noFill/>
+          </p:spPr>
+          <p:txBody>
+            <a:bodyPr wrap="square" rtlCol="0">
+              <a:spAutoFit/>
+            </a:bodyPr>
+            <a:lstStyle/>
+            <a:p>
+              <a:r>
+                <a:rPr kumimoji="1" lang="ja-JP" altLang="en-US" sz="1200" dirty="0"/>
+                <a:t>武器</a:t>
+              </a:r>
+            </a:p>
+          </p:txBody>
+        </p:sp>
+        <p:sp>
+          <p:nvSpPr>
+            <p:cNvPr id="53" name="テキスト ボックス 52">
+              <a:extLst>
+                <a:ext uri="{FF2B5EF4-FFF2-40B4-BE49-F238E27FC236}">
+                  <a16:creationId xmlns:a16="http://schemas.microsoft.com/office/drawing/2014/main" id="{68482F66-F548-4808-A87E-FF70A1577D8C}"/>
+                </a:ext>
+              </a:extLst>
+            </p:cNvPr>
+            <p:cNvSpPr txBox="1"/>
+            <p:nvPr/>
+          </p:nvSpPr>
+          <p:spPr>
+            <a:xfrm>
+              <a:off x="6096708" y="5113894"/>
+              <a:ext cx="705722" cy="276999"/>
+            </a:xfrm>
+            <a:prstGeom prst="rect">
+              <a:avLst/>
+            </a:prstGeom>
+            <a:noFill/>
+          </p:spPr>
+          <p:txBody>
+            <a:bodyPr wrap="square" rtlCol="0">
+              <a:spAutoFit/>
+            </a:bodyPr>
+            <a:lstStyle/>
+            <a:p>
+              <a:r>
+                <a:rPr lang="ja-JP" altLang="en-US" sz="1200" dirty="0"/>
+                <a:t>性別</a:t>
+              </a:r>
+              <a:endParaRPr kumimoji="1" lang="ja-JP" altLang="en-US" sz="1200" dirty="0"/>
+            </a:p>
+          </p:txBody>
+        </p:sp>
+        <p:sp>
+          <p:nvSpPr>
+            <p:cNvPr id="54" name="テキスト ボックス 53">
+              <a:extLst>
+                <a:ext uri="{FF2B5EF4-FFF2-40B4-BE49-F238E27FC236}">
+                  <a16:creationId xmlns:a16="http://schemas.microsoft.com/office/drawing/2014/main" id="{76855AD5-79AA-4B88-92CA-898DF572E5FC}"/>
+                </a:ext>
+              </a:extLst>
+            </p:cNvPr>
+            <p:cNvSpPr txBox="1"/>
+            <p:nvPr/>
+          </p:nvSpPr>
+          <p:spPr>
+            <a:xfrm>
+              <a:off x="6096708" y="5483226"/>
+              <a:ext cx="1123776" cy="276999"/>
+            </a:xfrm>
+            <a:prstGeom prst="rect">
+              <a:avLst/>
+            </a:prstGeom>
+            <a:noFill/>
+          </p:spPr>
+          <p:txBody>
+            <a:bodyPr wrap="square" rtlCol="0">
+              <a:spAutoFit/>
+            </a:bodyPr>
+            <a:lstStyle/>
+            <a:p>
+              <a:r>
+                <a:rPr kumimoji="1" lang="ja-JP" altLang="en-US" sz="1200" dirty="0"/>
+                <a:t>タイトル</a:t>
+              </a:r>
+            </a:p>
+          </p:txBody>
+        </p:sp>
+        <p:sp>
+          <p:nvSpPr>
+            <p:cNvPr id="55" name="正方形/長方形 54">
+              <a:extLst>
+                <a:ext uri="{FF2B5EF4-FFF2-40B4-BE49-F238E27FC236}">
+                  <a16:creationId xmlns:a16="http://schemas.microsoft.com/office/drawing/2014/main" id="{B005F0AA-F7A8-4648-86E2-D6823CC981D3}"/>
+                </a:ext>
+              </a:extLst>
+            </p:cNvPr>
+            <p:cNvSpPr/>
+            <p:nvPr/>
+          </p:nvSpPr>
+          <p:spPr>
+            <a:xfrm>
+              <a:off x="7184126" y="4401042"/>
+              <a:ext cx="728448" cy="303402"/>
+            </a:xfrm>
+            <a:prstGeom prst="rect">
+              <a:avLst/>
+            </a:prstGeom>
+          </p:spPr>
+          <p:style>
+            <a:lnRef idx="2">
+              <a:schemeClr val="dk1"/>
+            </a:lnRef>
+            <a:fillRef idx="1">
+              <a:schemeClr val="lt1"/>
+            </a:fillRef>
+            <a:effectRef idx="0">
+              <a:schemeClr val="dk1"/>
+            </a:effectRef>
+            <a:fontRef idx="minor">
+              <a:schemeClr val="dk1"/>
+            </a:fontRef>
+          </p:style>
+          <p:txBody>
+            <a:bodyPr rtlCol="0" anchor="ctr"/>
+            <a:lstStyle/>
+            <a:p>
+              <a:pPr algn="ctr"/>
+              <a:endParaRPr kumimoji="1" lang="ja-JP" altLang="en-US" sz="1200"/>
+            </a:p>
+          </p:txBody>
+        </p:sp>
+        <p:sp>
+          <p:nvSpPr>
+            <p:cNvPr id="56" name="正方形/長方形 55">
+              <a:extLst>
+                <a:ext uri="{FF2B5EF4-FFF2-40B4-BE49-F238E27FC236}">
+                  <a16:creationId xmlns:a16="http://schemas.microsoft.com/office/drawing/2014/main" id="{49A0767C-997B-4AC1-812F-6014D1167A3E}"/>
+                </a:ext>
+              </a:extLst>
+            </p:cNvPr>
+            <p:cNvSpPr/>
+            <p:nvPr/>
+          </p:nvSpPr>
+          <p:spPr>
+            <a:xfrm>
+              <a:off x="7184126" y="4773388"/>
+              <a:ext cx="728448" cy="303402"/>
+            </a:xfrm>
+            <a:prstGeom prst="rect">
+              <a:avLst/>
+            </a:prstGeom>
+          </p:spPr>
+          <p:style>
+            <a:lnRef idx="2">
+              <a:schemeClr val="dk1"/>
+            </a:lnRef>
+            <a:fillRef idx="1">
+              <a:schemeClr val="lt1"/>
+            </a:fillRef>
+            <a:effectRef idx="0">
+              <a:schemeClr val="dk1"/>
+            </a:effectRef>
+            <a:fontRef idx="minor">
+              <a:schemeClr val="dk1"/>
+            </a:fontRef>
+          </p:style>
+          <p:txBody>
+            <a:bodyPr rtlCol="0" anchor="ctr"/>
+            <a:lstStyle/>
+            <a:p>
+              <a:pPr algn="ctr"/>
+              <a:r>
+                <a:rPr kumimoji="1" lang="en-US" altLang="ja-JP" sz="1200" dirty="0"/>
+                <a:t>true</a:t>
+              </a:r>
+              <a:endParaRPr kumimoji="1" lang="ja-JP" altLang="en-US" sz="1200" dirty="0"/>
+            </a:p>
+          </p:txBody>
+        </p:sp>
+        <p:sp>
+          <p:nvSpPr>
+            <p:cNvPr id="57" name="正方形/長方形 56">
+              <a:extLst>
+                <a:ext uri="{FF2B5EF4-FFF2-40B4-BE49-F238E27FC236}">
+                  <a16:creationId xmlns:a16="http://schemas.microsoft.com/office/drawing/2014/main" id="{2E7A61C6-18DE-4138-8B90-5438BCF3968A}"/>
+                </a:ext>
+              </a:extLst>
+            </p:cNvPr>
+            <p:cNvSpPr/>
+            <p:nvPr/>
+          </p:nvSpPr>
+          <p:spPr>
+            <a:xfrm>
+              <a:off x="7184126" y="5145734"/>
+              <a:ext cx="728448" cy="303402"/>
+            </a:xfrm>
+            <a:prstGeom prst="rect">
+              <a:avLst/>
+            </a:prstGeom>
+          </p:spPr>
+          <p:style>
+            <a:lnRef idx="2">
+              <a:schemeClr val="dk1"/>
+            </a:lnRef>
+            <a:fillRef idx="1">
+              <a:schemeClr val="lt1"/>
+            </a:fillRef>
+            <a:effectRef idx="0">
+              <a:schemeClr val="dk1"/>
+            </a:effectRef>
+            <a:fontRef idx="minor">
+              <a:schemeClr val="dk1"/>
+            </a:fontRef>
+          </p:style>
+          <p:txBody>
+            <a:bodyPr rtlCol="0" anchor="ctr"/>
+            <a:lstStyle/>
+            <a:p>
+              <a:pPr algn="ctr"/>
+              <a:r>
+                <a:rPr kumimoji="1" lang="ja-JP" altLang="en-US" sz="1200" dirty="0"/>
+                <a:t>不明</a:t>
+              </a:r>
+            </a:p>
+          </p:txBody>
+        </p:sp>
+        <p:sp>
+          <p:nvSpPr>
+            <p:cNvPr id="58" name="正方形/長方形 57">
+              <a:extLst>
+                <a:ext uri="{FF2B5EF4-FFF2-40B4-BE49-F238E27FC236}">
+                  <a16:creationId xmlns:a16="http://schemas.microsoft.com/office/drawing/2014/main" id="{7FC89D77-5CA3-4DDF-B4E7-6DAEE3D841EC}"/>
+                </a:ext>
+              </a:extLst>
+            </p:cNvPr>
+            <p:cNvSpPr/>
+            <p:nvPr/>
+          </p:nvSpPr>
+          <p:spPr>
+            <a:xfrm>
+              <a:off x="7184126" y="5518080"/>
+              <a:ext cx="728448" cy="303402"/>
+            </a:xfrm>
+            <a:prstGeom prst="rect">
+              <a:avLst/>
+            </a:prstGeom>
+          </p:spPr>
+          <p:style>
+            <a:lnRef idx="2">
+              <a:schemeClr val="dk1"/>
+            </a:lnRef>
+            <a:fillRef idx="1">
+              <a:schemeClr val="lt1"/>
+            </a:fillRef>
+            <a:effectRef idx="0">
+              <a:schemeClr val="dk1"/>
+            </a:effectRef>
+            <a:fontRef idx="minor">
+              <a:schemeClr val="dk1"/>
+            </a:fontRef>
+          </p:style>
+          <p:txBody>
+            <a:bodyPr rtlCol="0" anchor="ctr"/>
+            <a:lstStyle/>
+            <a:p>
+              <a:pPr algn="ctr"/>
+              <a:endParaRPr kumimoji="1" lang="ja-JP" altLang="en-US" sz="1200"/>
+            </a:p>
+          </p:txBody>
+        </p:sp>
+      </p:grpSp>
+      <p:grpSp>
+        <p:nvGrpSpPr>
+          <p:cNvPr id="120" name="グループ化 119">
+            <a:extLst>
+              <a:ext uri="{FF2B5EF4-FFF2-40B4-BE49-F238E27FC236}">
+                <a16:creationId xmlns:a16="http://schemas.microsoft.com/office/drawing/2014/main" id="{59ACF666-2059-470E-9E3E-A890D960E4B9}"/>
+              </a:ext>
+            </a:extLst>
+          </p:cNvPr>
+          <p:cNvGrpSpPr/>
+          <p:nvPr/>
+        </p:nvGrpSpPr>
+        <p:grpSpPr>
+          <a:xfrm>
+            <a:off x="1974614" y="5274168"/>
+            <a:ext cx="2014153" cy="1396929"/>
+            <a:chOff x="8297250" y="3386464"/>
+            <a:chExt cx="2104583" cy="1899196"/>
+          </a:xfrm>
+        </p:grpSpPr>
+        <p:sp>
+          <p:nvSpPr>
+            <p:cNvPr id="59" name="正方形/長方形 58">
+              <a:extLst>
+                <a:ext uri="{FF2B5EF4-FFF2-40B4-BE49-F238E27FC236}">
+                  <a16:creationId xmlns:a16="http://schemas.microsoft.com/office/drawing/2014/main" id="{23BA1F4F-507D-4A3C-B366-0ED405A017E6}"/>
+                </a:ext>
+              </a:extLst>
+            </p:cNvPr>
+            <p:cNvSpPr/>
+            <p:nvPr/>
+          </p:nvSpPr>
+          <p:spPr>
+            <a:xfrm>
+              <a:off x="8361914" y="3386464"/>
+              <a:ext cx="2039919" cy="1899196"/>
+            </a:xfrm>
+            <a:prstGeom prst="rect">
+              <a:avLst/>
+            </a:prstGeom>
+          </p:spPr>
+          <p:style>
+            <a:lnRef idx="2">
+              <a:schemeClr val="dk1"/>
+            </a:lnRef>
+            <a:fillRef idx="1">
+              <a:schemeClr val="lt1"/>
+            </a:fillRef>
+            <a:effectRef idx="0">
+              <a:schemeClr val="dk1"/>
+            </a:effectRef>
+            <a:fontRef idx="minor">
+              <a:schemeClr val="dk1"/>
+            </a:fontRef>
+          </p:style>
+          <p:txBody>
+            <a:bodyPr rtlCol="0" anchor="ctr"/>
+            <a:lstStyle/>
+            <a:p>
+              <a:pPr algn="ctr"/>
+              <a:endParaRPr kumimoji="1" lang="ja-JP" altLang="en-US" sz="1200"/>
+            </a:p>
+          </p:txBody>
+        </p:sp>
+        <p:sp>
+          <p:nvSpPr>
+            <p:cNvPr id="60" name="テキスト ボックス 59">
+              <a:extLst>
+                <a:ext uri="{FF2B5EF4-FFF2-40B4-BE49-F238E27FC236}">
+                  <a16:creationId xmlns:a16="http://schemas.microsoft.com/office/drawing/2014/main" id="{1DC5DFF4-A4E9-40A0-A2EF-86AF34B317F7}"/>
+                </a:ext>
+              </a:extLst>
+            </p:cNvPr>
+            <p:cNvSpPr txBox="1"/>
+            <p:nvPr/>
+          </p:nvSpPr>
+          <p:spPr>
+            <a:xfrm>
+              <a:off x="8297250" y="3423732"/>
+              <a:ext cx="2039918" cy="376594"/>
+            </a:xfrm>
+            <a:prstGeom prst="rect">
+              <a:avLst/>
+            </a:prstGeom>
+            <a:noFill/>
+          </p:spPr>
+          <p:txBody>
+            <a:bodyPr wrap="square" rtlCol="0">
+              <a:spAutoFit/>
+            </a:bodyPr>
+            <a:lstStyle/>
+            <a:p>
+              <a:r>
+                <a:rPr kumimoji="1" lang="ja-JP" altLang="en-US" sz="1200" dirty="0"/>
+                <a:t>ミズゴロウ</a:t>
+              </a:r>
+            </a:p>
+          </p:txBody>
+        </p:sp>
+        <p:sp>
+          <p:nvSpPr>
+            <p:cNvPr id="61" name="テキスト ボックス 60">
+              <a:extLst>
+                <a:ext uri="{FF2B5EF4-FFF2-40B4-BE49-F238E27FC236}">
+                  <a16:creationId xmlns:a16="http://schemas.microsoft.com/office/drawing/2014/main" id="{B65906E1-99C3-4638-94A4-FFB57A91C398}"/>
+                </a:ext>
+              </a:extLst>
+            </p:cNvPr>
+            <p:cNvSpPr txBox="1"/>
+            <p:nvPr/>
+          </p:nvSpPr>
+          <p:spPr>
+            <a:xfrm>
+              <a:off x="8456641" y="3742566"/>
+              <a:ext cx="609948" cy="276999"/>
+            </a:xfrm>
+            <a:prstGeom prst="rect">
+              <a:avLst/>
+            </a:prstGeom>
+            <a:noFill/>
+          </p:spPr>
+          <p:txBody>
+            <a:bodyPr wrap="square" rtlCol="0">
+              <a:spAutoFit/>
+            </a:bodyPr>
+            <a:lstStyle/>
+            <a:p>
+              <a:r>
+                <a:rPr lang="en-US" altLang="ja-JP" sz="1200" dirty="0"/>
+                <a:t>i</a:t>
+              </a:r>
+              <a:r>
+                <a:rPr kumimoji="1" lang="en-US" altLang="ja-JP" sz="1200" dirty="0"/>
+                <a:t>s-a</a:t>
+              </a:r>
+              <a:endParaRPr kumimoji="1" lang="ja-JP" altLang="en-US" sz="1200" dirty="0"/>
+            </a:p>
+          </p:txBody>
+        </p:sp>
+        <p:sp>
+          <p:nvSpPr>
+            <p:cNvPr id="62" name="テキスト ボックス 61">
+              <a:extLst>
+                <a:ext uri="{FF2B5EF4-FFF2-40B4-BE49-F238E27FC236}">
+                  <a16:creationId xmlns:a16="http://schemas.microsoft.com/office/drawing/2014/main" id="{CA010864-7536-4DA4-A665-81118392F3BC}"/>
+                </a:ext>
+              </a:extLst>
+            </p:cNvPr>
+            <p:cNvSpPr txBox="1"/>
+            <p:nvPr/>
+          </p:nvSpPr>
+          <p:spPr>
+            <a:xfrm>
+              <a:off x="8456641" y="4111898"/>
+              <a:ext cx="705722" cy="276999"/>
+            </a:xfrm>
+            <a:prstGeom prst="rect">
+              <a:avLst/>
+            </a:prstGeom>
+            <a:noFill/>
+          </p:spPr>
+          <p:txBody>
+            <a:bodyPr wrap="square" rtlCol="0">
+              <a:spAutoFit/>
+            </a:bodyPr>
+            <a:lstStyle/>
+            <a:p>
+              <a:r>
+                <a:rPr kumimoji="1" lang="ja-JP" altLang="en-US" sz="1200" dirty="0"/>
+                <a:t>武器</a:t>
+              </a:r>
+            </a:p>
+          </p:txBody>
+        </p:sp>
+        <p:sp>
+          <p:nvSpPr>
+            <p:cNvPr id="63" name="テキスト ボックス 62">
+              <a:extLst>
+                <a:ext uri="{FF2B5EF4-FFF2-40B4-BE49-F238E27FC236}">
+                  <a16:creationId xmlns:a16="http://schemas.microsoft.com/office/drawing/2014/main" id="{9AA5C1A9-7EEC-42A2-BD1D-EBA32020B9E5}"/>
+                </a:ext>
+              </a:extLst>
+            </p:cNvPr>
+            <p:cNvSpPr txBox="1"/>
+            <p:nvPr/>
+          </p:nvSpPr>
+          <p:spPr>
+            <a:xfrm>
+              <a:off x="8456641" y="4481230"/>
+              <a:ext cx="705722" cy="276999"/>
+            </a:xfrm>
+            <a:prstGeom prst="rect">
+              <a:avLst/>
+            </a:prstGeom>
+            <a:noFill/>
+          </p:spPr>
+          <p:txBody>
+            <a:bodyPr wrap="square" rtlCol="0">
+              <a:spAutoFit/>
+            </a:bodyPr>
+            <a:lstStyle/>
+            <a:p>
+              <a:r>
+                <a:rPr lang="ja-JP" altLang="en-US" sz="1200" dirty="0"/>
+                <a:t>性別</a:t>
+              </a:r>
+              <a:endParaRPr kumimoji="1" lang="ja-JP" altLang="en-US" sz="1200" dirty="0"/>
+            </a:p>
+          </p:txBody>
+        </p:sp>
+        <p:sp>
+          <p:nvSpPr>
+            <p:cNvPr id="64" name="テキスト ボックス 63">
+              <a:extLst>
+                <a:ext uri="{FF2B5EF4-FFF2-40B4-BE49-F238E27FC236}">
+                  <a16:creationId xmlns:a16="http://schemas.microsoft.com/office/drawing/2014/main" id="{781E880A-CA3D-4603-9515-C5F7174D2767}"/>
+                </a:ext>
+              </a:extLst>
+            </p:cNvPr>
+            <p:cNvSpPr txBox="1"/>
+            <p:nvPr/>
+          </p:nvSpPr>
+          <p:spPr>
+            <a:xfrm>
+              <a:off x="8456641" y="4850562"/>
+              <a:ext cx="1123776" cy="276999"/>
+            </a:xfrm>
+            <a:prstGeom prst="rect">
+              <a:avLst/>
+            </a:prstGeom>
+            <a:noFill/>
+          </p:spPr>
+          <p:txBody>
+            <a:bodyPr wrap="square" rtlCol="0">
+              <a:spAutoFit/>
+            </a:bodyPr>
+            <a:lstStyle/>
+            <a:p>
+              <a:r>
+                <a:rPr kumimoji="1" lang="ja-JP" altLang="en-US" sz="1200" dirty="0"/>
+                <a:t>タイトル</a:t>
+              </a:r>
+            </a:p>
+          </p:txBody>
+        </p:sp>
+        <p:sp>
+          <p:nvSpPr>
+            <p:cNvPr id="65" name="正方形/長方形 64">
+              <a:extLst>
+                <a:ext uri="{FF2B5EF4-FFF2-40B4-BE49-F238E27FC236}">
+                  <a16:creationId xmlns:a16="http://schemas.microsoft.com/office/drawing/2014/main" id="{8E1C64C3-C96F-422B-AAF5-E6A832362F05}"/>
+                </a:ext>
+              </a:extLst>
+            </p:cNvPr>
+            <p:cNvSpPr/>
+            <p:nvPr/>
+          </p:nvSpPr>
+          <p:spPr>
+            <a:xfrm>
+              <a:off x="9544059" y="3768378"/>
+              <a:ext cx="728448" cy="303402"/>
+            </a:xfrm>
+            <a:prstGeom prst="rect">
+              <a:avLst/>
+            </a:prstGeom>
+          </p:spPr>
+          <p:style>
+            <a:lnRef idx="2">
+              <a:schemeClr val="dk1"/>
+            </a:lnRef>
+            <a:fillRef idx="1">
+              <a:schemeClr val="lt1"/>
+            </a:fillRef>
+            <a:effectRef idx="0">
+              <a:schemeClr val="dk1"/>
+            </a:effectRef>
+            <a:fontRef idx="minor">
+              <a:schemeClr val="dk1"/>
+            </a:fontRef>
+          </p:style>
+          <p:txBody>
+            <a:bodyPr rtlCol="0" anchor="ctr"/>
+            <a:lstStyle/>
+            <a:p>
+              <a:pPr algn="ctr"/>
+              <a:endParaRPr kumimoji="1" lang="ja-JP" altLang="en-US" sz="1200"/>
+            </a:p>
+          </p:txBody>
+        </p:sp>
+        <p:sp>
+          <p:nvSpPr>
+            <p:cNvPr id="66" name="正方形/長方形 65">
+              <a:extLst>
+                <a:ext uri="{FF2B5EF4-FFF2-40B4-BE49-F238E27FC236}">
+                  <a16:creationId xmlns:a16="http://schemas.microsoft.com/office/drawing/2014/main" id="{F81A32DE-22D2-4DFE-892A-D09F9251188C}"/>
+                </a:ext>
+              </a:extLst>
+            </p:cNvPr>
+            <p:cNvSpPr/>
+            <p:nvPr/>
+          </p:nvSpPr>
+          <p:spPr>
+            <a:xfrm>
+              <a:off x="9544059" y="4140724"/>
+              <a:ext cx="728448" cy="303402"/>
+            </a:xfrm>
+            <a:prstGeom prst="rect">
+              <a:avLst/>
+            </a:prstGeom>
+          </p:spPr>
+          <p:style>
+            <a:lnRef idx="2">
+              <a:schemeClr val="dk1"/>
+            </a:lnRef>
+            <a:fillRef idx="1">
+              <a:schemeClr val="lt1"/>
+            </a:fillRef>
+            <a:effectRef idx="0">
+              <a:schemeClr val="dk1"/>
+            </a:effectRef>
+            <a:fontRef idx="minor">
+              <a:schemeClr val="dk1"/>
+            </a:fontRef>
+          </p:style>
+          <p:txBody>
+            <a:bodyPr rtlCol="0" anchor="ctr"/>
+            <a:lstStyle/>
+            <a:p>
+              <a:pPr algn="ctr"/>
+              <a:r>
+                <a:rPr lang="en-US" altLang="ja-JP" sz="1200" dirty="0"/>
+                <a:t>false</a:t>
+              </a:r>
+              <a:endParaRPr kumimoji="1" lang="ja-JP" altLang="en-US" sz="1200" dirty="0"/>
+            </a:p>
+          </p:txBody>
+        </p:sp>
+        <p:sp>
+          <p:nvSpPr>
+            <p:cNvPr id="67" name="正方形/長方形 66">
+              <a:extLst>
+                <a:ext uri="{FF2B5EF4-FFF2-40B4-BE49-F238E27FC236}">
+                  <a16:creationId xmlns:a16="http://schemas.microsoft.com/office/drawing/2014/main" id="{55F97D85-6F17-4D6C-B008-A0C83F118744}"/>
+                </a:ext>
+              </a:extLst>
+            </p:cNvPr>
+            <p:cNvSpPr/>
+            <p:nvPr/>
+          </p:nvSpPr>
+          <p:spPr>
+            <a:xfrm>
+              <a:off x="9544059" y="4513070"/>
+              <a:ext cx="728448" cy="303402"/>
+            </a:xfrm>
+            <a:prstGeom prst="rect">
+              <a:avLst/>
+            </a:prstGeom>
+          </p:spPr>
+          <p:style>
+            <a:lnRef idx="2">
+              <a:schemeClr val="dk1"/>
+            </a:lnRef>
+            <a:fillRef idx="1">
+              <a:schemeClr val="lt1"/>
+            </a:fillRef>
+            <a:effectRef idx="0">
+              <a:schemeClr val="dk1"/>
+            </a:effectRef>
+            <a:fontRef idx="minor">
+              <a:schemeClr val="dk1"/>
+            </a:fontRef>
+          </p:style>
+          <p:txBody>
+            <a:bodyPr rtlCol="0" anchor="ctr"/>
+            <a:lstStyle/>
+            <a:p>
+              <a:pPr algn="ctr"/>
+              <a:r>
+                <a:rPr kumimoji="1" lang="ja-JP" altLang="en-US" sz="1200" dirty="0"/>
+                <a:t>不明</a:t>
+              </a:r>
+            </a:p>
+          </p:txBody>
+        </p:sp>
+        <p:sp>
+          <p:nvSpPr>
+            <p:cNvPr id="68" name="正方形/長方形 67">
+              <a:extLst>
+                <a:ext uri="{FF2B5EF4-FFF2-40B4-BE49-F238E27FC236}">
+                  <a16:creationId xmlns:a16="http://schemas.microsoft.com/office/drawing/2014/main" id="{41BAD2AF-CDC5-4DA5-A212-17D7332034B0}"/>
+                </a:ext>
+              </a:extLst>
+            </p:cNvPr>
+            <p:cNvSpPr/>
+            <p:nvPr/>
+          </p:nvSpPr>
+          <p:spPr>
+            <a:xfrm>
+              <a:off x="9544059" y="4885416"/>
+              <a:ext cx="728448" cy="303402"/>
+            </a:xfrm>
+            <a:prstGeom prst="rect">
+              <a:avLst/>
+            </a:prstGeom>
+          </p:spPr>
+          <p:style>
+            <a:lnRef idx="2">
+              <a:schemeClr val="dk1"/>
+            </a:lnRef>
+            <a:fillRef idx="1">
+              <a:schemeClr val="lt1"/>
+            </a:fillRef>
+            <a:effectRef idx="0">
+              <a:schemeClr val="dk1"/>
+            </a:effectRef>
+            <a:fontRef idx="minor">
+              <a:schemeClr val="dk1"/>
+            </a:fontRef>
+          </p:style>
+          <p:txBody>
+            <a:bodyPr rtlCol="0" anchor="ctr"/>
+            <a:lstStyle/>
+            <a:p>
+              <a:pPr algn="ctr"/>
+              <a:endParaRPr kumimoji="1" lang="ja-JP" altLang="en-US" sz="1200"/>
+            </a:p>
+          </p:txBody>
+        </p:sp>
+      </p:grpSp>
+      <p:grpSp>
+        <p:nvGrpSpPr>
+          <p:cNvPr id="118" name="グループ化 117">
+            <a:extLst>
+              <a:ext uri="{FF2B5EF4-FFF2-40B4-BE49-F238E27FC236}">
+                <a16:creationId xmlns:a16="http://schemas.microsoft.com/office/drawing/2014/main" id="{2A67DA37-5006-4D01-BDD1-86E964A3C264}"/>
+              </a:ext>
+            </a:extLst>
+          </p:cNvPr>
+          <p:cNvGrpSpPr/>
+          <p:nvPr/>
+        </p:nvGrpSpPr>
+        <p:grpSpPr>
+          <a:xfrm>
+            <a:off x="6496610" y="3358531"/>
+            <a:ext cx="2014153" cy="1396929"/>
+            <a:chOff x="8215984" y="1165740"/>
+            <a:chExt cx="2104583" cy="1899196"/>
+          </a:xfrm>
+        </p:grpSpPr>
+        <p:sp>
+          <p:nvSpPr>
+            <p:cNvPr id="69" name="正方形/長方形 68">
+              <a:extLst>
+                <a:ext uri="{FF2B5EF4-FFF2-40B4-BE49-F238E27FC236}">
+                  <a16:creationId xmlns:a16="http://schemas.microsoft.com/office/drawing/2014/main" id="{40AE9384-CBBC-40A8-920C-ADF4B449B465}"/>
+                </a:ext>
+              </a:extLst>
+            </p:cNvPr>
+            <p:cNvSpPr/>
+            <p:nvPr/>
+          </p:nvSpPr>
+          <p:spPr>
+            <a:xfrm>
+              <a:off x="8280648" y="1165740"/>
+              <a:ext cx="2039919" cy="1899196"/>
+            </a:xfrm>
+            <a:prstGeom prst="rect">
+              <a:avLst/>
+            </a:prstGeom>
+          </p:spPr>
+          <p:style>
+            <a:lnRef idx="2">
+              <a:schemeClr val="dk1"/>
+            </a:lnRef>
+            <a:fillRef idx="1">
+              <a:schemeClr val="lt1"/>
+            </a:fillRef>
+            <a:effectRef idx="0">
+              <a:schemeClr val="dk1"/>
+            </a:effectRef>
+            <a:fontRef idx="minor">
+              <a:schemeClr val="dk1"/>
+            </a:fontRef>
+          </p:style>
+          <p:txBody>
+            <a:bodyPr rtlCol="0" anchor="ctr"/>
+            <a:lstStyle/>
+            <a:p>
+              <a:pPr algn="ctr"/>
+              <a:endParaRPr kumimoji="1" lang="ja-JP" altLang="en-US" sz="1200"/>
+            </a:p>
+          </p:txBody>
+        </p:sp>
+        <p:sp>
+          <p:nvSpPr>
+            <p:cNvPr id="70" name="テキスト ボックス 69">
+              <a:extLst>
+                <a:ext uri="{FF2B5EF4-FFF2-40B4-BE49-F238E27FC236}">
+                  <a16:creationId xmlns:a16="http://schemas.microsoft.com/office/drawing/2014/main" id="{B6AD174C-AF23-4A70-9362-742A95090A8C}"/>
+                </a:ext>
+              </a:extLst>
+            </p:cNvPr>
+            <p:cNvSpPr txBox="1"/>
+            <p:nvPr/>
+          </p:nvSpPr>
+          <p:spPr>
+            <a:xfrm>
+              <a:off x="8215984" y="1203008"/>
+              <a:ext cx="2039918" cy="376594"/>
+            </a:xfrm>
+            <a:prstGeom prst="rect">
+              <a:avLst/>
+            </a:prstGeom>
+            <a:noFill/>
+          </p:spPr>
+          <p:txBody>
+            <a:bodyPr wrap="square" rtlCol="0">
+              <a:spAutoFit/>
+            </a:bodyPr>
+            <a:lstStyle/>
+            <a:p>
+              <a:r>
+                <a:rPr lang="ja-JP" altLang="en-US" sz="1200" dirty="0"/>
+                <a:t>カスミ</a:t>
+              </a:r>
+              <a:endParaRPr kumimoji="1" lang="ja-JP" altLang="en-US" sz="1200" dirty="0"/>
+            </a:p>
+          </p:txBody>
+        </p:sp>
+        <p:sp>
+          <p:nvSpPr>
+            <p:cNvPr id="71" name="テキスト ボックス 70">
+              <a:extLst>
+                <a:ext uri="{FF2B5EF4-FFF2-40B4-BE49-F238E27FC236}">
+                  <a16:creationId xmlns:a16="http://schemas.microsoft.com/office/drawing/2014/main" id="{B68F7046-8B34-4882-BDA8-27000C348AA4}"/>
+                </a:ext>
+              </a:extLst>
+            </p:cNvPr>
+            <p:cNvSpPr txBox="1"/>
+            <p:nvPr/>
+          </p:nvSpPr>
+          <p:spPr>
+            <a:xfrm>
+              <a:off x="8375375" y="1521842"/>
+              <a:ext cx="609948" cy="276999"/>
+            </a:xfrm>
+            <a:prstGeom prst="rect">
+              <a:avLst/>
+            </a:prstGeom>
+            <a:noFill/>
+          </p:spPr>
+          <p:txBody>
+            <a:bodyPr wrap="square" rtlCol="0">
+              <a:spAutoFit/>
+            </a:bodyPr>
+            <a:lstStyle/>
+            <a:p>
+              <a:r>
+                <a:rPr lang="en-US" altLang="ja-JP" sz="1200" dirty="0"/>
+                <a:t>i</a:t>
+              </a:r>
+              <a:r>
+                <a:rPr kumimoji="1" lang="en-US" altLang="ja-JP" sz="1200" dirty="0"/>
+                <a:t>s-a</a:t>
+              </a:r>
+              <a:endParaRPr kumimoji="1" lang="ja-JP" altLang="en-US" sz="1200" dirty="0"/>
+            </a:p>
+          </p:txBody>
+        </p:sp>
+        <p:sp>
+          <p:nvSpPr>
+            <p:cNvPr id="72" name="テキスト ボックス 71">
+              <a:extLst>
+                <a:ext uri="{FF2B5EF4-FFF2-40B4-BE49-F238E27FC236}">
+                  <a16:creationId xmlns:a16="http://schemas.microsoft.com/office/drawing/2014/main" id="{53B029F9-3858-4451-941F-D158294768B2}"/>
+                </a:ext>
+              </a:extLst>
+            </p:cNvPr>
+            <p:cNvSpPr txBox="1"/>
+            <p:nvPr/>
+          </p:nvSpPr>
+          <p:spPr>
+            <a:xfrm>
+              <a:off x="8375375" y="1891174"/>
+              <a:ext cx="705722" cy="276999"/>
+            </a:xfrm>
+            <a:prstGeom prst="rect">
+              <a:avLst/>
+            </a:prstGeom>
+            <a:noFill/>
+          </p:spPr>
+          <p:txBody>
+            <a:bodyPr wrap="square" rtlCol="0">
+              <a:spAutoFit/>
+            </a:bodyPr>
+            <a:lstStyle/>
+            <a:p>
+              <a:r>
+                <a:rPr kumimoji="1" lang="ja-JP" altLang="en-US" sz="1200" dirty="0"/>
+                <a:t>武器</a:t>
+              </a:r>
+            </a:p>
+          </p:txBody>
+        </p:sp>
+        <p:sp>
+          <p:nvSpPr>
+            <p:cNvPr id="73" name="テキスト ボックス 72">
+              <a:extLst>
+                <a:ext uri="{FF2B5EF4-FFF2-40B4-BE49-F238E27FC236}">
+                  <a16:creationId xmlns:a16="http://schemas.microsoft.com/office/drawing/2014/main" id="{0C2A0FF9-55FD-4866-815A-8653AD872E52}"/>
+                </a:ext>
+              </a:extLst>
+            </p:cNvPr>
+            <p:cNvSpPr txBox="1"/>
+            <p:nvPr/>
+          </p:nvSpPr>
+          <p:spPr>
+            <a:xfrm>
+              <a:off x="8375375" y="2260506"/>
+              <a:ext cx="705722" cy="276999"/>
+            </a:xfrm>
+            <a:prstGeom prst="rect">
+              <a:avLst/>
+            </a:prstGeom>
+            <a:noFill/>
+          </p:spPr>
+          <p:txBody>
+            <a:bodyPr wrap="square" rtlCol="0">
+              <a:spAutoFit/>
+            </a:bodyPr>
+            <a:lstStyle/>
+            <a:p>
+              <a:r>
+                <a:rPr lang="ja-JP" altLang="en-US" sz="1200" dirty="0"/>
+                <a:t>性別</a:t>
+              </a:r>
+              <a:endParaRPr kumimoji="1" lang="ja-JP" altLang="en-US" sz="1200" dirty="0"/>
+            </a:p>
+          </p:txBody>
+        </p:sp>
+        <p:sp>
+          <p:nvSpPr>
+            <p:cNvPr id="74" name="テキスト ボックス 73">
+              <a:extLst>
+                <a:ext uri="{FF2B5EF4-FFF2-40B4-BE49-F238E27FC236}">
+                  <a16:creationId xmlns:a16="http://schemas.microsoft.com/office/drawing/2014/main" id="{201F32EE-A409-4389-8F91-1F0026E19263}"/>
+                </a:ext>
+              </a:extLst>
+            </p:cNvPr>
+            <p:cNvSpPr txBox="1"/>
+            <p:nvPr/>
+          </p:nvSpPr>
+          <p:spPr>
+            <a:xfrm>
+              <a:off x="8375375" y="2629838"/>
+              <a:ext cx="1123776" cy="276999"/>
+            </a:xfrm>
+            <a:prstGeom prst="rect">
+              <a:avLst/>
+            </a:prstGeom>
+            <a:noFill/>
+          </p:spPr>
+          <p:txBody>
+            <a:bodyPr wrap="square" rtlCol="0">
+              <a:spAutoFit/>
+            </a:bodyPr>
+            <a:lstStyle/>
+            <a:p>
+              <a:r>
+                <a:rPr kumimoji="1" lang="ja-JP" altLang="en-US" sz="1200" dirty="0"/>
+                <a:t>タイトル</a:t>
+              </a:r>
+            </a:p>
+          </p:txBody>
+        </p:sp>
+        <p:sp>
+          <p:nvSpPr>
+            <p:cNvPr id="75" name="正方形/長方形 74">
+              <a:extLst>
+                <a:ext uri="{FF2B5EF4-FFF2-40B4-BE49-F238E27FC236}">
+                  <a16:creationId xmlns:a16="http://schemas.microsoft.com/office/drawing/2014/main" id="{10888033-AA22-4D42-9717-166D2E46819A}"/>
+                </a:ext>
+              </a:extLst>
+            </p:cNvPr>
+            <p:cNvSpPr/>
+            <p:nvPr/>
+          </p:nvSpPr>
+          <p:spPr>
+            <a:xfrm>
+              <a:off x="9462793" y="1547654"/>
+              <a:ext cx="728448" cy="303402"/>
+            </a:xfrm>
+            <a:prstGeom prst="rect">
+              <a:avLst/>
+            </a:prstGeom>
+          </p:spPr>
+          <p:style>
+            <a:lnRef idx="2">
+              <a:schemeClr val="dk1"/>
+            </a:lnRef>
+            <a:fillRef idx="1">
+              <a:schemeClr val="lt1"/>
+            </a:fillRef>
+            <a:effectRef idx="0">
+              <a:schemeClr val="dk1"/>
+            </a:effectRef>
+            <a:fontRef idx="minor">
+              <a:schemeClr val="dk1"/>
+            </a:fontRef>
+          </p:style>
+          <p:txBody>
+            <a:bodyPr rtlCol="0" anchor="ctr"/>
+            <a:lstStyle/>
+            <a:p>
+              <a:pPr algn="ctr"/>
+              <a:endParaRPr kumimoji="1" lang="ja-JP" altLang="en-US" sz="1200"/>
+            </a:p>
+          </p:txBody>
+        </p:sp>
+        <p:sp>
+          <p:nvSpPr>
+            <p:cNvPr id="76" name="正方形/長方形 75">
+              <a:extLst>
+                <a:ext uri="{FF2B5EF4-FFF2-40B4-BE49-F238E27FC236}">
+                  <a16:creationId xmlns:a16="http://schemas.microsoft.com/office/drawing/2014/main" id="{9825415D-9C0B-4FD3-8E7B-17DE9A2B53A9}"/>
+                </a:ext>
+              </a:extLst>
+            </p:cNvPr>
+            <p:cNvSpPr/>
+            <p:nvPr/>
+          </p:nvSpPr>
+          <p:spPr>
+            <a:xfrm>
+              <a:off x="9462793" y="1920000"/>
+              <a:ext cx="728448" cy="303402"/>
+            </a:xfrm>
+            <a:prstGeom prst="rect">
+              <a:avLst/>
+            </a:prstGeom>
+          </p:spPr>
+          <p:style>
+            <a:lnRef idx="2">
+              <a:schemeClr val="dk1"/>
+            </a:lnRef>
+            <a:fillRef idx="1">
+              <a:schemeClr val="lt1"/>
+            </a:fillRef>
+            <a:effectRef idx="0">
+              <a:schemeClr val="dk1"/>
+            </a:effectRef>
+            <a:fontRef idx="minor">
+              <a:schemeClr val="dk1"/>
+            </a:fontRef>
+          </p:style>
+          <p:txBody>
+            <a:bodyPr rtlCol="0" anchor="ctr"/>
+            <a:lstStyle/>
+            <a:p>
+              <a:pPr algn="ctr"/>
+              <a:r>
+                <a:rPr kumimoji="1" lang="en-US" altLang="ja-JP" sz="1200" dirty="0"/>
+                <a:t>false</a:t>
+              </a:r>
+              <a:endParaRPr kumimoji="1" lang="ja-JP" altLang="en-US" sz="1200" dirty="0"/>
+            </a:p>
+          </p:txBody>
+        </p:sp>
+        <p:sp>
+          <p:nvSpPr>
+            <p:cNvPr id="77" name="正方形/長方形 76">
+              <a:extLst>
+                <a:ext uri="{FF2B5EF4-FFF2-40B4-BE49-F238E27FC236}">
+                  <a16:creationId xmlns:a16="http://schemas.microsoft.com/office/drawing/2014/main" id="{8CC0C884-4EB5-463E-994C-9832234C9BD0}"/>
+                </a:ext>
+              </a:extLst>
+            </p:cNvPr>
+            <p:cNvSpPr/>
+            <p:nvPr/>
+          </p:nvSpPr>
+          <p:spPr>
+            <a:xfrm>
+              <a:off x="9462793" y="2292346"/>
+              <a:ext cx="728448" cy="303402"/>
+            </a:xfrm>
+            <a:prstGeom prst="rect">
+              <a:avLst/>
+            </a:prstGeom>
+          </p:spPr>
+          <p:style>
+            <a:lnRef idx="2">
+              <a:schemeClr val="dk1"/>
+            </a:lnRef>
+            <a:fillRef idx="1">
+              <a:schemeClr val="lt1"/>
+            </a:fillRef>
+            <a:effectRef idx="0">
+              <a:schemeClr val="dk1"/>
+            </a:effectRef>
+            <a:fontRef idx="minor">
+              <a:schemeClr val="dk1"/>
+            </a:fontRef>
+          </p:style>
+          <p:txBody>
+            <a:bodyPr rtlCol="0" anchor="ctr"/>
+            <a:lstStyle/>
+            <a:p>
+              <a:pPr algn="ctr"/>
+              <a:r>
+                <a:rPr lang="ja-JP" altLang="en-US" sz="1200" dirty="0"/>
+                <a:t>女</a:t>
+              </a:r>
+              <a:endParaRPr kumimoji="1" lang="ja-JP" altLang="en-US" sz="1200" dirty="0"/>
+            </a:p>
+          </p:txBody>
+        </p:sp>
+        <p:sp>
+          <p:nvSpPr>
+            <p:cNvPr id="78" name="正方形/長方形 77">
+              <a:extLst>
+                <a:ext uri="{FF2B5EF4-FFF2-40B4-BE49-F238E27FC236}">
+                  <a16:creationId xmlns:a16="http://schemas.microsoft.com/office/drawing/2014/main" id="{8B547F45-4CA1-440B-B4FD-27DBBB49EC14}"/>
+                </a:ext>
+              </a:extLst>
+            </p:cNvPr>
+            <p:cNvSpPr/>
+            <p:nvPr/>
+          </p:nvSpPr>
+          <p:spPr>
+            <a:xfrm>
+              <a:off x="9462793" y="2664692"/>
+              <a:ext cx="728448" cy="303402"/>
+            </a:xfrm>
+            <a:prstGeom prst="rect">
+              <a:avLst/>
+            </a:prstGeom>
+          </p:spPr>
+          <p:style>
+            <a:lnRef idx="2">
+              <a:schemeClr val="dk1"/>
+            </a:lnRef>
+            <a:fillRef idx="1">
+              <a:schemeClr val="lt1"/>
+            </a:fillRef>
+            <a:effectRef idx="0">
+              <a:schemeClr val="dk1"/>
+            </a:effectRef>
+            <a:fontRef idx="minor">
+              <a:schemeClr val="dk1"/>
+            </a:fontRef>
+          </p:style>
+          <p:txBody>
+            <a:bodyPr rtlCol="0" anchor="ctr"/>
+            <a:lstStyle/>
+            <a:p>
+              <a:pPr algn="ctr"/>
+              <a:endParaRPr kumimoji="1" lang="ja-JP" altLang="en-US" sz="1200"/>
+            </a:p>
+          </p:txBody>
+        </p:sp>
+      </p:grpSp>
+      <p:grpSp>
+        <p:nvGrpSpPr>
+          <p:cNvPr id="117" name="グループ化 116">
+            <a:extLst>
+              <a:ext uri="{FF2B5EF4-FFF2-40B4-BE49-F238E27FC236}">
+                <a16:creationId xmlns:a16="http://schemas.microsoft.com/office/drawing/2014/main" id="{E11C16DD-1AE8-48EF-BDB4-53231855A0BD}"/>
+              </a:ext>
+            </a:extLst>
+          </p:cNvPr>
+          <p:cNvGrpSpPr/>
+          <p:nvPr/>
+        </p:nvGrpSpPr>
+        <p:grpSpPr>
+          <a:xfrm>
+            <a:off x="8578188" y="3363190"/>
+            <a:ext cx="2014153" cy="1396929"/>
+            <a:chOff x="4681611" y="413956"/>
+            <a:chExt cx="2104583" cy="1899196"/>
+          </a:xfrm>
+        </p:grpSpPr>
+        <p:sp>
+          <p:nvSpPr>
+            <p:cNvPr id="79" name="正方形/長方形 78">
+              <a:extLst>
+                <a:ext uri="{FF2B5EF4-FFF2-40B4-BE49-F238E27FC236}">
+                  <a16:creationId xmlns:a16="http://schemas.microsoft.com/office/drawing/2014/main" id="{8F6590DB-A22F-42B2-8164-ACD3AAD4645F}"/>
+                </a:ext>
+              </a:extLst>
+            </p:cNvPr>
+            <p:cNvSpPr/>
+            <p:nvPr/>
+          </p:nvSpPr>
+          <p:spPr>
+            <a:xfrm>
+              <a:off x="4746275" y="413956"/>
+              <a:ext cx="2039919" cy="1899196"/>
+            </a:xfrm>
+            <a:prstGeom prst="rect">
+              <a:avLst/>
+            </a:prstGeom>
+          </p:spPr>
+          <p:style>
+            <a:lnRef idx="2">
+              <a:schemeClr val="dk1"/>
+            </a:lnRef>
+            <a:fillRef idx="1">
+              <a:schemeClr val="lt1"/>
+            </a:fillRef>
+            <a:effectRef idx="0">
+              <a:schemeClr val="dk1"/>
+            </a:effectRef>
+            <a:fontRef idx="minor">
+              <a:schemeClr val="dk1"/>
+            </a:fontRef>
+          </p:style>
+          <p:txBody>
+            <a:bodyPr rtlCol="0" anchor="ctr"/>
+            <a:lstStyle/>
+            <a:p>
+              <a:pPr algn="ctr"/>
+              <a:endParaRPr kumimoji="1" lang="ja-JP" altLang="en-US" sz="1200"/>
+            </a:p>
+          </p:txBody>
+        </p:sp>
+        <p:sp>
+          <p:nvSpPr>
+            <p:cNvPr id="80" name="テキスト ボックス 79">
+              <a:extLst>
+                <a:ext uri="{FF2B5EF4-FFF2-40B4-BE49-F238E27FC236}">
+                  <a16:creationId xmlns:a16="http://schemas.microsoft.com/office/drawing/2014/main" id="{45A89B6C-5C3C-4B30-9D01-E97569BE774E}"/>
+                </a:ext>
+              </a:extLst>
+            </p:cNvPr>
+            <p:cNvSpPr txBox="1"/>
+            <p:nvPr/>
+          </p:nvSpPr>
+          <p:spPr>
+            <a:xfrm>
+              <a:off x="4681611" y="451224"/>
+              <a:ext cx="2039918" cy="376594"/>
+            </a:xfrm>
+            <a:prstGeom prst="rect">
+              <a:avLst/>
+            </a:prstGeom>
+            <a:noFill/>
+          </p:spPr>
+          <p:txBody>
+            <a:bodyPr wrap="square" rtlCol="0">
+              <a:spAutoFit/>
+            </a:bodyPr>
+            <a:lstStyle/>
+            <a:p>
+              <a:r>
+                <a:rPr lang="ja-JP" altLang="en-US" sz="1200" dirty="0"/>
+                <a:t>ハルカ</a:t>
+              </a:r>
+              <a:endParaRPr kumimoji="1" lang="ja-JP" altLang="en-US" sz="1200" dirty="0"/>
+            </a:p>
+          </p:txBody>
+        </p:sp>
+        <p:sp>
+          <p:nvSpPr>
+            <p:cNvPr id="81" name="テキスト ボックス 80">
+              <a:extLst>
+                <a:ext uri="{FF2B5EF4-FFF2-40B4-BE49-F238E27FC236}">
+                  <a16:creationId xmlns:a16="http://schemas.microsoft.com/office/drawing/2014/main" id="{B76EE87B-58C8-4497-BD3F-3E5D60280B49}"/>
+                </a:ext>
+              </a:extLst>
+            </p:cNvPr>
+            <p:cNvSpPr txBox="1"/>
+            <p:nvPr/>
+          </p:nvSpPr>
+          <p:spPr>
+            <a:xfrm>
+              <a:off x="4841002" y="770058"/>
+              <a:ext cx="609948" cy="276999"/>
+            </a:xfrm>
+            <a:prstGeom prst="rect">
+              <a:avLst/>
+            </a:prstGeom>
+            <a:noFill/>
+          </p:spPr>
+          <p:txBody>
+            <a:bodyPr wrap="square" rtlCol="0">
+              <a:spAutoFit/>
+            </a:bodyPr>
+            <a:lstStyle/>
+            <a:p>
+              <a:r>
+                <a:rPr lang="en-US" altLang="ja-JP" sz="1200" dirty="0"/>
+                <a:t>i</a:t>
+              </a:r>
+              <a:r>
+                <a:rPr kumimoji="1" lang="en-US" altLang="ja-JP" sz="1200" dirty="0"/>
+                <a:t>s-a</a:t>
+              </a:r>
+              <a:endParaRPr kumimoji="1" lang="ja-JP" altLang="en-US" sz="1200" dirty="0"/>
+            </a:p>
+          </p:txBody>
+        </p:sp>
+        <p:sp>
+          <p:nvSpPr>
+            <p:cNvPr id="82" name="テキスト ボックス 81">
+              <a:extLst>
+                <a:ext uri="{FF2B5EF4-FFF2-40B4-BE49-F238E27FC236}">
+                  <a16:creationId xmlns:a16="http://schemas.microsoft.com/office/drawing/2014/main" id="{4955C213-BE15-4CBB-BE5E-E481D199F94E}"/>
+                </a:ext>
+              </a:extLst>
+            </p:cNvPr>
+            <p:cNvSpPr txBox="1"/>
+            <p:nvPr/>
+          </p:nvSpPr>
+          <p:spPr>
+            <a:xfrm>
+              <a:off x="4841002" y="1139390"/>
+              <a:ext cx="705722" cy="276999"/>
+            </a:xfrm>
+            <a:prstGeom prst="rect">
+              <a:avLst/>
+            </a:prstGeom>
+            <a:noFill/>
+          </p:spPr>
+          <p:txBody>
+            <a:bodyPr wrap="square" rtlCol="0">
+              <a:spAutoFit/>
+            </a:bodyPr>
+            <a:lstStyle/>
+            <a:p>
+              <a:r>
+                <a:rPr kumimoji="1" lang="ja-JP" altLang="en-US" sz="1200" dirty="0"/>
+                <a:t>武器</a:t>
+              </a:r>
+            </a:p>
+          </p:txBody>
+        </p:sp>
+        <p:sp>
+          <p:nvSpPr>
+            <p:cNvPr id="83" name="テキスト ボックス 82">
+              <a:extLst>
+                <a:ext uri="{FF2B5EF4-FFF2-40B4-BE49-F238E27FC236}">
+                  <a16:creationId xmlns:a16="http://schemas.microsoft.com/office/drawing/2014/main" id="{A277CD90-B247-4FE9-B269-C9A026C1F5E8}"/>
+                </a:ext>
+              </a:extLst>
+            </p:cNvPr>
+            <p:cNvSpPr txBox="1"/>
+            <p:nvPr/>
+          </p:nvSpPr>
+          <p:spPr>
+            <a:xfrm>
+              <a:off x="4841002" y="1508722"/>
+              <a:ext cx="705722" cy="276999"/>
+            </a:xfrm>
+            <a:prstGeom prst="rect">
+              <a:avLst/>
+            </a:prstGeom>
+            <a:noFill/>
+          </p:spPr>
+          <p:txBody>
+            <a:bodyPr wrap="square" rtlCol="0">
+              <a:spAutoFit/>
+            </a:bodyPr>
+            <a:lstStyle/>
+            <a:p>
+              <a:r>
+                <a:rPr lang="ja-JP" altLang="en-US" sz="1200" dirty="0"/>
+                <a:t>性別</a:t>
+              </a:r>
+              <a:endParaRPr kumimoji="1" lang="ja-JP" altLang="en-US" sz="1200" dirty="0"/>
+            </a:p>
+          </p:txBody>
+        </p:sp>
+        <p:sp>
+          <p:nvSpPr>
+            <p:cNvPr id="84" name="テキスト ボックス 83">
+              <a:extLst>
+                <a:ext uri="{FF2B5EF4-FFF2-40B4-BE49-F238E27FC236}">
+                  <a16:creationId xmlns:a16="http://schemas.microsoft.com/office/drawing/2014/main" id="{D87D72E3-08B3-4D5A-A6B4-60B1611433ED}"/>
+                </a:ext>
+              </a:extLst>
+            </p:cNvPr>
+            <p:cNvSpPr txBox="1"/>
+            <p:nvPr/>
+          </p:nvSpPr>
+          <p:spPr>
+            <a:xfrm>
+              <a:off x="4841002" y="1878054"/>
+              <a:ext cx="1123776" cy="276999"/>
+            </a:xfrm>
+            <a:prstGeom prst="rect">
+              <a:avLst/>
+            </a:prstGeom>
+            <a:noFill/>
+          </p:spPr>
+          <p:txBody>
+            <a:bodyPr wrap="square" rtlCol="0">
+              <a:spAutoFit/>
+            </a:bodyPr>
+            <a:lstStyle/>
+            <a:p>
+              <a:r>
+                <a:rPr kumimoji="1" lang="ja-JP" altLang="en-US" sz="1200" dirty="0"/>
+                <a:t>タイトル</a:t>
+              </a:r>
+            </a:p>
+          </p:txBody>
+        </p:sp>
+        <p:sp>
+          <p:nvSpPr>
+            <p:cNvPr id="85" name="正方形/長方形 84">
+              <a:extLst>
+                <a:ext uri="{FF2B5EF4-FFF2-40B4-BE49-F238E27FC236}">
+                  <a16:creationId xmlns:a16="http://schemas.microsoft.com/office/drawing/2014/main" id="{70D0CB18-6CAB-4F28-80DE-835589D8D9AD}"/>
+                </a:ext>
+              </a:extLst>
+            </p:cNvPr>
+            <p:cNvSpPr/>
+            <p:nvPr/>
+          </p:nvSpPr>
+          <p:spPr>
+            <a:xfrm>
+              <a:off x="5928420" y="795870"/>
+              <a:ext cx="728448" cy="303402"/>
+            </a:xfrm>
+            <a:prstGeom prst="rect">
+              <a:avLst/>
+            </a:prstGeom>
+          </p:spPr>
+          <p:style>
+            <a:lnRef idx="2">
+              <a:schemeClr val="dk1"/>
+            </a:lnRef>
+            <a:fillRef idx="1">
+              <a:schemeClr val="lt1"/>
+            </a:fillRef>
+            <a:effectRef idx="0">
+              <a:schemeClr val="dk1"/>
+            </a:effectRef>
+            <a:fontRef idx="minor">
+              <a:schemeClr val="dk1"/>
+            </a:fontRef>
+          </p:style>
+          <p:txBody>
+            <a:bodyPr rtlCol="0" anchor="ctr"/>
+            <a:lstStyle/>
+            <a:p>
+              <a:pPr algn="ctr"/>
+              <a:endParaRPr kumimoji="1" lang="ja-JP" altLang="en-US" sz="1200"/>
+            </a:p>
+          </p:txBody>
+        </p:sp>
+        <p:sp>
+          <p:nvSpPr>
+            <p:cNvPr id="86" name="正方形/長方形 85">
+              <a:extLst>
+                <a:ext uri="{FF2B5EF4-FFF2-40B4-BE49-F238E27FC236}">
+                  <a16:creationId xmlns:a16="http://schemas.microsoft.com/office/drawing/2014/main" id="{F7916E3C-60B2-4540-A919-289515B4E354}"/>
+                </a:ext>
+              </a:extLst>
+            </p:cNvPr>
+            <p:cNvSpPr/>
+            <p:nvPr/>
+          </p:nvSpPr>
+          <p:spPr>
+            <a:xfrm>
+              <a:off x="5928420" y="1168216"/>
+              <a:ext cx="728448" cy="303402"/>
+            </a:xfrm>
+            <a:prstGeom prst="rect">
+              <a:avLst/>
+            </a:prstGeom>
+          </p:spPr>
+          <p:style>
+            <a:lnRef idx="2">
+              <a:schemeClr val="dk1"/>
+            </a:lnRef>
+            <a:fillRef idx="1">
+              <a:schemeClr val="lt1"/>
+            </a:fillRef>
+            <a:effectRef idx="0">
+              <a:schemeClr val="dk1"/>
+            </a:effectRef>
+            <a:fontRef idx="minor">
+              <a:schemeClr val="dk1"/>
+            </a:fontRef>
+          </p:style>
+          <p:txBody>
+            <a:bodyPr rtlCol="0" anchor="ctr"/>
+            <a:lstStyle/>
+            <a:p>
+              <a:pPr algn="ctr"/>
+              <a:r>
+                <a:rPr lang="en-US" altLang="ja-JP" sz="1200" dirty="0"/>
+                <a:t>false</a:t>
+              </a:r>
+              <a:endParaRPr kumimoji="1" lang="ja-JP" altLang="en-US" sz="1200" dirty="0"/>
+            </a:p>
+          </p:txBody>
+        </p:sp>
+        <p:sp>
+          <p:nvSpPr>
+            <p:cNvPr id="87" name="正方形/長方形 86">
+              <a:extLst>
+                <a:ext uri="{FF2B5EF4-FFF2-40B4-BE49-F238E27FC236}">
+                  <a16:creationId xmlns:a16="http://schemas.microsoft.com/office/drawing/2014/main" id="{B65121F8-0CE3-4DB2-B6F6-4A07554994BE}"/>
+                </a:ext>
+              </a:extLst>
+            </p:cNvPr>
+            <p:cNvSpPr/>
+            <p:nvPr/>
+          </p:nvSpPr>
+          <p:spPr>
+            <a:xfrm>
+              <a:off x="5928420" y="1540562"/>
+              <a:ext cx="728448" cy="303402"/>
+            </a:xfrm>
+            <a:prstGeom prst="rect">
+              <a:avLst/>
+            </a:prstGeom>
+          </p:spPr>
+          <p:style>
+            <a:lnRef idx="2">
+              <a:schemeClr val="dk1"/>
+            </a:lnRef>
+            <a:fillRef idx="1">
+              <a:schemeClr val="lt1"/>
+            </a:fillRef>
+            <a:effectRef idx="0">
+              <a:schemeClr val="dk1"/>
+            </a:effectRef>
+            <a:fontRef idx="minor">
+              <a:schemeClr val="dk1"/>
+            </a:fontRef>
+          </p:style>
+          <p:txBody>
+            <a:bodyPr rtlCol="0" anchor="ctr"/>
+            <a:lstStyle/>
+            <a:p>
+              <a:pPr algn="ctr"/>
+              <a:r>
+                <a:rPr kumimoji="1" lang="ja-JP" altLang="en-US" sz="1200" dirty="0"/>
+                <a:t>女</a:t>
+              </a:r>
+            </a:p>
+          </p:txBody>
+        </p:sp>
+        <p:sp>
+          <p:nvSpPr>
+            <p:cNvPr id="88" name="正方形/長方形 87">
+              <a:extLst>
+                <a:ext uri="{FF2B5EF4-FFF2-40B4-BE49-F238E27FC236}">
+                  <a16:creationId xmlns:a16="http://schemas.microsoft.com/office/drawing/2014/main" id="{7D550A60-9AA5-4B51-A2E5-80D03B34EC26}"/>
+                </a:ext>
+              </a:extLst>
+            </p:cNvPr>
+            <p:cNvSpPr/>
+            <p:nvPr/>
+          </p:nvSpPr>
+          <p:spPr>
+            <a:xfrm>
+              <a:off x="5928420" y="1912908"/>
+              <a:ext cx="728448" cy="303402"/>
+            </a:xfrm>
+            <a:prstGeom prst="rect">
+              <a:avLst/>
+            </a:prstGeom>
+          </p:spPr>
+          <p:style>
+            <a:lnRef idx="2">
+              <a:schemeClr val="dk1"/>
+            </a:lnRef>
+            <a:fillRef idx="1">
+              <a:schemeClr val="lt1"/>
+            </a:fillRef>
+            <a:effectRef idx="0">
+              <a:schemeClr val="dk1"/>
+            </a:effectRef>
+            <a:fontRef idx="minor">
+              <a:schemeClr val="dk1"/>
+            </a:fontRef>
+          </p:style>
+          <p:txBody>
+            <a:bodyPr rtlCol="0" anchor="ctr"/>
+            <a:lstStyle/>
+            <a:p>
+              <a:pPr algn="ctr"/>
+              <a:endParaRPr kumimoji="1" lang="ja-JP" altLang="en-US" sz="1200"/>
+            </a:p>
+          </p:txBody>
+        </p:sp>
+      </p:grpSp>
+      <p:grpSp>
+        <p:nvGrpSpPr>
+          <p:cNvPr id="109" name="グループ化 108">
+            <a:extLst>
+              <a:ext uri="{FF2B5EF4-FFF2-40B4-BE49-F238E27FC236}">
+                <a16:creationId xmlns:a16="http://schemas.microsoft.com/office/drawing/2014/main" id="{5F1F4D76-FC4F-4CED-9AAA-4B3146797B41}"/>
+              </a:ext>
+            </a:extLst>
+          </p:cNvPr>
+          <p:cNvGrpSpPr/>
+          <p:nvPr/>
+        </p:nvGrpSpPr>
+        <p:grpSpPr>
+          <a:xfrm>
+            <a:off x="42506" y="3369186"/>
+            <a:ext cx="2014153" cy="1396929"/>
+            <a:chOff x="9446537" y="4405290"/>
+            <a:chExt cx="2104583" cy="1899196"/>
+          </a:xfrm>
+        </p:grpSpPr>
+        <p:sp>
+          <p:nvSpPr>
+            <p:cNvPr id="89" name="正方形/長方形 88">
+              <a:extLst>
+                <a:ext uri="{FF2B5EF4-FFF2-40B4-BE49-F238E27FC236}">
+                  <a16:creationId xmlns:a16="http://schemas.microsoft.com/office/drawing/2014/main" id="{459A4AA5-A5A0-4637-91FD-1808505E55FF}"/>
+                </a:ext>
+              </a:extLst>
+            </p:cNvPr>
+            <p:cNvSpPr/>
+            <p:nvPr/>
+          </p:nvSpPr>
+          <p:spPr>
+            <a:xfrm>
+              <a:off x="9511201" y="4405290"/>
+              <a:ext cx="2039919" cy="1899196"/>
+            </a:xfrm>
+            <a:prstGeom prst="rect">
+              <a:avLst/>
+            </a:prstGeom>
+          </p:spPr>
+          <p:style>
+            <a:lnRef idx="2">
+              <a:schemeClr val="dk1"/>
+            </a:lnRef>
+            <a:fillRef idx="1">
+              <a:schemeClr val="lt1"/>
+            </a:fillRef>
+            <a:effectRef idx="0">
+              <a:schemeClr val="dk1"/>
+            </a:effectRef>
+            <a:fontRef idx="minor">
+              <a:schemeClr val="dk1"/>
+            </a:fontRef>
+          </p:style>
+          <p:txBody>
+            <a:bodyPr rtlCol="0" anchor="ctr"/>
+            <a:lstStyle/>
+            <a:p>
+              <a:pPr algn="ctr"/>
+              <a:endParaRPr kumimoji="1" lang="ja-JP" altLang="en-US" sz="1200"/>
+            </a:p>
+          </p:txBody>
+        </p:sp>
+        <p:sp>
+          <p:nvSpPr>
+            <p:cNvPr id="90" name="テキスト ボックス 89">
+              <a:extLst>
+                <a:ext uri="{FF2B5EF4-FFF2-40B4-BE49-F238E27FC236}">
+                  <a16:creationId xmlns:a16="http://schemas.microsoft.com/office/drawing/2014/main" id="{A990FB5C-D9F1-4CA1-9583-08585F5E208E}"/>
+                </a:ext>
+              </a:extLst>
+            </p:cNvPr>
+            <p:cNvSpPr txBox="1"/>
+            <p:nvPr/>
+          </p:nvSpPr>
+          <p:spPr>
+            <a:xfrm>
+              <a:off x="9446537" y="4442558"/>
+              <a:ext cx="2039918" cy="376594"/>
+            </a:xfrm>
+            <a:prstGeom prst="rect">
+              <a:avLst/>
+            </a:prstGeom>
+            <a:noFill/>
+          </p:spPr>
+          <p:txBody>
+            <a:bodyPr wrap="square" rtlCol="0">
+              <a:spAutoFit/>
+            </a:bodyPr>
+            <a:lstStyle/>
+            <a:p>
+              <a:r>
+                <a:rPr kumimoji="1" lang="ja-JP" altLang="en-US" sz="1200" dirty="0"/>
+                <a:t>サトシ</a:t>
+              </a:r>
+            </a:p>
+          </p:txBody>
+        </p:sp>
+        <p:sp>
+          <p:nvSpPr>
+            <p:cNvPr id="91" name="テキスト ボックス 90">
+              <a:extLst>
+                <a:ext uri="{FF2B5EF4-FFF2-40B4-BE49-F238E27FC236}">
+                  <a16:creationId xmlns:a16="http://schemas.microsoft.com/office/drawing/2014/main" id="{076059D7-B4A0-49B1-B58F-629D46C0B90F}"/>
+                </a:ext>
+              </a:extLst>
+            </p:cNvPr>
+            <p:cNvSpPr txBox="1"/>
+            <p:nvPr/>
+          </p:nvSpPr>
+          <p:spPr>
+            <a:xfrm>
+              <a:off x="9605928" y="4761392"/>
+              <a:ext cx="609948" cy="276999"/>
+            </a:xfrm>
+            <a:prstGeom prst="rect">
+              <a:avLst/>
+            </a:prstGeom>
+            <a:noFill/>
+          </p:spPr>
+          <p:txBody>
+            <a:bodyPr wrap="square" rtlCol="0">
+              <a:spAutoFit/>
+            </a:bodyPr>
+            <a:lstStyle/>
+            <a:p>
+              <a:r>
+                <a:rPr lang="en-US" altLang="ja-JP" sz="1200" dirty="0"/>
+                <a:t>i</a:t>
+              </a:r>
+              <a:r>
+                <a:rPr kumimoji="1" lang="en-US" altLang="ja-JP" sz="1200" dirty="0"/>
+                <a:t>s-a</a:t>
+              </a:r>
+              <a:endParaRPr kumimoji="1" lang="ja-JP" altLang="en-US" sz="1200" dirty="0"/>
+            </a:p>
+          </p:txBody>
+        </p:sp>
+        <p:sp>
+          <p:nvSpPr>
+            <p:cNvPr id="92" name="テキスト ボックス 91">
+              <a:extLst>
+                <a:ext uri="{FF2B5EF4-FFF2-40B4-BE49-F238E27FC236}">
+                  <a16:creationId xmlns:a16="http://schemas.microsoft.com/office/drawing/2014/main" id="{A056D7B6-7A16-414F-BAAC-9041608210DB}"/>
+                </a:ext>
+              </a:extLst>
+            </p:cNvPr>
+            <p:cNvSpPr txBox="1"/>
+            <p:nvPr/>
+          </p:nvSpPr>
+          <p:spPr>
+            <a:xfrm>
+              <a:off x="9605928" y="5130724"/>
+              <a:ext cx="705722" cy="276999"/>
+            </a:xfrm>
+            <a:prstGeom prst="rect">
+              <a:avLst/>
+            </a:prstGeom>
+            <a:noFill/>
+          </p:spPr>
+          <p:txBody>
+            <a:bodyPr wrap="square" rtlCol="0">
+              <a:spAutoFit/>
+            </a:bodyPr>
+            <a:lstStyle/>
+            <a:p>
+              <a:r>
+                <a:rPr kumimoji="1" lang="ja-JP" altLang="en-US" sz="1200" dirty="0"/>
+                <a:t>武器</a:t>
+              </a:r>
+            </a:p>
+          </p:txBody>
+        </p:sp>
+        <p:sp>
+          <p:nvSpPr>
+            <p:cNvPr id="93" name="テキスト ボックス 92">
+              <a:extLst>
+                <a:ext uri="{FF2B5EF4-FFF2-40B4-BE49-F238E27FC236}">
+                  <a16:creationId xmlns:a16="http://schemas.microsoft.com/office/drawing/2014/main" id="{7AA81559-2B3D-412F-9CE9-E98FE350A989}"/>
+                </a:ext>
+              </a:extLst>
+            </p:cNvPr>
+            <p:cNvSpPr txBox="1"/>
+            <p:nvPr/>
+          </p:nvSpPr>
+          <p:spPr>
+            <a:xfrm>
+              <a:off x="9605928" y="5500056"/>
+              <a:ext cx="705722" cy="276999"/>
+            </a:xfrm>
+            <a:prstGeom prst="rect">
+              <a:avLst/>
+            </a:prstGeom>
+            <a:noFill/>
+          </p:spPr>
+          <p:txBody>
+            <a:bodyPr wrap="square" rtlCol="0">
+              <a:spAutoFit/>
+            </a:bodyPr>
+            <a:lstStyle/>
+            <a:p>
+              <a:r>
+                <a:rPr lang="ja-JP" altLang="en-US" sz="1200" dirty="0"/>
+                <a:t>性別</a:t>
+              </a:r>
+              <a:endParaRPr kumimoji="1" lang="ja-JP" altLang="en-US" sz="1200" dirty="0"/>
+            </a:p>
+          </p:txBody>
+        </p:sp>
+        <p:sp>
+          <p:nvSpPr>
+            <p:cNvPr id="94" name="テキスト ボックス 93">
+              <a:extLst>
+                <a:ext uri="{FF2B5EF4-FFF2-40B4-BE49-F238E27FC236}">
+                  <a16:creationId xmlns:a16="http://schemas.microsoft.com/office/drawing/2014/main" id="{64C6F46A-9537-4299-ABA1-68C6FF8999A8}"/>
+                </a:ext>
+              </a:extLst>
+            </p:cNvPr>
+            <p:cNvSpPr txBox="1"/>
+            <p:nvPr/>
+          </p:nvSpPr>
+          <p:spPr>
+            <a:xfrm>
+              <a:off x="9605928" y="5869388"/>
+              <a:ext cx="1123776" cy="276999"/>
+            </a:xfrm>
+            <a:prstGeom prst="rect">
+              <a:avLst/>
+            </a:prstGeom>
+            <a:noFill/>
+          </p:spPr>
+          <p:txBody>
+            <a:bodyPr wrap="square" rtlCol="0">
+              <a:spAutoFit/>
+            </a:bodyPr>
+            <a:lstStyle/>
+            <a:p>
+              <a:r>
+                <a:rPr kumimoji="1" lang="ja-JP" altLang="en-US" sz="1200" dirty="0"/>
+                <a:t>タイトル</a:t>
+              </a:r>
+            </a:p>
+          </p:txBody>
+        </p:sp>
+        <p:sp>
+          <p:nvSpPr>
+            <p:cNvPr id="95" name="正方形/長方形 94">
+              <a:extLst>
+                <a:ext uri="{FF2B5EF4-FFF2-40B4-BE49-F238E27FC236}">
+                  <a16:creationId xmlns:a16="http://schemas.microsoft.com/office/drawing/2014/main" id="{4471AE96-4EF2-4D99-AFE3-67391325F4A8}"/>
+                </a:ext>
+              </a:extLst>
+            </p:cNvPr>
+            <p:cNvSpPr/>
+            <p:nvPr/>
+          </p:nvSpPr>
+          <p:spPr>
+            <a:xfrm>
+              <a:off x="10693346" y="4787204"/>
+              <a:ext cx="728448" cy="303402"/>
+            </a:xfrm>
+            <a:prstGeom prst="rect">
+              <a:avLst/>
+            </a:prstGeom>
+          </p:spPr>
+          <p:style>
+            <a:lnRef idx="2">
+              <a:schemeClr val="dk1"/>
+            </a:lnRef>
+            <a:fillRef idx="1">
+              <a:schemeClr val="lt1"/>
+            </a:fillRef>
+            <a:effectRef idx="0">
+              <a:schemeClr val="dk1"/>
+            </a:effectRef>
+            <a:fontRef idx="minor">
+              <a:schemeClr val="dk1"/>
+            </a:fontRef>
+          </p:style>
+          <p:txBody>
+            <a:bodyPr rtlCol="0" anchor="ctr"/>
+            <a:lstStyle/>
+            <a:p>
+              <a:pPr algn="ctr"/>
+              <a:endParaRPr kumimoji="1" lang="ja-JP" altLang="en-US" sz="1200"/>
+            </a:p>
+          </p:txBody>
+        </p:sp>
+        <p:sp>
+          <p:nvSpPr>
+            <p:cNvPr id="96" name="正方形/長方形 95">
+              <a:extLst>
+                <a:ext uri="{FF2B5EF4-FFF2-40B4-BE49-F238E27FC236}">
+                  <a16:creationId xmlns:a16="http://schemas.microsoft.com/office/drawing/2014/main" id="{ED5246E4-E0C5-49CE-96C3-FE59BB05F21A}"/>
+                </a:ext>
+              </a:extLst>
+            </p:cNvPr>
+            <p:cNvSpPr/>
+            <p:nvPr/>
+          </p:nvSpPr>
+          <p:spPr>
+            <a:xfrm>
+              <a:off x="10693346" y="5159550"/>
+              <a:ext cx="728448" cy="303402"/>
+            </a:xfrm>
+            <a:prstGeom prst="rect">
+              <a:avLst/>
+            </a:prstGeom>
+          </p:spPr>
+          <p:style>
+            <a:lnRef idx="2">
+              <a:schemeClr val="dk1"/>
+            </a:lnRef>
+            <a:fillRef idx="1">
+              <a:schemeClr val="lt1"/>
+            </a:fillRef>
+            <a:effectRef idx="0">
+              <a:schemeClr val="dk1"/>
+            </a:effectRef>
+            <a:fontRef idx="minor">
+              <a:schemeClr val="dk1"/>
+            </a:fontRef>
+          </p:style>
+          <p:txBody>
+            <a:bodyPr rtlCol="0" anchor="ctr"/>
+            <a:lstStyle/>
+            <a:p>
+              <a:pPr algn="ctr"/>
+              <a:r>
+                <a:rPr lang="en-US" altLang="ja-JP" sz="1200" dirty="0"/>
+                <a:t>false</a:t>
+              </a:r>
+              <a:endParaRPr kumimoji="1" lang="ja-JP" altLang="en-US" sz="1200" dirty="0"/>
+            </a:p>
+          </p:txBody>
+        </p:sp>
+        <p:sp>
+          <p:nvSpPr>
+            <p:cNvPr id="97" name="正方形/長方形 96">
+              <a:extLst>
+                <a:ext uri="{FF2B5EF4-FFF2-40B4-BE49-F238E27FC236}">
+                  <a16:creationId xmlns:a16="http://schemas.microsoft.com/office/drawing/2014/main" id="{6F54FB38-276E-46CF-AA45-E69E34959526}"/>
+                </a:ext>
+              </a:extLst>
+            </p:cNvPr>
+            <p:cNvSpPr/>
+            <p:nvPr/>
+          </p:nvSpPr>
+          <p:spPr>
+            <a:xfrm>
+              <a:off x="10693346" y="5531896"/>
+              <a:ext cx="728448" cy="303402"/>
+            </a:xfrm>
+            <a:prstGeom prst="rect">
+              <a:avLst/>
+            </a:prstGeom>
+          </p:spPr>
+          <p:style>
+            <a:lnRef idx="2">
+              <a:schemeClr val="dk1"/>
+            </a:lnRef>
+            <a:fillRef idx="1">
+              <a:schemeClr val="lt1"/>
+            </a:fillRef>
+            <a:effectRef idx="0">
+              <a:schemeClr val="dk1"/>
+            </a:effectRef>
+            <a:fontRef idx="minor">
+              <a:schemeClr val="dk1"/>
+            </a:fontRef>
+          </p:style>
+          <p:txBody>
+            <a:bodyPr rtlCol="0" anchor="ctr"/>
+            <a:lstStyle/>
+            <a:p>
+              <a:pPr algn="ctr"/>
+              <a:r>
+                <a:rPr kumimoji="1" lang="ja-JP" altLang="en-US" sz="1200" dirty="0"/>
+                <a:t>男</a:t>
+              </a:r>
+            </a:p>
+          </p:txBody>
+        </p:sp>
+        <p:sp>
+          <p:nvSpPr>
+            <p:cNvPr id="98" name="正方形/長方形 97">
+              <a:extLst>
+                <a:ext uri="{FF2B5EF4-FFF2-40B4-BE49-F238E27FC236}">
+                  <a16:creationId xmlns:a16="http://schemas.microsoft.com/office/drawing/2014/main" id="{72C21F57-DA47-48C9-8BB4-0698FE9E10D5}"/>
+                </a:ext>
+              </a:extLst>
+            </p:cNvPr>
+            <p:cNvSpPr/>
+            <p:nvPr/>
+          </p:nvSpPr>
+          <p:spPr>
+            <a:xfrm>
+              <a:off x="10693346" y="5904242"/>
+              <a:ext cx="728448" cy="303402"/>
+            </a:xfrm>
+            <a:prstGeom prst="rect">
+              <a:avLst/>
+            </a:prstGeom>
+          </p:spPr>
+          <p:style>
+            <a:lnRef idx="2">
+              <a:schemeClr val="dk1"/>
+            </a:lnRef>
+            <a:fillRef idx="1">
+              <a:schemeClr val="lt1"/>
+            </a:fillRef>
+            <a:effectRef idx="0">
+              <a:schemeClr val="dk1"/>
+            </a:effectRef>
+            <a:fontRef idx="minor">
+              <a:schemeClr val="dk1"/>
+            </a:fontRef>
+          </p:style>
+          <p:txBody>
+            <a:bodyPr rtlCol="0" anchor="ctr"/>
+            <a:lstStyle/>
+            <a:p>
+              <a:pPr algn="ctr"/>
+              <a:endParaRPr kumimoji="1" lang="ja-JP" altLang="en-US" sz="1200"/>
+            </a:p>
+          </p:txBody>
+        </p:sp>
+      </p:grpSp>
+      <p:grpSp>
+        <p:nvGrpSpPr>
+          <p:cNvPr id="119" name="グループ化 118">
+            <a:extLst>
+              <a:ext uri="{FF2B5EF4-FFF2-40B4-BE49-F238E27FC236}">
+                <a16:creationId xmlns:a16="http://schemas.microsoft.com/office/drawing/2014/main" id="{78E3AAFD-FDEF-43B4-B732-655FD564831E}"/>
+              </a:ext>
+            </a:extLst>
+          </p:cNvPr>
+          <p:cNvGrpSpPr/>
+          <p:nvPr/>
+        </p:nvGrpSpPr>
+        <p:grpSpPr>
+          <a:xfrm>
+            <a:off x="4081847" y="5284324"/>
+            <a:ext cx="2014153" cy="1396929"/>
+            <a:chOff x="10665040" y="1155470"/>
+            <a:chExt cx="2104583" cy="1899196"/>
+          </a:xfrm>
+        </p:grpSpPr>
+        <p:sp>
+          <p:nvSpPr>
+            <p:cNvPr id="99" name="正方形/長方形 98">
+              <a:extLst>
+                <a:ext uri="{FF2B5EF4-FFF2-40B4-BE49-F238E27FC236}">
+                  <a16:creationId xmlns:a16="http://schemas.microsoft.com/office/drawing/2014/main" id="{C07C5EF4-49D6-4F81-A3DA-A75E1E2F6AA2}"/>
+                </a:ext>
+              </a:extLst>
+            </p:cNvPr>
+            <p:cNvSpPr/>
+            <p:nvPr/>
+          </p:nvSpPr>
+          <p:spPr>
+            <a:xfrm>
+              <a:off x="10729704" y="1155470"/>
+              <a:ext cx="2039919" cy="1899196"/>
+            </a:xfrm>
+            <a:prstGeom prst="rect">
+              <a:avLst/>
+            </a:prstGeom>
+          </p:spPr>
+          <p:style>
+            <a:lnRef idx="2">
+              <a:schemeClr val="dk1"/>
+            </a:lnRef>
+            <a:fillRef idx="1">
+              <a:schemeClr val="lt1"/>
+            </a:fillRef>
+            <a:effectRef idx="0">
+              <a:schemeClr val="dk1"/>
+            </a:effectRef>
+            <a:fontRef idx="minor">
+              <a:schemeClr val="dk1"/>
+            </a:fontRef>
+          </p:style>
+          <p:txBody>
+            <a:bodyPr rtlCol="0" anchor="ctr"/>
+            <a:lstStyle/>
+            <a:p>
+              <a:pPr algn="ctr"/>
+              <a:endParaRPr kumimoji="1" lang="ja-JP" altLang="en-US" sz="1200"/>
+            </a:p>
+          </p:txBody>
+        </p:sp>
+        <p:sp>
+          <p:nvSpPr>
+            <p:cNvPr id="100" name="テキスト ボックス 99">
+              <a:extLst>
+                <a:ext uri="{FF2B5EF4-FFF2-40B4-BE49-F238E27FC236}">
+                  <a16:creationId xmlns:a16="http://schemas.microsoft.com/office/drawing/2014/main" id="{F09C6CCB-7285-4018-A384-D7FAB2CD16BE}"/>
+                </a:ext>
+              </a:extLst>
+            </p:cNvPr>
+            <p:cNvSpPr txBox="1"/>
+            <p:nvPr/>
+          </p:nvSpPr>
+          <p:spPr>
+            <a:xfrm>
+              <a:off x="10665040" y="1192738"/>
+              <a:ext cx="2039918" cy="376594"/>
+            </a:xfrm>
+            <a:prstGeom prst="rect">
+              <a:avLst/>
+            </a:prstGeom>
+            <a:noFill/>
+          </p:spPr>
+          <p:txBody>
+            <a:bodyPr wrap="square" rtlCol="0">
+              <a:spAutoFit/>
+            </a:bodyPr>
+            <a:lstStyle/>
+            <a:p>
+              <a:r>
+                <a:rPr kumimoji="1" lang="ja-JP" altLang="en-US" sz="1200" dirty="0"/>
+                <a:t>ピカチュウ</a:t>
+              </a:r>
+            </a:p>
+          </p:txBody>
+        </p:sp>
+        <p:sp>
+          <p:nvSpPr>
+            <p:cNvPr id="101" name="テキスト ボックス 100">
+              <a:extLst>
+                <a:ext uri="{FF2B5EF4-FFF2-40B4-BE49-F238E27FC236}">
+                  <a16:creationId xmlns:a16="http://schemas.microsoft.com/office/drawing/2014/main" id="{1B458DF0-34F2-4487-BC3C-31EB9238C6B7}"/>
+                </a:ext>
+              </a:extLst>
+            </p:cNvPr>
+            <p:cNvSpPr txBox="1"/>
+            <p:nvPr/>
+          </p:nvSpPr>
+          <p:spPr>
+            <a:xfrm>
+              <a:off x="10824431" y="1511572"/>
+              <a:ext cx="609948" cy="276999"/>
+            </a:xfrm>
+            <a:prstGeom prst="rect">
+              <a:avLst/>
+            </a:prstGeom>
+            <a:noFill/>
+          </p:spPr>
+          <p:txBody>
+            <a:bodyPr wrap="square" rtlCol="0">
+              <a:spAutoFit/>
+            </a:bodyPr>
+            <a:lstStyle/>
+            <a:p>
+              <a:r>
+                <a:rPr lang="en-US" altLang="ja-JP" sz="1200" dirty="0"/>
+                <a:t>i</a:t>
+              </a:r>
+              <a:r>
+                <a:rPr kumimoji="1" lang="en-US" altLang="ja-JP" sz="1200" dirty="0"/>
+                <a:t>s-a</a:t>
+              </a:r>
+              <a:endParaRPr kumimoji="1" lang="ja-JP" altLang="en-US" sz="1200" dirty="0"/>
+            </a:p>
+          </p:txBody>
+        </p:sp>
+        <p:sp>
+          <p:nvSpPr>
+            <p:cNvPr id="102" name="テキスト ボックス 101">
+              <a:extLst>
+                <a:ext uri="{FF2B5EF4-FFF2-40B4-BE49-F238E27FC236}">
+                  <a16:creationId xmlns:a16="http://schemas.microsoft.com/office/drawing/2014/main" id="{634CD1BA-94E6-4290-9DF6-3666C7FE74F4}"/>
+                </a:ext>
+              </a:extLst>
+            </p:cNvPr>
+            <p:cNvSpPr txBox="1"/>
+            <p:nvPr/>
+          </p:nvSpPr>
+          <p:spPr>
+            <a:xfrm>
+              <a:off x="10824431" y="1880904"/>
+              <a:ext cx="705722" cy="276999"/>
+            </a:xfrm>
+            <a:prstGeom prst="rect">
+              <a:avLst/>
+            </a:prstGeom>
+            <a:noFill/>
+          </p:spPr>
+          <p:txBody>
+            <a:bodyPr wrap="square" rtlCol="0">
+              <a:spAutoFit/>
+            </a:bodyPr>
+            <a:lstStyle/>
+            <a:p>
+              <a:r>
+                <a:rPr kumimoji="1" lang="ja-JP" altLang="en-US" sz="1200" dirty="0"/>
+                <a:t>武器</a:t>
+              </a:r>
+            </a:p>
+          </p:txBody>
+        </p:sp>
+        <p:sp>
+          <p:nvSpPr>
+            <p:cNvPr id="103" name="テキスト ボックス 102">
+              <a:extLst>
+                <a:ext uri="{FF2B5EF4-FFF2-40B4-BE49-F238E27FC236}">
+                  <a16:creationId xmlns:a16="http://schemas.microsoft.com/office/drawing/2014/main" id="{FA3D4F31-45FC-4DD1-9F8C-9F12A479FF3D}"/>
+                </a:ext>
+              </a:extLst>
+            </p:cNvPr>
+            <p:cNvSpPr txBox="1"/>
+            <p:nvPr/>
+          </p:nvSpPr>
+          <p:spPr>
+            <a:xfrm>
+              <a:off x="10824431" y="2250236"/>
+              <a:ext cx="705722" cy="276999"/>
+            </a:xfrm>
+            <a:prstGeom prst="rect">
+              <a:avLst/>
+            </a:prstGeom>
+            <a:noFill/>
+          </p:spPr>
+          <p:txBody>
+            <a:bodyPr wrap="square" rtlCol="0">
+              <a:spAutoFit/>
+            </a:bodyPr>
+            <a:lstStyle/>
+            <a:p>
+              <a:r>
+                <a:rPr lang="ja-JP" altLang="en-US" sz="1200" dirty="0"/>
+                <a:t>性別</a:t>
+              </a:r>
+              <a:endParaRPr kumimoji="1" lang="ja-JP" altLang="en-US" sz="1200" dirty="0"/>
+            </a:p>
+          </p:txBody>
+        </p:sp>
+        <p:sp>
+          <p:nvSpPr>
+            <p:cNvPr id="104" name="テキスト ボックス 103">
+              <a:extLst>
+                <a:ext uri="{FF2B5EF4-FFF2-40B4-BE49-F238E27FC236}">
+                  <a16:creationId xmlns:a16="http://schemas.microsoft.com/office/drawing/2014/main" id="{AE196018-C0E6-4DD3-9179-C949B23EDB40}"/>
+                </a:ext>
+              </a:extLst>
+            </p:cNvPr>
+            <p:cNvSpPr txBox="1"/>
+            <p:nvPr/>
+          </p:nvSpPr>
+          <p:spPr>
+            <a:xfrm>
+              <a:off x="10824431" y="2619568"/>
+              <a:ext cx="1123776" cy="276999"/>
+            </a:xfrm>
+            <a:prstGeom prst="rect">
+              <a:avLst/>
+            </a:prstGeom>
+            <a:noFill/>
+          </p:spPr>
+          <p:txBody>
+            <a:bodyPr wrap="square" rtlCol="0">
+              <a:spAutoFit/>
+            </a:bodyPr>
+            <a:lstStyle/>
+            <a:p>
+              <a:r>
+                <a:rPr kumimoji="1" lang="ja-JP" altLang="en-US" sz="1200" dirty="0"/>
+                <a:t>タイトル</a:t>
+              </a:r>
+            </a:p>
+          </p:txBody>
+        </p:sp>
+        <p:sp>
+          <p:nvSpPr>
+            <p:cNvPr id="105" name="正方形/長方形 104">
+              <a:extLst>
+                <a:ext uri="{FF2B5EF4-FFF2-40B4-BE49-F238E27FC236}">
+                  <a16:creationId xmlns:a16="http://schemas.microsoft.com/office/drawing/2014/main" id="{B960AA0D-D0A1-4FCD-B17B-9EC86C17EAE2}"/>
+                </a:ext>
+              </a:extLst>
+            </p:cNvPr>
+            <p:cNvSpPr/>
+            <p:nvPr/>
+          </p:nvSpPr>
+          <p:spPr>
+            <a:xfrm>
+              <a:off x="11911849" y="1537384"/>
+              <a:ext cx="728448" cy="303402"/>
+            </a:xfrm>
+            <a:prstGeom prst="rect">
+              <a:avLst/>
+            </a:prstGeom>
+          </p:spPr>
+          <p:style>
+            <a:lnRef idx="2">
+              <a:schemeClr val="dk1"/>
+            </a:lnRef>
+            <a:fillRef idx="1">
+              <a:schemeClr val="lt1"/>
+            </a:fillRef>
+            <a:effectRef idx="0">
+              <a:schemeClr val="dk1"/>
+            </a:effectRef>
+            <a:fontRef idx="minor">
+              <a:schemeClr val="dk1"/>
+            </a:fontRef>
+          </p:style>
+          <p:txBody>
+            <a:bodyPr rtlCol="0" anchor="ctr"/>
+            <a:lstStyle/>
+            <a:p>
+              <a:pPr algn="ctr"/>
+              <a:endParaRPr kumimoji="1" lang="ja-JP" altLang="en-US" sz="1200"/>
+            </a:p>
+          </p:txBody>
+        </p:sp>
+        <p:sp>
+          <p:nvSpPr>
+            <p:cNvPr id="106" name="正方形/長方形 105">
+              <a:extLst>
+                <a:ext uri="{FF2B5EF4-FFF2-40B4-BE49-F238E27FC236}">
+                  <a16:creationId xmlns:a16="http://schemas.microsoft.com/office/drawing/2014/main" id="{22035FFC-FE67-4AD3-B8BA-9D60C590C9B2}"/>
+                </a:ext>
+              </a:extLst>
+            </p:cNvPr>
+            <p:cNvSpPr/>
+            <p:nvPr/>
+          </p:nvSpPr>
+          <p:spPr>
+            <a:xfrm>
+              <a:off x="11911849" y="1909730"/>
+              <a:ext cx="728448" cy="303402"/>
+            </a:xfrm>
+            <a:prstGeom prst="rect">
+              <a:avLst/>
+            </a:prstGeom>
+          </p:spPr>
+          <p:style>
+            <a:lnRef idx="2">
+              <a:schemeClr val="dk1"/>
+            </a:lnRef>
+            <a:fillRef idx="1">
+              <a:schemeClr val="lt1"/>
+            </a:fillRef>
+            <a:effectRef idx="0">
+              <a:schemeClr val="dk1"/>
+            </a:effectRef>
+            <a:fontRef idx="minor">
+              <a:schemeClr val="dk1"/>
+            </a:fontRef>
+          </p:style>
+          <p:txBody>
+            <a:bodyPr rtlCol="0" anchor="ctr"/>
+            <a:lstStyle/>
+            <a:p>
+              <a:pPr algn="ctr"/>
+              <a:r>
+                <a:rPr lang="en-US" altLang="ja-JP" sz="1200" dirty="0"/>
+                <a:t>false</a:t>
+              </a:r>
+              <a:endParaRPr kumimoji="1" lang="ja-JP" altLang="en-US" sz="1200" dirty="0"/>
+            </a:p>
+          </p:txBody>
+        </p:sp>
+        <p:sp>
+          <p:nvSpPr>
+            <p:cNvPr id="107" name="正方形/長方形 106">
+              <a:extLst>
+                <a:ext uri="{FF2B5EF4-FFF2-40B4-BE49-F238E27FC236}">
+                  <a16:creationId xmlns:a16="http://schemas.microsoft.com/office/drawing/2014/main" id="{ABB37213-5F98-425E-9B07-3AE989D0F273}"/>
+                </a:ext>
+              </a:extLst>
+            </p:cNvPr>
+            <p:cNvSpPr/>
+            <p:nvPr/>
+          </p:nvSpPr>
+          <p:spPr>
+            <a:xfrm>
+              <a:off x="11911849" y="2282076"/>
+              <a:ext cx="728448" cy="303402"/>
+            </a:xfrm>
+            <a:prstGeom prst="rect">
+              <a:avLst/>
+            </a:prstGeom>
+          </p:spPr>
+          <p:style>
+            <a:lnRef idx="2">
+              <a:schemeClr val="dk1"/>
+            </a:lnRef>
+            <a:fillRef idx="1">
+              <a:schemeClr val="lt1"/>
+            </a:fillRef>
+            <a:effectRef idx="0">
+              <a:schemeClr val="dk1"/>
+            </a:effectRef>
+            <a:fontRef idx="minor">
+              <a:schemeClr val="dk1"/>
+            </a:fontRef>
+          </p:style>
+          <p:txBody>
+            <a:bodyPr rtlCol="0" anchor="ctr"/>
+            <a:lstStyle/>
+            <a:p>
+              <a:pPr algn="ctr"/>
+              <a:r>
+                <a:rPr lang="ja-JP" altLang="en-US" sz="1200" dirty="0"/>
+                <a:t>不明</a:t>
+              </a:r>
+              <a:endParaRPr kumimoji="1" lang="ja-JP" altLang="en-US" sz="1200" dirty="0"/>
+            </a:p>
+          </p:txBody>
+        </p:sp>
+        <p:sp>
+          <p:nvSpPr>
+            <p:cNvPr id="108" name="正方形/長方形 107">
+              <a:extLst>
+                <a:ext uri="{FF2B5EF4-FFF2-40B4-BE49-F238E27FC236}">
+                  <a16:creationId xmlns:a16="http://schemas.microsoft.com/office/drawing/2014/main" id="{637BC9E1-EC72-4F52-A205-656593639532}"/>
+                </a:ext>
+              </a:extLst>
+            </p:cNvPr>
+            <p:cNvSpPr/>
+            <p:nvPr/>
+          </p:nvSpPr>
+          <p:spPr>
+            <a:xfrm>
+              <a:off x="11911849" y="2654422"/>
+              <a:ext cx="728448" cy="303402"/>
+            </a:xfrm>
+            <a:prstGeom prst="rect">
+              <a:avLst/>
+            </a:prstGeom>
+          </p:spPr>
+          <p:style>
+            <a:lnRef idx="2">
+              <a:schemeClr val="dk1"/>
+            </a:lnRef>
+            <a:fillRef idx="1">
+              <a:schemeClr val="lt1"/>
+            </a:fillRef>
+            <a:effectRef idx="0">
+              <a:schemeClr val="dk1"/>
+            </a:effectRef>
+            <a:fontRef idx="minor">
+              <a:schemeClr val="dk1"/>
+            </a:fontRef>
+          </p:style>
+          <p:txBody>
+            <a:bodyPr rtlCol="0" anchor="ctr"/>
+            <a:lstStyle/>
+            <a:p>
+              <a:pPr algn="ctr"/>
+              <a:endParaRPr kumimoji="1" lang="ja-JP" altLang="en-US" sz="1200"/>
+            </a:p>
+          </p:txBody>
+        </p:sp>
+      </p:grpSp>
+      <p:grpSp>
+        <p:nvGrpSpPr>
+          <p:cNvPr id="122" name="グループ化 121">
+            <a:extLst>
+              <a:ext uri="{FF2B5EF4-FFF2-40B4-BE49-F238E27FC236}">
+                <a16:creationId xmlns:a16="http://schemas.microsoft.com/office/drawing/2014/main" id="{9DF11B59-103C-42DA-B5AC-E935E14BC3A0}"/>
+              </a:ext>
+            </a:extLst>
+          </p:cNvPr>
+          <p:cNvGrpSpPr/>
+          <p:nvPr/>
+        </p:nvGrpSpPr>
+        <p:grpSpPr>
+          <a:xfrm>
+            <a:off x="8035017" y="522710"/>
+            <a:ext cx="1710077" cy="672575"/>
+            <a:chOff x="1593908" y="2608976"/>
+            <a:chExt cx="1786855" cy="914400"/>
+          </a:xfrm>
+        </p:grpSpPr>
+        <p:sp>
+          <p:nvSpPr>
+            <p:cNvPr id="123" name="正方形/長方形 122">
+              <a:extLst>
+                <a:ext uri="{FF2B5EF4-FFF2-40B4-BE49-F238E27FC236}">
+                  <a16:creationId xmlns:a16="http://schemas.microsoft.com/office/drawing/2014/main" id="{0A8F9EC3-44BA-42CF-B3FE-C164A2BB025C}"/>
+                </a:ext>
+              </a:extLst>
+            </p:cNvPr>
+            <p:cNvSpPr/>
+            <p:nvPr/>
+          </p:nvSpPr>
+          <p:spPr>
+            <a:xfrm>
+              <a:off x="1593908" y="2608976"/>
+              <a:ext cx="1786855" cy="914400"/>
+            </a:xfrm>
+            <a:prstGeom prst="rect">
+              <a:avLst/>
+            </a:prstGeom>
+          </p:spPr>
+          <p:style>
+            <a:lnRef idx="2">
+              <a:schemeClr val="dk1"/>
+            </a:lnRef>
+            <a:fillRef idx="1">
+              <a:schemeClr val="lt1"/>
+            </a:fillRef>
+            <a:effectRef idx="0">
+              <a:schemeClr val="dk1"/>
+            </a:effectRef>
+            <a:fontRef idx="minor">
+              <a:schemeClr val="dk1"/>
+            </a:fontRef>
+          </p:style>
+          <p:txBody>
+            <a:bodyPr rtlCol="0" anchor="ctr"/>
+            <a:lstStyle/>
+            <a:p>
+              <a:pPr algn="ctr"/>
+              <a:endParaRPr kumimoji="1" lang="ja-JP" altLang="en-US" sz="1200"/>
+            </a:p>
+          </p:txBody>
+        </p:sp>
+        <p:sp>
+          <p:nvSpPr>
+            <p:cNvPr id="124" name="テキスト ボックス 123">
+              <a:extLst>
+                <a:ext uri="{FF2B5EF4-FFF2-40B4-BE49-F238E27FC236}">
+                  <a16:creationId xmlns:a16="http://schemas.microsoft.com/office/drawing/2014/main" id="{40515DA1-EC36-4058-A406-2036B39C4FB9}"/>
+                </a:ext>
+              </a:extLst>
+            </p:cNvPr>
+            <p:cNvSpPr txBox="1"/>
+            <p:nvPr/>
+          </p:nvSpPr>
+          <p:spPr>
+            <a:xfrm>
+              <a:off x="1872266" y="2667590"/>
+              <a:ext cx="1412722" cy="376594"/>
+            </a:xfrm>
+            <a:prstGeom prst="rect">
+              <a:avLst/>
+            </a:prstGeom>
+            <a:noFill/>
+          </p:spPr>
+          <p:txBody>
+            <a:bodyPr wrap="square" rtlCol="0">
+              <a:spAutoFit/>
+            </a:bodyPr>
+            <a:lstStyle/>
+            <a:p>
+              <a:r>
+                <a:rPr lang="ja-JP" altLang="en-US" sz="1200" dirty="0"/>
+                <a:t>ゲームタイトル</a:t>
+              </a:r>
+              <a:endParaRPr kumimoji="1" lang="ja-JP" altLang="en-US" sz="1200" dirty="0"/>
+            </a:p>
+          </p:txBody>
+        </p:sp>
+        <p:sp>
+          <p:nvSpPr>
+            <p:cNvPr id="125" name="テキスト ボックス 124">
+              <a:extLst>
+                <a:ext uri="{FF2B5EF4-FFF2-40B4-BE49-F238E27FC236}">
+                  <a16:creationId xmlns:a16="http://schemas.microsoft.com/office/drawing/2014/main" id="{1ADED76F-DE09-4EF1-A82F-E27211D52E18}"/>
+                </a:ext>
+              </a:extLst>
+            </p:cNvPr>
+            <p:cNvSpPr txBox="1"/>
+            <p:nvPr/>
+          </p:nvSpPr>
+          <p:spPr>
+            <a:xfrm>
+              <a:off x="1736521" y="3036706"/>
+              <a:ext cx="562062" cy="376594"/>
+            </a:xfrm>
+            <a:prstGeom prst="rect">
+              <a:avLst/>
+            </a:prstGeom>
+            <a:noFill/>
+          </p:spPr>
+          <p:txBody>
+            <a:bodyPr wrap="square" rtlCol="0">
+              <a:spAutoFit/>
+            </a:bodyPr>
+            <a:lstStyle/>
+            <a:p>
+              <a:r>
+                <a:rPr kumimoji="1" lang="en-US" altLang="ja-JP" sz="1200" dirty="0" err="1"/>
+                <a:t>ako</a:t>
+              </a:r>
+              <a:endParaRPr kumimoji="1" lang="ja-JP" altLang="en-US" sz="1200" dirty="0"/>
+            </a:p>
+          </p:txBody>
+        </p:sp>
+        <p:sp>
+          <p:nvSpPr>
+            <p:cNvPr id="126" name="正方形/長方形 125">
+              <a:extLst>
+                <a:ext uri="{FF2B5EF4-FFF2-40B4-BE49-F238E27FC236}">
+                  <a16:creationId xmlns:a16="http://schemas.microsoft.com/office/drawing/2014/main" id="{F959F765-DE79-43AE-8F51-99BBFAAB37BA}"/>
+                </a:ext>
+              </a:extLst>
+            </p:cNvPr>
+            <p:cNvSpPr/>
+            <p:nvPr/>
+          </p:nvSpPr>
+          <p:spPr>
+            <a:xfrm>
+              <a:off x="2394357" y="3073974"/>
+              <a:ext cx="890631" cy="295013"/>
+            </a:xfrm>
+            <a:prstGeom prst="rect">
+              <a:avLst/>
+            </a:prstGeom>
+          </p:spPr>
+          <p:style>
+            <a:lnRef idx="2">
+              <a:schemeClr val="dk1"/>
+            </a:lnRef>
+            <a:fillRef idx="1">
+              <a:schemeClr val="lt1"/>
+            </a:fillRef>
+            <a:effectRef idx="0">
+              <a:schemeClr val="dk1"/>
+            </a:effectRef>
+            <a:fontRef idx="minor">
+              <a:schemeClr val="dk1"/>
+            </a:fontRef>
+          </p:style>
+          <p:txBody>
+            <a:bodyPr rtlCol="0" anchor="ctr"/>
+            <a:lstStyle/>
+            <a:p>
+              <a:pPr algn="ctr"/>
+              <a:endParaRPr kumimoji="1" lang="ja-JP" altLang="en-US" sz="1200"/>
+            </a:p>
+          </p:txBody>
+        </p:sp>
+      </p:grpSp>
+      <p:grpSp>
+        <p:nvGrpSpPr>
+          <p:cNvPr id="127" name="グループ化 126">
+            <a:extLst>
+              <a:ext uri="{FF2B5EF4-FFF2-40B4-BE49-F238E27FC236}">
+                <a16:creationId xmlns:a16="http://schemas.microsoft.com/office/drawing/2014/main" id="{CC596A39-6DC4-4716-9FD9-5C3E4DF50214}"/>
+              </a:ext>
+            </a:extLst>
+          </p:cNvPr>
+          <p:cNvGrpSpPr/>
+          <p:nvPr/>
+        </p:nvGrpSpPr>
+        <p:grpSpPr>
+          <a:xfrm>
+            <a:off x="8048841" y="1578487"/>
+            <a:ext cx="1730876" cy="672575"/>
+            <a:chOff x="1593908" y="2608976"/>
+            <a:chExt cx="1808588" cy="914400"/>
+          </a:xfrm>
+        </p:grpSpPr>
+        <p:sp>
+          <p:nvSpPr>
+            <p:cNvPr id="128" name="正方形/長方形 127">
+              <a:extLst>
+                <a:ext uri="{FF2B5EF4-FFF2-40B4-BE49-F238E27FC236}">
+                  <a16:creationId xmlns:a16="http://schemas.microsoft.com/office/drawing/2014/main" id="{736FCCD4-31FF-4E2C-AE0E-AC71BA39A551}"/>
+                </a:ext>
+              </a:extLst>
+            </p:cNvPr>
+            <p:cNvSpPr/>
+            <p:nvPr/>
+          </p:nvSpPr>
+          <p:spPr>
+            <a:xfrm>
+              <a:off x="1593908" y="2608976"/>
+              <a:ext cx="1786855" cy="914400"/>
+            </a:xfrm>
+            <a:prstGeom prst="rect">
+              <a:avLst/>
+            </a:prstGeom>
+          </p:spPr>
+          <p:style>
+            <a:lnRef idx="2">
+              <a:schemeClr val="dk1"/>
+            </a:lnRef>
+            <a:fillRef idx="1">
+              <a:schemeClr val="lt1"/>
+            </a:fillRef>
+            <a:effectRef idx="0">
+              <a:schemeClr val="dk1"/>
+            </a:effectRef>
+            <a:fontRef idx="minor">
+              <a:schemeClr val="dk1"/>
+            </a:fontRef>
+          </p:style>
+          <p:txBody>
+            <a:bodyPr rtlCol="0" anchor="ctr"/>
+            <a:lstStyle/>
+            <a:p>
+              <a:pPr algn="ctr"/>
+              <a:endParaRPr kumimoji="1" lang="ja-JP" altLang="en-US" sz="1200"/>
+            </a:p>
+          </p:txBody>
+        </p:sp>
+        <p:sp>
+          <p:nvSpPr>
+            <p:cNvPr id="129" name="テキスト ボックス 128">
+              <a:extLst>
+                <a:ext uri="{FF2B5EF4-FFF2-40B4-BE49-F238E27FC236}">
+                  <a16:creationId xmlns:a16="http://schemas.microsoft.com/office/drawing/2014/main" id="{F8B72AFC-EFF9-4499-BBEC-59D20711A4BC}"/>
+                </a:ext>
+              </a:extLst>
+            </p:cNvPr>
+            <p:cNvSpPr txBox="1"/>
+            <p:nvPr/>
+          </p:nvSpPr>
+          <p:spPr>
+            <a:xfrm>
+              <a:off x="1751385" y="2664714"/>
+              <a:ext cx="1651111" cy="376594"/>
+            </a:xfrm>
+            <a:prstGeom prst="rect">
+              <a:avLst/>
+            </a:prstGeom>
+            <a:noFill/>
+          </p:spPr>
+          <p:txBody>
+            <a:bodyPr wrap="square" rtlCol="0">
+              <a:spAutoFit/>
+            </a:bodyPr>
+            <a:lstStyle/>
+            <a:p>
+              <a:r>
+                <a:rPr kumimoji="1" lang="ja-JP" altLang="en-US" sz="1200" dirty="0"/>
+                <a:t>ポケットモンスター</a:t>
+              </a:r>
+            </a:p>
+          </p:txBody>
+        </p:sp>
+        <p:sp>
+          <p:nvSpPr>
+            <p:cNvPr id="130" name="テキスト ボックス 129">
+              <a:extLst>
+                <a:ext uri="{FF2B5EF4-FFF2-40B4-BE49-F238E27FC236}">
+                  <a16:creationId xmlns:a16="http://schemas.microsoft.com/office/drawing/2014/main" id="{BB2E720D-2FDD-4A2F-8C74-220C0F7BE28E}"/>
+                </a:ext>
+              </a:extLst>
+            </p:cNvPr>
+            <p:cNvSpPr txBox="1"/>
+            <p:nvPr/>
+          </p:nvSpPr>
+          <p:spPr>
+            <a:xfrm>
+              <a:off x="1736521" y="3036706"/>
+              <a:ext cx="562062" cy="376594"/>
+            </a:xfrm>
+            <a:prstGeom prst="rect">
+              <a:avLst/>
+            </a:prstGeom>
+            <a:noFill/>
+          </p:spPr>
+          <p:txBody>
+            <a:bodyPr wrap="square" rtlCol="0">
+              <a:spAutoFit/>
+            </a:bodyPr>
+            <a:lstStyle/>
+            <a:p>
+              <a:r>
+                <a:rPr lang="en-US" altLang="ja-JP" sz="1200" dirty="0"/>
+                <a:t>is-a</a:t>
+              </a:r>
+              <a:endParaRPr kumimoji="1" lang="ja-JP" altLang="en-US" sz="1200" dirty="0"/>
+            </a:p>
+          </p:txBody>
+        </p:sp>
+        <p:sp>
+          <p:nvSpPr>
+            <p:cNvPr id="131" name="正方形/長方形 130">
+              <a:extLst>
+                <a:ext uri="{FF2B5EF4-FFF2-40B4-BE49-F238E27FC236}">
+                  <a16:creationId xmlns:a16="http://schemas.microsoft.com/office/drawing/2014/main" id="{42FEE133-B2ED-4C7A-B6DC-634CF32913A4}"/>
+                </a:ext>
+              </a:extLst>
+            </p:cNvPr>
+            <p:cNvSpPr/>
+            <p:nvPr/>
+          </p:nvSpPr>
+          <p:spPr>
+            <a:xfrm>
+              <a:off x="2394357" y="3073974"/>
+              <a:ext cx="890631" cy="295013"/>
+            </a:xfrm>
+            <a:prstGeom prst="rect">
+              <a:avLst/>
+            </a:prstGeom>
+          </p:spPr>
+          <p:style>
+            <a:lnRef idx="2">
+              <a:schemeClr val="dk1"/>
+            </a:lnRef>
+            <a:fillRef idx="1">
+              <a:schemeClr val="lt1"/>
+            </a:fillRef>
+            <a:effectRef idx="0">
+              <a:schemeClr val="dk1"/>
+            </a:effectRef>
+            <a:fontRef idx="minor">
+              <a:schemeClr val="dk1"/>
+            </a:fontRef>
+          </p:style>
+          <p:txBody>
+            <a:bodyPr rtlCol="0" anchor="ctr"/>
+            <a:lstStyle/>
+            <a:p>
+              <a:pPr algn="ctr"/>
+              <a:endParaRPr kumimoji="1" lang="ja-JP" altLang="en-US" sz="1200"/>
+            </a:p>
+          </p:txBody>
+        </p:sp>
+      </p:grpSp>
+      <p:cxnSp>
+        <p:nvCxnSpPr>
+          <p:cNvPr id="133" name="直線矢印コネクタ 132">
+            <a:extLst>
+              <a:ext uri="{FF2B5EF4-FFF2-40B4-BE49-F238E27FC236}">
+                <a16:creationId xmlns:a16="http://schemas.microsoft.com/office/drawing/2014/main" id="{7A64EF92-CF70-4065-A9B6-E11D2D396C49}"/>
+              </a:ext>
+            </a:extLst>
+          </p:cNvPr>
+          <p:cNvCxnSpPr>
+            <a:stCxn id="16" idx="0"/>
+            <a:endCxn id="2" idx="2"/>
+          </p:cNvCxnSpPr>
+          <p:nvPr/>
+        </p:nvCxnSpPr>
+        <p:spPr>
+          <a:xfrm flipV="1">
+            <a:off x="1719965" y="1679103"/>
+            <a:ext cx="39247" cy="851478"/>
+          </a:xfrm>
+          <a:prstGeom prst="straightConnector1">
+            <a:avLst/>
+          </a:prstGeom>
+          <a:ln>
+            <a:tailEnd type="triangle"/>
+          </a:ln>
+        </p:spPr>
+        <p:style>
+          <a:lnRef idx="1">
+            <a:schemeClr val="dk1"/>
+          </a:lnRef>
+          <a:fillRef idx="0">
+            <a:schemeClr val="dk1"/>
+          </a:fillRef>
+          <a:effectRef idx="0">
+            <a:schemeClr val="dk1"/>
+          </a:effectRef>
+          <a:fontRef idx="minor">
+            <a:schemeClr val="tx1"/>
+          </a:fontRef>
+        </p:style>
+      </p:cxnSp>
+      <p:cxnSp>
+        <p:nvCxnSpPr>
+          <p:cNvPr id="135" name="直線矢印コネクタ 134">
+            <a:extLst>
+              <a:ext uri="{FF2B5EF4-FFF2-40B4-BE49-F238E27FC236}">
+                <a16:creationId xmlns:a16="http://schemas.microsoft.com/office/drawing/2014/main" id="{CB03890B-5349-431F-9CC1-7A682151E51C}"/>
+              </a:ext>
+            </a:extLst>
+          </p:cNvPr>
+          <p:cNvCxnSpPr>
+            <a:stCxn id="20" idx="0"/>
+            <a:endCxn id="2" idx="2"/>
+          </p:cNvCxnSpPr>
+          <p:nvPr/>
+        </p:nvCxnSpPr>
+        <p:spPr>
+          <a:xfrm flipH="1" flipV="1">
+            <a:off x="1759212" y="1679103"/>
+            <a:ext cx="1959691" cy="851478"/>
+          </a:xfrm>
+          <a:prstGeom prst="straightConnector1">
+            <a:avLst/>
+          </a:prstGeom>
+          <a:ln>
+            <a:tailEnd type="triangle"/>
+          </a:ln>
+        </p:spPr>
+        <p:style>
+          <a:lnRef idx="1">
+            <a:schemeClr val="dk1"/>
+          </a:lnRef>
+          <a:fillRef idx="0">
+            <a:schemeClr val="dk1"/>
+          </a:fillRef>
+          <a:effectRef idx="0">
+            <a:schemeClr val="dk1"/>
+          </a:effectRef>
+          <a:fontRef idx="minor">
+            <a:schemeClr val="tx1"/>
+          </a:fontRef>
+        </p:style>
+      </p:cxnSp>
+      <p:cxnSp>
+        <p:nvCxnSpPr>
+          <p:cNvPr id="139" name="直線矢印コネクタ 138">
+            <a:extLst>
+              <a:ext uri="{FF2B5EF4-FFF2-40B4-BE49-F238E27FC236}">
+                <a16:creationId xmlns:a16="http://schemas.microsoft.com/office/drawing/2014/main" id="{7E9556A4-6447-40C5-8F2B-A1013CEDF704}"/>
+              </a:ext>
+            </a:extLst>
+          </p:cNvPr>
+          <p:cNvCxnSpPr>
+            <a:stCxn id="24" idx="0"/>
+            <a:endCxn id="2" idx="2"/>
+          </p:cNvCxnSpPr>
+          <p:nvPr/>
+        </p:nvCxnSpPr>
+        <p:spPr>
+          <a:xfrm flipH="1" flipV="1">
+            <a:off x="1759212" y="1679103"/>
+            <a:ext cx="3899285" cy="866332"/>
+          </a:xfrm>
+          <a:prstGeom prst="straightConnector1">
+            <a:avLst/>
+          </a:prstGeom>
+          <a:ln>
+            <a:tailEnd type="triangle"/>
+          </a:ln>
+        </p:spPr>
+        <p:style>
+          <a:lnRef idx="1">
+            <a:schemeClr val="dk1"/>
+          </a:lnRef>
+          <a:fillRef idx="0">
+            <a:schemeClr val="dk1"/>
+          </a:fillRef>
+          <a:effectRef idx="0">
+            <a:schemeClr val="dk1"/>
+          </a:effectRef>
+          <a:fontRef idx="minor">
+            <a:schemeClr val="tx1"/>
+          </a:fontRef>
+        </p:style>
+      </p:cxnSp>
+      <p:cxnSp>
+        <p:nvCxnSpPr>
+          <p:cNvPr id="141" name="直線矢印コネクタ 140">
+            <a:extLst>
+              <a:ext uri="{FF2B5EF4-FFF2-40B4-BE49-F238E27FC236}">
+                <a16:creationId xmlns:a16="http://schemas.microsoft.com/office/drawing/2014/main" id="{77E11E72-8E82-49A3-B00F-0BC2364D8871}"/>
+              </a:ext>
+            </a:extLst>
+          </p:cNvPr>
+          <p:cNvCxnSpPr>
+            <a:stCxn id="95" idx="0"/>
+            <a:endCxn id="13" idx="2"/>
+          </p:cNvCxnSpPr>
+          <p:nvPr/>
+        </p:nvCxnSpPr>
+        <p:spPr>
+          <a:xfrm flipH="1" flipV="1">
+            <a:off x="1382768" y="2861133"/>
+            <a:ext cx="201548" cy="788965"/>
+          </a:xfrm>
+          <a:prstGeom prst="straightConnector1">
+            <a:avLst/>
+          </a:prstGeom>
+          <a:ln>
+            <a:tailEnd type="triangle"/>
+          </a:ln>
+        </p:spPr>
+        <p:style>
+          <a:lnRef idx="1">
+            <a:schemeClr val="dk1"/>
+          </a:lnRef>
+          <a:fillRef idx="0">
+            <a:schemeClr val="dk1"/>
+          </a:fillRef>
+          <a:effectRef idx="0">
+            <a:schemeClr val="dk1"/>
+          </a:effectRef>
+          <a:fontRef idx="minor">
+            <a:schemeClr val="tx1"/>
+          </a:fontRef>
+        </p:style>
+      </p:cxnSp>
+      <p:cxnSp>
+        <p:nvCxnSpPr>
+          <p:cNvPr id="143" name="直線矢印コネクタ 142">
+            <a:extLst>
+              <a:ext uri="{FF2B5EF4-FFF2-40B4-BE49-F238E27FC236}">
+                <a16:creationId xmlns:a16="http://schemas.microsoft.com/office/drawing/2014/main" id="{900241FE-AF7A-4D25-A5E7-CBBD73B926B1}"/>
+              </a:ext>
+            </a:extLst>
+          </p:cNvPr>
+          <p:cNvCxnSpPr>
+            <a:stCxn id="44" idx="0"/>
+            <a:endCxn id="13" idx="2"/>
+          </p:cNvCxnSpPr>
+          <p:nvPr/>
+        </p:nvCxnSpPr>
+        <p:spPr>
+          <a:xfrm flipH="1" flipV="1">
+            <a:off x="1382768" y="2861133"/>
+            <a:ext cx="2336194" cy="778310"/>
+          </a:xfrm>
+          <a:prstGeom prst="straightConnector1">
+            <a:avLst/>
+          </a:prstGeom>
+          <a:ln>
+            <a:tailEnd type="triangle"/>
+          </a:ln>
+        </p:spPr>
+        <p:style>
+          <a:lnRef idx="1">
+            <a:schemeClr val="dk1"/>
+          </a:lnRef>
+          <a:fillRef idx="0">
+            <a:schemeClr val="dk1"/>
+          </a:fillRef>
+          <a:effectRef idx="0">
+            <a:schemeClr val="dk1"/>
+          </a:effectRef>
+          <a:fontRef idx="minor">
+            <a:schemeClr val="tx1"/>
+          </a:fontRef>
+        </p:style>
+      </p:cxnSp>
+      <p:cxnSp>
+        <p:nvCxnSpPr>
+          <p:cNvPr id="145" name="直線矢印コネクタ 144">
+            <a:extLst>
+              <a:ext uri="{FF2B5EF4-FFF2-40B4-BE49-F238E27FC236}">
+                <a16:creationId xmlns:a16="http://schemas.microsoft.com/office/drawing/2014/main" id="{8FAEDD95-E512-40EE-927D-7619AF989F47}"/>
+              </a:ext>
+            </a:extLst>
+          </p:cNvPr>
+          <p:cNvCxnSpPr>
+            <a:cxnSpLocks/>
+            <a:stCxn id="55" idx="0"/>
+            <a:endCxn id="17" idx="2"/>
+          </p:cNvCxnSpPr>
+          <p:nvPr/>
+        </p:nvCxnSpPr>
+        <p:spPr>
+          <a:xfrm flipH="1" flipV="1">
+            <a:off x="3381706" y="2861133"/>
+            <a:ext cx="2506503" cy="778310"/>
+          </a:xfrm>
+          <a:prstGeom prst="straightConnector1">
+            <a:avLst/>
+          </a:prstGeom>
+          <a:ln>
+            <a:tailEnd type="triangle"/>
+          </a:ln>
+        </p:spPr>
+        <p:style>
+          <a:lnRef idx="1">
+            <a:schemeClr val="dk1"/>
+          </a:lnRef>
+          <a:fillRef idx="0">
+            <a:schemeClr val="dk1"/>
+          </a:fillRef>
+          <a:effectRef idx="0">
+            <a:schemeClr val="dk1"/>
+          </a:effectRef>
+          <a:fontRef idx="minor">
+            <a:schemeClr val="tx1"/>
+          </a:fontRef>
+        </p:style>
+      </p:cxnSp>
+      <p:cxnSp>
+        <p:nvCxnSpPr>
+          <p:cNvPr id="147" name="直線矢印コネクタ 146">
+            <a:extLst>
+              <a:ext uri="{FF2B5EF4-FFF2-40B4-BE49-F238E27FC236}">
+                <a16:creationId xmlns:a16="http://schemas.microsoft.com/office/drawing/2014/main" id="{ADADB1DF-69F7-4FD4-A810-962081F2AB26}"/>
+              </a:ext>
+            </a:extLst>
+          </p:cNvPr>
+          <p:cNvCxnSpPr>
+            <a:stCxn id="75" idx="0"/>
+            <a:endCxn id="13" idx="2"/>
+          </p:cNvCxnSpPr>
+          <p:nvPr/>
+        </p:nvCxnSpPr>
+        <p:spPr>
+          <a:xfrm flipH="1" flipV="1">
+            <a:off x="1382768" y="2861133"/>
+            <a:ext cx="6655652" cy="778310"/>
+          </a:xfrm>
+          <a:prstGeom prst="straightConnector1">
+            <a:avLst/>
+          </a:prstGeom>
+          <a:ln>
+            <a:tailEnd type="triangle"/>
+          </a:ln>
+        </p:spPr>
+        <p:style>
+          <a:lnRef idx="1">
+            <a:schemeClr val="dk1"/>
+          </a:lnRef>
+          <a:fillRef idx="0">
+            <a:schemeClr val="dk1"/>
+          </a:fillRef>
+          <a:effectRef idx="0">
+            <a:schemeClr val="dk1"/>
+          </a:effectRef>
+          <a:fontRef idx="minor">
+            <a:schemeClr val="tx1"/>
+          </a:fontRef>
+        </p:style>
+      </p:cxnSp>
+      <p:cxnSp>
+        <p:nvCxnSpPr>
+          <p:cNvPr id="149" name="直線矢印コネクタ 148">
+            <a:extLst>
+              <a:ext uri="{FF2B5EF4-FFF2-40B4-BE49-F238E27FC236}">
+                <a16:creationId xmlns:a16="http://schemas.microsoft.com/office/drawing/2014/main" id="{8A52C790-FBA5-4DBE-82B4-80EDC08D5FB2}"/>
+              </a:ext>
+            </a:extLst>
+          </p:cNvPr>
+          <p:cNvCxnSpPr>
+            <a:stCxn id="85" idx="0"/>
+            <a:endCxn id="13" idx="2"/>
+          </p:cNvCxnSpPr>
+          <p:nvPr/>
+        </p:nvCxnSpPr>
+        <p:spPr>
+          <a:xfrm flipH="1" flipV="1">
+            <a:off x="1382768" y="2861133"/>
+            <a:ext cx="8737230" cy="782969"/>
+          </a:xfrm>
+          <a:prstGeom prst="straightConnector1">
+            <a:avLst/>
+          </a:prstGeom>
+          <a:ln>
+            <a:tailEnd type="triangle"/>
+          </a:ln>
+        </p:spPr>
+        <p:style>
+          <a:lnRef idx="1">
+            <a:schemeClr val="dk1"/>
+          </a:lnRef>
+          <a:fillRef idx="0">
+            <a:schemeClr val="dk1"/>
+          </a:fillRef>
+          <a:effectRef idx="0">
+            <a:schemeClr val="dk1"/>
+          </a:effectRef>
+          <a:fontRef idx="minor">
+            <a:schemeClr val="tx1"/>
+          </a:fontRef>
+        </p:style>
+      </p:cxnSp>
+      <p:cxnSp>
+        <p:nvCxnSpPr>
+          <p:cNvPr id="151" name="直線矢印コネクタ 150">
+            <a:extLst>
+              <a:ext uri="{FF2B5EF4-FFF2-40B4-BE49-F238E27FC236}">
+                <a16:creationId xmlns:a16="http://schemas.microsoft.com/office/drawing/2014/main" id="{39B91646-C10A-42E2-A9C9-C83C45089B3F}"/>
+              </a:ext>
+            </a:extLst>
+          </p:cNvPr>
+          <p:cNvCxnSpPr>
+            <a:stCxn id="65" idx="0"/>
+            <a:endCxn id="17" idx="2"/>
+          </p:cNvCxnSpPr>
+          <p:nvPr/>
+        </p:nvCxnSpPr>
+        <p:spPr>
+          <a:xfrm flipH="1" flipV="1">
+            <a:off x="3381706" y="2861133"/>
+            <a:ext cx="134718" cy="2693947"/>
+          </a:xfrm>
+          <a:prstGeom prst="straightConnector1">
+            <a:avLst/>
+          </a:prstGeom>
+          <a:ln>
+            <a:tailEnd type="triangle"/>
+          </a:ln>
+        </p:spPr>
+        <p:style>
+          <a:lnRef idx="1">
+            <a:schemeClr val="dk1"/>
+          </a:lnRef>
+          <a:fillRef idx="0">
+            <a:schemeClr val="dk1"/>
+          </a:fillRef>
+          <a:effectRef idx="0">
+            <a:schemeClr val="dk1"/>
+          </a:effectRef>
+          <a:fontRef idx="minor">
+            <a:schemeClr val="tx1"/>
+          </a:fontRef>
+        </p:style>
+      </p:cxnSp>
+      <p:cxnSp>
+        <p:nvCxnSpPr>
+          <p:cNvPr id="153" name="直線矢印コネクタ 152">
+            <a:extLst>
+              <a:ext uri="{FF2B5EF4-FFF2-40B4-BE49-F238E27FC236}">
+                <a16:creationId xmlns:a16="http://schemas.microsoft.com/office/drawing/2014/main" id="{6D74A3FA-7E8D-4577-8778-D19E65227ED7}"/>
+              </a:ext>
+            </a:extLst>
+          </p:cNvPr>
+          <p:cNvCxnSpPr>
+            <a:stCxn id="105" idx="0"/>
+            <a:endCxn id="17" idx="2"/>
+          </p:cNvCxnSpPr>
+          <p:nvPr/>
+        </p:nvCxnSpPr>
+        <p:spPr>
+          <a:xfrm flipH="1" flipV="1">
+            <a:off x="3381706" y="2861133"/>
+            <a:ext cx="2241951" cy="2704103"/>
+          </a:xfrm>
+          <a:prstGeom prst="straightConnector1">
+            <a:avLst/>
+          </a:prstGeom>
+          <a:ln>
+            <a:tailEnd type="triangle"/>
+          </a:ln>
+        </p:spPr>
+        <p:style>
+          <a:lnRef idx="1">
+            <a:schemeClr val="dk1"/>
+          </a:lnRef>
+          <a:fillRef idx="0">
+            <a:schemeClr val="dk1"/>
+          </a:fillRef>
+          <a:effectRef idx="0">
+            <a:schemeClr val="dk1"/>
+          </a:effectRef>
+          <a:fontRef idx="minor">
+            <a:schemeClr val="tx1"/>
+          </a:fontRef>
+        </p:style>
+      </p:cxnSp>
+      <p:cxnSp>
+        <p:nvCxnSpPr>
+          <p:cNvPr id="155" name="直線矢印コネクタ 154">
+            <a:extLst>
+              <a:ext uri="{FF2B5EF4-FFF2-40B4-BE49-F238E27FC236}">
+                <a16:creationId xmlns:a16="http://schemas.microsoft.com/office/drawing/2014/main" id="{2FB7311D-C61B-4741-9CA2-A1B12AA6E566}"/>
+              </a:ext>
+            </a:extLst>
+          </p:cNvPr>
+          <p:cNvCxnSpPr>
+            <a:stCxn id="34" idx="0"/>
+            <a:endCxn id="21" idx="2"/>
+          </p:cNvCxnSpPr>
+          <p:nvPr/>
+        </p:nvCxnSpPr>
+        <p:spPr>
+          <a:xfrm flipH="1" flipV="1">
+            <a:off x="5321300" y="2875987"/>
+            <a:ext cx="2440783" cy="2701183"/>
+          </a:xfrm>
+          <a:prstGeom prst="straightConnector1">
+            <a:avLst/>
+          </a:prstGeom>
+          <a:ln>
+            <a:tailEnd type="triangle"/>
+          </a:ln>
+        </p:spPr>
+        <p:style>
+          <a:lnRef idx="1">
+            <a:schemeClr val="dk1"/>
+          </a:lnRef>
+          <a:fillRef idx="0">
+            <a:schemeClr val="dk1"/>
+          </a:fillRef>
+          <a:effectRef idx="0">
+            <a:schemeClr val="dk1"/>
+          </a:effectRef>
+          <a:fontRef idx="minor">
+            <a:schemeClr val="tx1"/>
+          </a:fontRef>
+        </p:style>
+      </p:cxnSp>
+      <p:cxnSp>
+        <p:nvCxnSpPr>
+          <p:cNvPr id="157" name="直線矢印コネクタ 156">
+            <a:extLst>
+              <a:ext uri="{FF2B5EF4-FFF2-40B4-BE49-F238E27FC236}">
+                <a16:creationId xmlns:a16="http://schemas.microsoft.com/office/drawing/2014/main" id="{9BB48A8A-E074-4FA4-8822-2B566BF51496}"/>
+              </a:ext>
+            </a:extLst>
+          </p:cNvPr>
+          <p:cNvCxnSpPr>
+            <a:cxnSpLocks/>
+            <a:stCxn id="8" idx="0"/>
+          </p:cNvCxnSpPr>
+          <p:nvPr/>
+        </p:nvCxnSpPr>
+        <p:spPr>
+          <a:xfrm flipH="1" flipV="1">
+            <a:off x="1929212" y="58113"/>
+            <a:ext cx="330445" cy="469989"/>
+          </a:xfrm>
+          <a:prstGeom prst="straightConnector1">
+            <a:avLst/>
+          </a:prstGeom>
+          <a:ln>
+            <a:tailEnd type="triangle"/>
+          </a:ln>
+        </p:spPr>
+        <p:style>
+          <a:lnRef idx="1">
+            <a:schemeClr val="dk1"/>
+          </a:lnRef>
+          <a:fillRef idx="0">
+            <a:schemeClr val="dk1"/>
+          </a:fillRef>
+          <a:effectRef idx="0">
+            <a:schemeClr val="dk1"/>
+          </a:effectRef>
+          <a:fontRef idx="minor">
+            <a:schemeClr val="tx1"/>
+          </a:fontRef>
+        </p:style>
+      </p:cxnSp>
+      <p:cxnSp>
+        <p:nvCxnSpPr>
+          <p:cNvPr id="159" name="直線矢印コネクタ 158">
+            <a:extLst>
+              <a:ext uri="{FF2B5EF4-FFF2-40B4-BE49-F238E27FC236}">
+                <a16:creationId xmlns:a16="http://schemas.microsoft.com/office/drawing/2014/main" id="{D8C80547-961A-4966-9A29-D5E59EF3A8E6}"/>
+              </a:ext>
+            </a:extLst>
+          </p:cNvPr>
+          <p:cNvCxnSpPr>
+            <a:stCxn id="68" idx="0"/>
+            <a:endCxn id="128" idx="2"/>
+          </p:cNvCxnSpPr>
+          <p:nvPr/>
+        </p:nvCxnSpPr>
+        <p:spPr>
+          <a:xfrm flipV="1">
+            <a:off x="3516424" y="2251062"/>
+            <a:ext cx="5387456" cy="4125641"/>
+          </a:xfrm>
+          <a:prstGeom prst="straightConnector1">
+            <a:avLst/>
+          </a:prstGeom>
+          <a:ln>
+            <a:tailEnd type="triangle"/>
+          </a:ln>
+        </p:spPr>
+        <p:style>
+          <a:lnRef idx="1">
+            <a:schemeClr val="dk1"/>
+          </a:lnRef>
+          <a:fillRef idx="0">
+            <a:schemeClr val="dk1"/>
+          </a:fillRef>
+          <a:effectRef idx="0">
+            <a:schemeClr val="dk1"/>
+          </a:effectRef>
+          <a:fontRef idx="minor">
+            <a:schemeClr val="tx1"/>
+          </a:fontRef>
+        </p:style>
+      </p:cxnSp>
+      <p:cxnSp>
+        <p:nvCxnSpPr>
+          <p:cNvPr id="161" name="直線矢印コネクタ 160">
+            <a:extLst>
+              <a:ext uri="{FF2B5EF4-FFF2-40B4-BE49-F238E27FC236}">
+                <a16:creationId xmlns:a16="http://schemas.microsoft.com/office/drawing/2014/main" id="{632538E2-2410-4850-8C46-E12FC4FA7B90}"/>
+              </a:ext>
+            </a:extLst>
+          </p:cNvPr>
+          <p:cNvCxnSpPr>
+            <a:stCxn id="108" idx="0"/>
+            <a:endCxn id="128" idx="2"/>
+          </p:cNvCxnSpPr>
+          <p:nvPr/>
+        </p:nvCxnSpPr>
+        <p:spPr>
+          <a:xfrm flipV="1">
+            <a:off x="5623657" y="2251062"/>
+            <a:ext cx="3280223" cy="4135797"/>
+          </a:xfrm>
+          <a:prstGeom prst="straightConnector1">
+            <a:avLst/>
+          </a:prstGeom>
+          <a:ln>
+            <a:tailEnd type="triangle"/>
+          </a:ln>
+        </p:spPr>
+        <p:style>
+          <a:lnRef idx="1">
+            <a:schemeClr val="dk1"/>
+          </a:lnRef>
+          <a:fillRef idx="0">
+            <a:schemeClr val="dk1"/>
+          </a:fillRef>
+          <a:effectRef idx="0">
+            <a:schemeClr val="dk1"/>
+          </a:effectRef>
+          <a:fontRef idx="minor">
+            <a:schemeClr val="tx1"/>
+          </a:fontRef>
+        </p:style>
+      </p:cxnSp>
+      <p:cxnSp>
+        <p:nvCxnSpPr>
+          <p:cNvPr id="165" name="直線矢印コネクタ 164">
+            <a:extLst>
+              <a:ext uri="{FF2B5EF4-FFF2-40B4-BE49-F238E27FC236}">
+                <a16:creationId xmlns:a16="http://schemas.microsoft.com/office/drawing/2014/main" id="{BFFAC36D-D685-4741-A36A-2983DADD3E47}"/>
+              </a:ext>
+            </a:extLst>
+          </p:cNvPr>
+          <p:cNvCxnSpPr>
+            <a:stCxn id="37" idx="0"/>
+            <a:endCxn id="128" idx="2"/>
+          </p:cNvCxnSpPr>
+          <p:nvPr/>
+        </p:nvCxnSpPr>
+        <p:spPr>
+          <a:xfrm flipV="1">
+            <a:off x="7762083" y="2251062"/>
+            <a:ext cx="1141797" cy="4147731"/>
+          </a:xfrm>
+          <a:prstGeom prst="straightConnector1">
+            <a:avLst/>
+          </a:prstGeom>
+          <a:ln>
+            <a:tailEnd type="triangle"/>
+          </a:ln>
+        </p:spPr>
+        <p:style>
+          <a:lnRef idx="1">
+            <a:schemeClr val="dk1"/>
+          </a:lnRef>
+          <a:fillRef idx="0">
+            <a:schemeClr val="dk1"/>
+          </a:fillRef>
+          <a:effectRef idx="0">
+            <a:schemeClr val="dk1"/>
+          </a:effectRef>
+          <a:fontRef idx="minor">
+            <a:schemeClr val="tx1"/>
+          </a:fontRef>
+        </p:style>
+      </p:cxnSp>
+      <p:cxnSp>
+        <p:nvCxnSpPr>
+          <p:cNvPr id="167" name="直線矢印コネクタ 166">
+            <a:extLst>
+              <a:ext uri="{FF2B5EF4-FFF2-40B4-BE49-F238E27FC236}">
+                <a16:creationId xmlns:a16="http://schemas.microsoft.com/office/drawing/2014/main" id="{91A5BA54-28AF-486E-8622-97D4C9F33E75}"/>
+              </a:ext>
+            </a:extLst>
+          </p:cNvPr>
+          <p:cNvCxnSpPr>
+            <a:stCxn id="88" idx="0"/>
+            <a:endCxn id="128" idx="2"/>
+          </p:cNvCxnSpPr>
+          <p:nvPr/>
+        </p:nvCxnSpPr>
+        <p:spPr>
+          <a:xfrm flipH="1" flipV="1">
+            <a:off x="8903880" y="2251062"/>
+            <a:ext cx="1216118" cy="2214663"/>
+          </a:xfrm>
+          <a:prstGeom prst="straightConnector1">
+            <a:avLst/>
+          </a:prstGeom>
+          <a:ln>
+            <a:tailEnd type="triangle"/>
+          </a:ln>
+        </p:spPr>
+        <p:style>
+          <a:lnRef idx="1">
+            <a:schemeClr val="dk1"/>
+          </a:lnRef>
+          <a:fillRef idx="0">
+            <a:schemeClr val="dk1"/>
+          </a:fillRef>
+          <a:effectRef idx="0">
+            <a:schemeClr val="dk1"/>
+          </a:effectRef>
+          <a:fontRef idx="minor">
+            <a:schemeClr val="tx1"/>
+          </a:fontRef>
+        </p:style>
+      </p:cxnSp>
+      <p:cxnSp>
+        <p:nvCxnSpPr>
+          <p:cNvPr id="169" name="直線矢印コネクタ 168">
+            <a:extLst>
+              <a:ext uri="{FF2B5EF4-FFF2-40B4-BE49-F238E27FC236}">
+                <a16:creationId xmlns:a16="http://schemas.microsoft.com/office/drawing/2014/main" id="{A2B9BD03-A60D-4B8D-BA1F-A0342216EA76}"/>
+              </a:ext>
+            </a:extLst>
+          </p:cNvPr>
+          <p:cNvCxnSpPr>
+            <a:stCxn id="78" idx="0"/>
+            <a:endCxn id="128" idx="2"/>
+          </p:cNvCxnSpPr>
+          <p:nvPr/>
+        </p:nvCxnSpPr>
+        <p:spPr>
+          <a:xfrm flipV="1">
+            <a:off x="8038420" y="2251062"/>
+            <a:ext cx="865460" cy="2210004"/>
+          </a:xfrm>
+          <a:prstGeom prst="straightConnector1">
+            <a:avLst/>
+          </a:prstGeom>
+          <a:ln>
+            <a:tailEnd type="triangle"/>
+          </a:ln>
+        </p:spPr>
+        <p:style>
+          <a:lnRef idx="1">
+            <a:schemeClr val="dk1"/>
+          </a:lnRef>
+          <a:fillRef idx="0">
+            <a:schemeClr val="dk1"/>
+          </a:fillRef>
+          <a:effectRef idx="0">
+            <a:schemeClr val="dk1"/>
+          </a:effectRef>
+          <a:fontRef idx="minor">
+            <a:schemeClr val="tx1"/>
+          </a:fontRef>
+        </p:style>
+      </p:cxnSp>
+      <p:cxnSp>
+        <p:nvCxnSpPr>
+          <p:cNvPr id="171" name="直線矢印コネクタ 170">
+            <a:extLst>
+              <a:ext uri="{FF2B5EF4-FFF2-40B4-BE49-F238E27FC236}">
+                <a16:creationId xmlns:a16="http://schemas.microsoft.com/office/drawing/2014/main" id="{066B314C-7B91-4C7D-80B1-1DBCBC0191F3}"/>
+              </a:ext>
+            </a:extLst>
+          </p:cNvPr>
+          <p:cNvCxnSpPr>
+            <a:stCxn id="58" idx="0"/>
+            <a:endCxn id="128" idx="2"/>
+          </p:cNvCxnSpPr>
+          <p:nvPr/>
+        </p:nvCxnSpPr>
+        <p:spPr>
+          <a:xfrm flipV="1">
+            <a:off x="5888209" y="2251062"/>
+            <a:ext cx="3015671" cy="2210004"/>
+          </a:xfrm>
+          <a:prstGeom prst="straightConnector1">
+            <a:avLst/>
+          </a:prstGeom>
+          <a:ln>
+            <a:tailEnd type="triangle"/>
+          </a:ln>
+        </p:spPr>
+        <p:style>
+          <a:lnRef idx="1">
+            <a:schemeClr val="dk1"/>
+          </a:lnRef>
+          <a:fillRef idx="0">
+            <a:schemeClr val="dk1"/>
+          </a:fillRef>
+          <a:effectRef idx="0">
+            <a:schemeClr val="dk1"/>
+          </a:effectRef>
+          <a:fontRef idx="minor">
+            <a:schemeClr val="tx1"/>
+          </a:fontRef>
+        </p:style>
+      </p:cxnSp>
+      <p:cxnSp>
+        <p:nvCxnSpPr>
+          <p:cNvPr id="173" name="直線矢印コネクタ 172">
+            <a:extLst>
+              <a:ext uri="{FF2B5EF4-FFF2-40B4-BE49-F238E27FC236}">
+                <a16:creationId xmlns:a16="http://schemas.microsoft.com/office/drawing/2014/main" id="{BFCF576C-34F9-4820-81B6-234005164198}"/>
+              </a:ext>
+            </a:extLst>
+          </p:cNvPr>
+          <p:cNvCxnSpPr>
+            <a:stCxn id="131" idx="0"/>
+            <a:endCxn id="123" idx="2"/>
+          </p:cNvCxnSpPr>
+          <p:nvPr/>
+        </p:nvCxnSpPr>
+        <p:spPr>
+          <a:xfrm flipH="1" flipV="1">
+            <a:off x="8890056" y="1195285"/>
+            <a:ext cx="351021" cy="725225"/>
+          </a:xfrm>
+          <a:prstGeom prst="straightConnector1">
+            <a:avLst/>
+          </a:prstGeom>
+          <a:ln>
+            <a:tailEnd type="triangle"/>
+          </a:ln>
+        </p:spPr>
+        <p:style>
+          <a:lnRef idx="1">
+            <a:schemeClr val="dk1"/>
+          </a:lnRef>
+          <a:fillRef idx="0">
+            <a:schemeClr val="dk1"/>
+          </a:fillRef>
+          <a:effectRef idx="0">
+            <a:schemeClr val="dk1"/>
+          </a:effectRef>
+          <a:fontRef idx="minor">
+            <a:schemeClr val="tx1"/>
+          </a:fontRef>
+        </p:style>
+      </p:cxnSp>
+      <p:cxnSp>
+        <p:nvCxnSpPr>
+          <p:cNvPr id="175" name="直線矢印コネクタ 174">
+            <a:extLst>
+              <a:ext uri="{FF2B5EF4-FFF2-40B4-BE49-F238E27FC236}">
+                <a16:creationId xmlns:a16="http://schemas.microsoft.com/office/drawing/2014/main" id="{862A43AE-B55D-40F9-AF30-B8FEA774A91F}"/>
+              </a:ext>
+            </a:extLst>
+          </p:cNvPr>
+          <p:cNvCxnSpPr>
+            <a:stCxn id="126" idx="0"/>
+          </p:cNvCxnSpPr>
+          <p:nvPr/>
+        </p:nvCxnSpPr>
+        <p:spPr>
+          <a:xfrm flipH="1" flipV="1">
+            <a:off x="8989634" y="192255"/>
+            <a:ext cx="237619" cy="672478"/>
+          </a:xfrm>
+          <a:prstGeom prst="straightConnector1">
+            <a:avLst/>
+          </a:prstGeom>
+          <a:ln>
+            <a:tailEnd type="triangle"/>
+          </a:ln>
+        </p:spPr>
+        <p:style>
+          <a:lnRef idx="1">
+            <a:schemeClr val="dk1"/>
+          </a:lnRef>
+          <a:fillRef idx="0">
+            <a:schemeClr val="dk1"/>
+          </a:fillRef>
+          <a:effectRef idx="0">
+            <a:schemeClr val="dk1"/>
+          </a:effectRef>
+          <a:fontRef idx="minor">
+            <a:schemeClr val="tx1"/>
+          </a:fontRef>
+        </p:style>
+      </p:cxnSp>
+      <p:cxnSp>
+        <p:nvCxnSpPr>
+          <p:cNvPr id="177" name="直線矢印コネクタ 176">
+            <a:extLst>
+              <a:ext uri="{FF2B5EF4-FFF2-40B4-BE49-F238E27FC236}">
+                <a16:creationId xmlns:a16="http://schemas.microsoft.com/office/drawing/2014/main" id="{E438EFDC-3DCB-4C9B-B25A-0D7CF53E700B}"/>
+              </a:ext>
+            </a:extLst>
+          </p:cNvPr>
+          <p:cNvCxnSpPr>
+            <a:stCxn id="47" idx="0"/>
+            <a:endCxn id="128" idx="2"/>
+          </p:cNvCxnSpPr>
+          <p:nvPr/>
+        </p:nvCxnSpPr>
+        <p:spPr>
+          <a:xfrm flipV="1">
+            <a:off x="3718962" y="2251062"/>
+            <a:ext cx="5184918" cy="2210004"/>
+          </a:xfrm>
+          <a:prstGeom prst="straightConnector1">
+            <a:avLst/>
+          </a:prstGeom>
+          <a:ln>
+            <a:tailEnd type="triangle"/>
+          </a:ln>
+        </p:spPr>
+        <p:style>
+          <a:lnRef idx="1">
+            <a:schemeClr val="dk1"/>
+          </a:lnRef>
+          <a:fillRef idx="0">
+            <a:schemeClr val="dk1"/>
+          </a:fillRef>
+          <a:effectRef idx="0">
+            <a:schemeClr val="dk1"/>
+          </a:effectRef>
+          <a:fontRef idx="minor">
+            <a:schemeClr val="tx1"/>
+          </a:fontRef>
+        </p:style>
+      </p:cxnSp>
+      <p:cxnSp>
+        <p:nvCxnSpPr>
+          <p:cNvPr id="179" name="直線矢印コネクタ 178">
+            <a:extLst>
+              <a:ext uri="{FF2B5EF4-FFF2-40B4-BE49-F238E27FC236}">
+                <a16:creationId xmlns:a16="http://schemas.microsoft.com/office/drawing/2014/main" id="{EE7919E5-B994-4111-B522-95552F699522}"/>
+              </a:ext>
+            </a:extLst>
+          </p:cNvPr>
+          <p:cNvCxnSpPr>
+            <a:stCxn id="98" idx="0"/>
+            <a:endCxn id="128" idx="2"/>
+          </p:cNvCxnSpPr>
+          <p:nvPr/>
+        </p:nvCxnSpPr>
+        <p:spPr>
+          <a:xfrm flipV="1">
+            <a:off x="1584316" y="2251062"/>
+            <a:ext cx="7319564" cy="2220659"/>
+          </a:xfrm>
+          <a:prstGeom prst="straightConnector1">
+            <a:avLst/>
+          </a:prstGeom>
+          <a:ln>
+            <a:tailEnd type="triangle"/>
+          </a:ln>
+        </p:spPr>
+        <p:style>
+          <a:lnRef idx="1">
+            <a:schemeClr val="dk1"/>
+          </a:lnRef>
+          <a:fillRef idx="0">
+            <a:schemeClr val="dk1"/>
+          </a:fillRef>
+          <a:effectRef idx="0">
+            <a:schemeClr val="dk1"/>
+          </a:effectRef>
+          <a:fontRef idx="minor">
+            <a:schemeClr val="tx1"/>
+          </a:fontRef>
+        </p:style>
+      </p:cxnSp>
+    </p:spTree>
+    <p:extLst>
+      <p:ext uri="{BB962C8B-B14F-4D97-AF65-F5344CB8AC3E}">
+        <p14:creationId xmlns:p14="http://schemas.microsoft.com/office/powerpoint/2010/main" val="2081354964"/>
       </p:ext>
     </p:extLst>
   </p:cSld>
